--- a/GroupPresentation.pptx
+++ b/GroupPresentation.pptx
@@ -5,42 +5,47 @@
     <p:sldMasterId id="2147483963" r:id="rId2"/>
   </p:sldMasterIdLst>
   <p:notesMasterIdLst>
-    <p:notesMasterId r:id="rId33"/>
+    <p:notesMasterId r:id="rId38"/>
   </p:notesMasterIdLst>
   <p:handoutMasterIdLst>
-    <p:handoutMasterId r:id="rId34"/>
+    <p:handoutMasterId r:id="rId39"/>
   </p:handoutMasterIdLst>
   <p:sldIdLst>
     <p:sldId id="269" r:id="rId3"/>
-    <p:sldId id="280" r:id="rId4"/>
-    <p:sldId id="282" r:id="rId5"/>
-    <p:sldId id="309" r:id="rId6"/>
-    <p:sldId id="311" r:id="rId7"/>
-    <p:sldId id="310" r:id="rId8"/>
-    <p:sldId id="285" r:id="rId9"/>
-    <p:sldId id="304" r:id="rId10"/>
-    <p:sldId id="305" r:id="rId11"/>
-    <p:sldId id="288" r:id="rId12"/>
-    <p:sldId id="290" r:id="rId13"/>
-    <p:sldId id="308" r:id="rId14"/>
-    <p:sldId id="307" r:id="rId15"/>
-    <p:sldId id="276" r:id="rId16"/>
-    <p:sldId id="291" r:id="rId17"/>
-    <p:sldId id="289" r:id="rId18"/>
-    <p:sldId id="274" r:id="rId19"/>
-    <p:sldId id="306" r:id="rId20"/>
-    <p:sldId id="295" r:id="rId21"/>
-    <p:sldId id="279" r:id="rId22"/>
-    <p:sldId id="284" r:id="rId23"/>
-    <p:sldId id="283" r:id="rId24"/>
-    <p:sldId id="286" r:id="rId25"/>
-    <p:sldId id="298" r:id="rId26"/>
-    <p:sldId id="299" r:id="rId27"/>
-    <p:sldId id="300" r:id="rId28"/>
-    <p:sldId id="287" r:id="rId29"/>
-    <p:sldId id="302" r:id="rId30"/>
-    <p:sldId id="301" r:id="rId31"/>
-    <p:sldId id="303" r:id="rId32"/>
+    <p:sldId id="282" r:id="rId4"/>
+    <p:sldId id="312" r:id="rId5"/>
+    <p:sldId id="314" r:id="rId6"/>
+    <p:sldId id="315" r:id="rId7"/>
+    <p:sldId id="316" r:id="rId8"/>
+    <p:sldId id="280" r:id="rId9"/>
+    <p:sldId id="313" r:id="rId10"/>
+    <p:sldId id="309" r:id="rId11"/>
+    <p:sldId id="285" r:id="rId12"/>
+    <p:sldId id="311" r:id="rId13"/>
+    <p:sldId id="304" r:id="rId14"/>
+    <p:sldId id="310" r:id="rId15"/>
+    <p:sldId id="305" r:id="rId16"/>
+    <p:sldId id="288" r:id="rId17"/>
+    <p:sldId id="290" r:id="rId18"/>
+    <p:sldId id="308" r:id="rId19"/>
+    <p:sldId id="307" r:id="rId20"/>
+    <p:sldId id="276" r:id="rId21"/>
+    <p:sldId id="291" r:id="rId22"/>
+    <p:sldId id="289" r:id="rId23"/>
+    <p:sldId id="274" r:id="rId24"/>
+    <p:sldId id="306" r:id="rId25"/>
+    <p:sldId id="295" r:id="rId26"/>
+    <p:sldId id="279" r:id="rId27"/>
+    <p:sldId id="284" r:id="rId28"/>
+    <p:sldId id="283" r:id="rId29"/>
+    <p:sldId id="286" r:id="rId30"/>
+    <p:sldId id="298" r:id="rId31"/>
+    <p:sldId id="299" r:id="rId32"/>
+    <p:sldId id="300" r:id="rId33"/>
+    <p:sldId id="287" r:id="rId34"/>
+    <p:sldId id="302" r:id="rId35"/>
+    <p:sldId id="301" r:id="rId36"/>
+    <p:sldId id="303" r:id="rId37"/>
   </p:sldIdLst>
   <p:sldSz cx="12192000" cy="6858000"/>
   <p:notesSz cx="4683125" cy="8686800"/>
@@ -196,7 +201,7 @@
           </a:prstGeom>
         </p:spPr>
         <p:txBody>
-          <a:bodyPr vert="horz" lIns="76398" tIns="38199" rIns="76398" bIns="38199" rtlCol="0"/>
+          <a:bodyPr vert="horz" lIns="76390" tIns="38194" rIns="76390" bIns="38194" rtlCol="0"/>
           <a:lstStyle>
             <a:lvl1pPr algn="l">
               <a:defRPr sz="1000"/>
@@ -227,7 +232,7 @@
           </a:prstGeom>
         </p:spPr>
         <p:txBody>
-          <a:bodyPr vert="horz" lIns="76398" tIns="38199" rIns="76398" bIns="38199" rtlCol="0"/>
+          <a:bodyPr vert="horz" lIns="76390" tIns="38194" rIns="76390" bIns="38194" rtlCol="0"/>
           <a:lstStyle>
             <a:lvl1pPr algn="r">
               <a:defRPr sz="1000"/>
@@ -236,7 +241,7 @@
           <a:p>
             <a:fld id="{FCDF4E22-E98E-4F6B-977F-447F402EDE8D}" type="datetimeFigureOut">
               <a:rPr lang="en-US" smtClean="0"/>
-              <a:t>12/3/2017</a:t>
+              <a:t>1/9/2018</a:t>
             </a:fld>
             <a:endParaRPr lang="en-US"/>
           </a:p>
@@ -262,7 +267,7 @@
           </a:prstGeom>
         </p:spPr>
         <p:txBody>
-          <a:bodyPr vert="horz" lIns="76398" tIns="38199" rIns="76398" bIns="38199" rtlCol="0" anchor="b"/>
+          <a:bodyPr vert="horz" lIns="76390" tIns="38194" rIns="76390" bIns="38194" rtlCol="0" anchor="b"/>
           <a:lstStyle>
             <a:lvl1pPr algn="l">
               <a:defRPr sz="1000"/>
@@ -293,7 +298,7 @@
           </a:prstGeom>
         </p:spPr>
         <p:txBody>
-          <a:bodyPr vert="horz" lIns="76398" tIns="38199" rIns="76398" bIns="38199" rtlCol="0" anchor="b"/>
+          <a:bodyPr vert="horz" lIns="76390" tIns="38194" rIns="76390" bIns="38194" rtlCol="0" anchor="b"/>
           <a:lstStyle>
             <a:lvl1pPr algn="r">
               <a:defRPr sz="1000"/>
@@ -361,7 +366,7 @@
           </a:prstGeom>
         </p:spPr>
         <p:txBody>
-          <a:bodyPr vert="horz" lIns="76398" tIns="38199" rIns="76398" bIns="38199" rtlCol="0"/>
+          <a:bodyPr vert="horz" lIns="76390" tIns="38194" rIns="76390" bIns="38194" rtlCol="0"/>
           <a:lstStyle>
             <a:lvl1pPr algn="l">
               <a:defRPr sz="1000"/>
@@ -392,7 +397,7 @@
           </a:prstGeom>
         </p:spPr>
         <p:txBody>
-          <a:bodyPr vert="horz" lIns="76398" tIns="38199" rIns="76398" bIns="38199" rtlCol="0"/>
+          <a:bodyPr vert="horz" lIns="76390" tIns="38194" rIns="76390" bIns="38194" rtlCol="0"/>
           <a:lstStyle>
             <a:lvl1pPr algn="r">
               <a:defRPr sz="1000"/>
@@ -401,7 +406,7 @@
           <a:p>
             <a:fld id="{3902AA3D-838A-4524-93AE-BB6F4B6FC72A}" type="datetimeFigureOut">
               <a:rPr lang="en-US" smtClean="0"/>
-              <a:t>12/3/2017</a:t>
+              <a:t>1/9/2018</a:t>
             </a:fld>
             <a:endParaRPr lang="en-US"/>
           </a:p>
@@ -433,7 +438,7 @@
           </a:ln>
         </p:spPr>
         <p:txBody>
-          <a:bodyPr vert="horz" lIns="76398" tIns="38199" rIns="76398" bIns="38199" rtlCol="0" anchor="ctr"/>
+          <a:bodyPr vert="horz" lIns="76390" tIns="38194" rIns="76390" bIns="38194" rtlCol="0" anchor="ctr"/>
           <a:lstStyle/>
           <a:p>
             <a:endParaRPr lang="en-US"/>
@@ -460,7 +465,7 @@
           </a:prstGeom>
         </p:spPr>
         <p:txBody>
-          <a:bodyPr vert="horz" lIns="76398" tIns="38199" rIns="76398" bIns="38199" rtlCol="0"/>
+          <a:bodyPr vert="horz" lIns="76390" tIns="38194" rIns="76390" bIns="38194" rtlCol="0"/>
           <a:lstStyle/>
           <a:p>
             <a:pPr lvl="0"/>
@@ -519,7 +524,7 @@
           </a:prstGeom>
         </p:spPr>
         <p:txBody>
-          <a:bodyPr vert="horz" lIns="76398" tIns="38199" rIns="76398" bIns="38199" rtlCol="0" anchor="b"/>
+          <a:bodyPr vert="horz" lIns="76390" tIns="38194" rIns="76390" bIns="38194" rtlCol="0" anchor="b"/>
           <a:lstStyle>
             <a:lvl1pPr algn="l">
               <a:defRPr sz="1000"/>
@@ -550,7 +555,7 @@
           </a:prstGeom>
         </p:spPr>
         <p:txBody>
-          <a:bodyPr vert="horz" lIns="76398" tIns="38199" rIns="76398" bIns="38199" rtlCol="0" anchor="b"/>
+          <a:bodyPr vert="horz" lIns="76390" tIns="38194" rIns="76390" bIns="38194" rtlCol="0" anchor="b"/>
           <a:lstStyle>
             <a:lvl1pPr algn="r">
               <a:defRPr sz="1000"/>
@@ -713,6 +718,114 @@
           <a:lstStyle/>
           <a:p>
             <a:r>
+              <a:rPr lang="en-US" dirty="0"/>
+              <a:t>Exchange of software – software supply chain</a:t>
+            </a:r>
+          </a:p>
+          <a:p>
+            <a:r>
+              <a:rPr lang="en-US" dirty="0"/>
+              <a:t>To support the exchange – need standards -&gt; lead to SPDX</a:t>
+            </a:r>
+          </a:p>
+          <a:p>
+            <a:r>
+              <a:rPr lang="en-US" dirty="0"/>
+              <a:t>Explicating that risk involved with software exchange is a contribution of SPDX</a:t>
+            </a:r>
+          </a:p>
+          <a:p>
+            <a:endParaRPr lang="en-US" dirty="0"/>
+          </a:p>
+          <a:p>
+            <a:r>
+              <a:rPr lang="en-US" dirty="0"/>
+              <a:t>Work on entry</a:t>
+            </a:r>
+          </a:p>
+        </p:txBody>
+      </p:sp>
+      <p:sp>
+        <p:nvSpPr>
+          <p:cNvPr id="4" name="Slide Number Placeholder 3"/>
+          <p:cNvSpPr>
+            <a:spLocks noGrp="1"/>
+          </p:cNvSpPr>
+          <p:nvPr>
+            <p:ph type="sldNum" sz="quarter" idx="10"/>
+          </p:nvPr>
+        </p:nvSpPr>
+        <p:spPr/>
+        <p:txBody>
+          <a:bodyPr/>
+          <a:lstStyle/>
+          <a:p>
+            <a:fld id="{7F945297-9661-4111-AC4D-7C1869DFF06C}" type="slidenum">
+              <a:rPr lang="en-US" smtClean="0"/>
+              <a:t>1</a:t>
+            </a:fld>
+            <a:endParaRPr lang="en-US"/>
+          </a:p>
+        </p:txBody>
+      </p:sp>
+    </p:spTree>
+    <p:extLst>
+      <p:ext uri="{BB962C8B-B14F-4D97-AF65-F5344CB8AC3E}">
+        <p14:creationId xmlns:p14="http://schemas.microsoft.com/office/powerpoint/2010/main" val="3707242311"/>
+      </p:ext>
+    </p:extLst>
+  </p:cSld>
+  <p:clrMapOvr>
+    <a:masterClrMapping/>
+  </p:clrMapOvr>
+</p:notes>
+</file>
+
+<file path=ppt/notesSlides/notesSlide2.xml><?xml version="1.0" encoding="utf-8"?>
+<p:notes xmlns:a="http://schemas.openxmlformats.org/drawingml/2006/main" xmlns:r="http://schemas.openxmlformats.org/officeDocument/2006/relationships" xmlns:p="http://schemas.openxmlformats.org/presentationml/2006/main">
+  <p:cSld>
+    <p:spTree>
+      <p:nvGrpSpPr>
+        <p:cNvPr id="1" name=""/>
+        <p:cNvGrpSpPr/>
+        <p:nvPr/>
+      </p:nvGrpSpPr>
+      <p:grpSpPr>
+        <a:xfrm>
+          <a:off x="0" y="0"/>
+          <a:ext cx="0" cy="0"/>
+          <a:chOff x="0" y="0"/>
+          <a:chExt cx="0" cy="0"/>
+        </a:xfrm>
+      </p:grpSpPr>
+      <p:sp>
+        <p:nvSpPr>
+          <p:cNvPr id="2" name="Slide Image Placeholder 1"/>
+          <p:cNvSpPr>
+            <a:spLocks noGrp="1" noRot="1" noChangeAspect="1"/>
+          </p:cNvSpPr>
+          <p:nvPr>
+            <p:ph type="sldImg"/>
+          </p:nvPr>
+        </p:nvSpPr>
+        <p:spPr/>
+      </p:sp>
+      <p:sp>
+        <p:nvSpPr>
+          <p:cNvPr id="3" name="Notes Placeholder 2"/>
+          <p:cNvSpPr>
+            <a:spLocks noGrp="1"/>
+          </p:cNvSpPr>
+          <p:nvPr>
+            <p:ph type="body" idx="1"/>
+          </p:nvPr>
+        </p:nvSpPr>
+        <p:spPr/>
+        <p:txBody>
+          <a:bodyPr/>
+          <a:lstStyle/>
+          <a:p>
+            <a:r>
               <a:rPr lang="en-US"/>
               <a:t>Became Linux Foundation Project in 2010.</a:t>
             </a:r>
@@ -727,6 +840,15 @@
             <a:endParaRPr lang="en-US"/>
           </a:p>
           <a:p>
+            <a:r>
+              <a:rPr lang="en-US"/>
+              <a:t>Tools produce/validates SPDX documents</a:t>
+            </a:r>
+          </a:p>
+          <a:p>
+            <a:endParaRPr lang="en-US"/>
+          </a:p>
+          <a:p>
             <a:endParaRPr lang="en-US"/>
           </a:p>
         </p:txBody>
@@ -748,7 +870,7 @@
           <a:p>
             <a:fld id="{7F945297-9661-4111-AC4D-7C1869DFF06C}" type="slidenum">
               <a:rPr lang="en-US" smtClean="0"/>
-              <a:t>2</a:t>
+              <a:t>7</a:t>
             </a:fld>
             <a:endParaRPr lang="en-US"/>
           </a:p>
@@ -758,6 +880,660 @@
     <p:extLst>
       <p:ext uri="{BB962C8B-B14F-4D97-AF65-F5344CB8AC3E}">
         <p14:creationId xmlns:p14="http://schemas.microsoft.com/office/powerpoint/2010/main" val="1978297863"/>
+      </p:ext>
+    </p:extLst>
+  </p:cSld>
+  <p:clrMapOvr>
+    <a:masterClrMapping/>
+  </p:clrMapOvr>
+</p:notes>
+</file>
+
+<file path=ppt/notesSlides/notesSlide3.xml><?xml version="1.0" encoding="utf-8"?>
+<p:notes xmlns:a="http://schemas.openxmlformats.org/drawingml/2006/main" xmlns:r="http://schemas.openxmlformats.org/officeDocument/2006/relationships" xmlns:p="http://schemas.openxmlformats.org/presentationml/2006/main">
+  <p:cSld>
+    <p:spTree>
+      <p:nvGrpSpPr>
+        <p:cNvPr id="1" name=""/>
+        <p:cNvGrpSpPr/>
+        <p:nvPr/>
+      </p:nvGrpSpPr>
+      <p:grpSpPr>
+        <a:xfrm>
+          <a:off x="0" y="0"/>
+          <a:ext cx="0" cy="0"/>
+          <a:chOff x="0" y="0"/>
+          <a:chExt cx="0" cy="0"/>
+        </a:xfrm>
+      </p:grpSpPr>
+      <p:sp>
+        <p:nvSpPr>
+          <p:cNvPr id="2" name="Slide Image Placeholder 1"/>
+          <p:cNvSpPr>
+            <a:spLocks noGrp="1" noRot="1" noChangeAspect="1"/>
+          </p:cNvSpPr>
+          <p:nvPr>
+            <p:ph type="sldImg"/>
+          </p:nvPr>
+        </p:nvSpPr>
+        <p:spPr/>
+      </p:sp>
+      <p:sp>
+        <p:nvSpPr>
+          <p:cNvPr id="3" name="Notes Placeholder 2"/>
+          <p:cNvSpPr>
+            <a:spLocks noGrp="1"/>
+          </p:cNvSpPr>
+          <p:nvPr>
+            <p:ph type="body" idx="1"/>
+          </p:nvPr>
+        </p:nvSpPr>
+        <p:spPr/>
+        <p:txBody>
+          <a:bodyPr/>
+          <a:lstStyle/>
+          <a:p>
+            <a:endParaRPr lang="en-US"/>
+          </a:p>
+        </p:txBody>
+      </p:sp>
+      <p:sp>
+        <p:nvSpPr>
+          <p:cNvPr id="4" name="Slide Number Placeholder 3"/>
+          <p:cNvSpPr>
+            <a:spLocks noGrp="1"/>
+          </p:cNvSpPr>
+          <p:nvPr>
+            <p:ph type="sldNum" sz="quarter" idx="10"/>
+          </p:nvPr>
+        </p:nvSpPr>
+        <p:spPr/>
+        <p:txBody>
+          <a:bodyPr/>
+          <a:lstStyle/>
+          <a:p>
+            <a:fld id="{7F945297-9661-4111-AC4D-7C1869DFF06C}" type="slidenum">
+              <a:rPr lang="en-US" smtClean="0"/>
+              <a:t>9</a:t>
+            </a:fld>
+            <a:endParaRPr lang="en-US"/>
+          </a:p>
+        </p:txBody>
+      </p:sp>
+    </p:spTree>
+    <p:extLst>
+      <p:ext uri="{BB962C8B-B14F-4D97-AF65-F5344CB8AC3E}">
+        <p14:creationId xmlns:p14="http://schemas.microsoft.com/office/powerpoint/2010/main" val="2126549725"/>
+      </p:ext>
+    </p:extLst>
+  </p:cSld>
+  <p:clrMapOvr>
+    <a:masterClrMapping/>
+  </p:clrMapOvr>
+</p:notes>
+</file>
+
+<file path=ppt/notesSlides/notesSlide4.xml><?xml version="1.0" encoding="utf-8"?>
+<p:notes xmlns:a="http://schemas.openxmlformats.org/drawingml/2006/main" xmlns:r="http://schemas.openxmlformats.org/officeDocument/2006/relationships" xmlns:p="http://schemas.openxmlformats.org/presentationml/2006/main">
+  <p:cSld>
+    <p:spTree>
+      <p:nvGrpSpPr>
+        <p:cNvPr id="1" name=""/>
+        <p:cNvGrpSpPr/>
+        <p:nvPr/>
+      </p:nvGrpSpPr>
+      <p:grpSpPr>
+        <a:xfrm>
+          <a:off x="0" y="0"/>
+          <a:ext cx="0" cy="0"/>
+          <a:chOff x="0" y="0"/>
+          <a:chExt cx="0" cy="0"/>
+        </a:xfrm>
+      </p:grpSpPr>
+      <p:sp>
+        <p:nvSpPr>
+          <p:cNvPr id="2" name="Slide Image Placeholder 1"/>
+          <p:cNvSpPr>
+            <a:spLocks noGrp="1" noRot="1" noChangeAspect="1"/>
+          </p:cNvSpPr>
+          <p:nvPr>
+            <p:ph type="sldImg"/>
+          </p:nvPr>
+        </p:nvSpPr>
+        <p:spPr/>
+      </p:sp>
+      <p:sp>
+        <p:nvSpPr>
+          <p:cNvPr id="3" name="Notes Placeholder 2"/>
+          <p:cNvSpPr>
+            <a:spLocks noGrp="1"/>
+          </p:cNvSpPr>
+          <p:nvPr>
+            <p:ph type="body" idx="1"/>
+          </p:nvPr>
+        </p:nvSpPr>
+        <p:spPr/>
+        <p:txBody>
+          <a:bodyPr/>
+          <a:lstStyle/>
+          <a:p>
+            <a:r>
+              <a:rPr lang="en-US"/>
+              <a:t>Maybe an example for this… autograte linux maybe – Toyota, honda, … don’t want to rebuild the operating system but contribute back to the project</a:t>
+            </a:r>
+          </a:p>
+        </p:txBody>
+      </p:sp>
+      <p:sp>
+        <p:nvSpPr>
+          <p:cNvPr id="4" name="Slide Number Placeholder 3"/>
+          <p:cNvSpPr>
+            <a:spLocks noGrp="1"/>
+          </p:cNvSpPr>
+          <p:nvPr>
+            <p:ph type="sldNum" sz="quarter" idx="10"/>
+          </p:nvPr>
+        </p:nvSpPr>
+        <p:spPr/>
+        <p:txBody>
+          <a:bodyPr/>
+          <a:lstStyle/>
+          <a:p>
+            <a:fld id="{7F945297-9661-4111-AC4D-7C1869DFF06C}" type="slidenum">
+              <a:rPr lang="en-US" smtClean="0"/>
+              <a:t>14</a:t>
+            </a:fld>
+            <a:endParaRPr lang="en-US"/>
+          </a:p>
+        </p:txBody>
+      </p:sp>
+    </p:spTree>
+    <p:extLst>
+      <p:ext uri="{BB962C8B-B14F-4D97-AF65-F5344CB8AC3E}">
+        <p14:creationId xmlns:p14="http://schemas.microsoft.com/office/powerpoint/2010/main" val="1709676148"/>
+      </p:ext>
+    </p:extLst>
+  </p:cSld>
+  <p:clrMapOvr>
+    <a:masterClrMapping/>
+  </p:clrMapOvr>
+</p:notes>
+</file>
+
+<file path=ppt/notesSlides/notesSlide5.xml><?xml version="1.0" encoding="utf-8"?>
+<p:notes xmlns:a="http://schemas.openxmlformats.org/drawingml/2006/main" xmlns:r="http://schemas.openxmlformats.org/officeDocument/2006/relationships" xmlns:p="http://schemas.openxmlformats.org/presentationml/2006/main">
+  <p:cSld>
+    <p:spTree>
+      <p:nvGrpSpPr>
+        <p:cNvPr id="1" name=""/>
+        <p:cNvGrpSpPr/>
+        <p:nvPr/>
+      </p:nvGrpSpPr>
+      <p:grpSpPr>
+        <a:xfrm>
+          <a:off x="0" y="0"/>
+          <a:ext cx="0" cy="0"/>
+          <a:chOff x="0" y="0"/>
+          <a:chExt cx="0" cy="0"/>
+        </a:xfrm>
+      </p:grpSpPr>
+      <p:sp>
+        <p:nvSpPr>
+          <p:cNvPr id="2" name="Slide Image Placeholder 1"/>
+          <p:cNvSpPr>
+            <a:spLocks noGrp="1" noRot="1" noChangeAspect="1"/>
+          </p:cNvSpPr>
+          <p:nvPr>
+            <p:ph type="sldImg"/>
+          </p:nvPr>
+        </p:nvSpPr>
+        <p:spPr/>
+      </p:sp>
+      <p:sp>
+        <p:nvSpPr>
+          <p:cNvPr id="3" name="Notes Placeholder 2"/>
+          <p:cNvSpPr>
+            <a:spLocks noGrp="1"/>
+          </p:cNvSpPr>
+          <p:nvPr>
+            <p:ph type="body" idx="1"/>
+          </p:nvPr>
+        </p:nvSpPr>
+        <p:spPr/>
+        <p:txBody>
+          <a:bodyPr/>
+          <a:lstStyle/>
+          <a:p>
+            <a:r>
+              <a:rPr lang="en-US"/>
+              <a:t>Characterize the organizations</a:t>
+            </a:r>
+          </a:p>
+          <a:p>
+            <a:pPr marL="171431" indent="-171431">
+              <a:buFontTx/>
+              <a:buChar char="-"/>
+            </a:pPr>
+            <a:r>
+              <a:rPr lang="en-US"/>
+              <a:t>Heavily involved</a:t>
+            </a:r>
+          </a:p>
+          <a:p>
+            <a:pPr marL="171431" indent="-171431">
+              <a:buFontTx/>
+              <a:buChar char="-"/>
+            </a:pPr>
+            <a:r>
+              <a:rPr lang="en-US"/>
+              <a:t>LF contributors</a:t>
+            </a:r>
+          </a:p>
+          <a:p>
+            <a:pPr marL="171431" indent="-171431">
+              <a:buFontTx/>
+              <a:buChar char="-"/>
+            </a:pPr>
+            <a:r>
+              <a:rPr lang="en-US"/>
+              <a:t>Fortune 100 companies</a:t>
+            </a:r>
+          </a:p>
+          <a:p>
+            <a:pPr marL="171431" indent="-171431">
+              <a:buFontTx/>
+              <a:buChar char="-"/>
+            </a:pPr>
+            <a:endParaRPr lang="en-US"/>
+          </a:p>
+          <a:p>
+            <a:pPr marL="171431" indent="-171431">
+              <a:buFontTx/>
+              <a:buChar char="-"/>
+            </a:pPr>
+            <a:r>
+              <a:rPr lang="en-US"/>
+              <a:t>Validation: be assured about ground validation – planned and not accidental</a:t>
+            </a:r>
+          </a:p>
+          <a:p>
+            <a:pPr marL="171431" indent="-171431">
+              <a:buFontTx/>
+              <a:buChar char="-"/>
+            </a:pPr>
+            <a:endParaRPr lang="en-US"/>
+          </a:p>
+          <a:p>
+            <a:pPr marL="171431" indent="-171431">
+              <a:buFontTx/>
+              <a:buChar char="-"/>
+            </a:pPr>
+            <a:r>
+              <a:rPr lang="en-US"/>
+              <a:t>Important data and hard to get (imply)</a:t>
+            </a:r>
+          </a:p>
+          <a:p>
+            <a:pPr marL="171431" indent="-171431">
+              <a:buFontTx/>
+              <a:buChar char="-"/>
+            </a:pPr>
+            <a:endParaRPr lang="en-US"/>
+          </a:p>
+          <a:p>
+            <a:pPr marL="171431" indent="-171431">
+              <a:buFontTx/>
+              <a:buChar char="-"/>
+            </a:pPr>
+            <a:r>
+              <a:rPr lang="en-US"/>
+              <a:t>Qualitative analysis</a:t>
+            </a:r>
+          </a:p>
+        </p:txBody>
+      </p:sp>
+      <p:sp>
+        <p:nvSpPr>
+          <p:cNvPr id="4" name="Slide Number Placeholder 3"/>
+          <p:cNvSpPr>
+            <a:spLocks noGrp="1"/>
+          </p:cNvSpPr>
+          <p:nvPr>
+            <p:ph type="sldNum" sz="quarter" idx="10"/>
+          </p:nvPr>
+        </p:nvSpPr>
+        <p:spPr/>
+        <p:txBody>
+          <a:bodyPr/>
+          <a:lstStyle/>
+          <a:p>
+            <a:fld id="{7F945297-9661-4111-AC4D-7C1869DFF06C}" type="slidenum">
+              <a:rPr lang="en-US" smtClean="0"/>
+              <a:t>15</a:t>
+            </a:fld>
+            <a:endParaRPr lang="en-US"/>
+          </a:p>
+        </p:txBody>
+      </p:sp>
+    </p:spTree>
+    <p:extLst>
+      <p:ext uri="{BB962C8B-B14F-4D97-AF65-F5344CB8AC3E}">
+        <p14:creationId xmlns:p14="http://schemas.microsoft.com/office/powerpoint/2010/main" val="2201231136"/>
+      </p:ext>
+    </p:extLst>
+  </p:cSld>
+  <p:clrMapOvr>
+    <a:masterClrMapping/>
+  </p:clrMapOvr>
+</p:notes>
+</file>
+
+<file path=ppt/notesSlides/notesSlide6.xml><?xml version="1.0" encoding="utf-8"?>
+<p:notes xmlns:a="http://schemas.openxmlformats.org/drawingml/2006/main" xmlns:r="http://schemas.openxmlformats.org/officeDocument/2006/relationships" xmlns:p="http://schemas.openxmlformats.org/presentationml/2006/main">
+  <p:cSld>
+    <p:spTree>
+      <p:nvGrpSpPr>
+        <p:cNvPr id="1" name=""/>
+        <p:cNvGrpSpPr/>
+        <p:nvPr/>
+      </p:nvGrpSpPr>
+      <p:grpSpPr>
+        <a:xfrm>
+          <a:off x="0" y="0"/>
+          <a:ext cx="0" cy="0"/>
+          <a:chOff x="0" y="0"/>
+          <a:chExt cx="0" cy="0"/>
+        </a:xfrm>
+      </p:grpSpPr>
+      <p:sp>
+        <p:nvSpPr>
+          <p:cNvPr id="2" name="Slide Image Placeholder 1"/>
+          <p:cNvSpPr>
+            <a:spLocks noGrp="1" noRot="1" noChangeAspect="1"/>
+          </p:cNvSpPr>
+          <p:nvPr>
+            <p:ph type="sldImg"/>
+          </p:nvPr>
+        </p:nvSpPr>
+        <p:spPr/>
+      </p:sp>
+      <p:sp>
+        <p:nvSpPr>
+          <p:cNvPr id="3" name="Notes Placeholder 2"/>
+          <p:cNvSpPr>
+            <a:spLocks noGrp="1"/>
+          </p:cNvSpPr>
+          <p:nvPr>
+            <p:ph type="body" idx="1"/>
+          </p:nvPr>
+        </p:nvSpPr>
+        <p:spPr/>
+        <p:txBody>
+          <a:bodyPr/>
+          <a:lstStyle/>
+          <a:p>
+            <a:r>
+              <a:rPr lang="en-US"/>
+              <a:t>Spend more time … </a:t>
+            </a:r>
+          </a:p>
+          <a:p>
+            <a:r>
+              <a:rPr lang="en-US"/>
+              <a:t>Word-cloud – combine the comments – show the variability</a:t>
+            </a:r>
+          </a:p>
+          <a:p>
+            <a:endParaRPr lang="en-US"/>
+          </a:p>
+          <a:p>
+            <a:r>
+              <a:rPr lang="en-US"/>
+              <a:t>Remind the audience that the understanding is localized within the organization.</a:t>
+            </a:r>
+          </a:p>
+          <a:p>
+            <a:endParaRPr lang="en-US"/>
+          </a:p>
+          <a:p>
+            <a:r>
+              <a:rPr lang="en-US"/>
+              <a:t>- Add the picture of the routine (box on just the left circle) – add to others aswell</a:t>
+            </a:r>
+          </a:p>
+        </p:txBody>
+      </p:sp>
+      <p:sp>
+        <p:nvSpPr>
+          <p:cNvPr id="4" name="Slide Number Placeholder 3"/>
+          <p:cNvSpPr>
+            <a:spLocks noGrp="1"/>
+          </p:cNvSpPr>
+          <p:nvPr>
+            <p:ph type="sldNum" sz="quarter" idx="10"/>
+          </p:nvPr>
+        </p:nvSpPr>
+        <p:spPr/>
+        <p:txBody>
+          <a:bodyPr/>
+          <a:lstStyle/>
+          <a:p>
+            <a:fld id="{7F945297-9661-4111-AC4D-7C1869DFF06C}" type="slidenum">
+              <a:rPr lang="en-US" smtClean="0"/>
+              <a:t>16</a:t>
+            </a:fld>
+            <a:endParaRPr lang="en-US"/>
+          </a:p>
+        </p:txBody>
+      </p:sp>
+    </p:spTree>
+    <p:extLst>
+      <p:ext uri="{BB962C8B-B14F-4D97-AF65-F5344CB8AC3E}">
+        <p14:creationId xmlns:p14="http://schemas.microsoft.com/office/powerpoint/2010/main" val="2109838384"/>
+      </p:ext>
+    </p:extLst>
+  </p:cSld>
+  <p:clrMapOvr>
+    <a:masterClrMapping/>
+  </p:clrMapOvr>
+</p:notes>
+</file>
+
+<file path=ppt/notesSlides/notesSlide7.xml><?xml version="1.0" encoding="utf-8"?>
+<p:notes xmlns:a="http://schemas.openxmlformats.org/drawingml/2006/main" xmlns:r="http://schemas.openxmlformats.org/officeDocument/2006/relationships" xmlns:p="http://schemas.openxmlformats.org/presentationml/2006/main">
+  <p:cSld>
+    <p:spTree>
+      <p:nvGrpSpPr>
+        <p:cNvPr id="1" name=""/>
+        <p:cNvGrpSpPr/>
+        <p:nvPr/>
+      </p:nvGrpSpPr>
+      <p:grpSpPr>
+        <a:xfrm>
+          <a:off x="0" y="0"/>
+          <a:ext cx="0" cy="0"/>
+          <a:chOff x="0" y="0"/>
+          <a:chExt cx="0" cy="0"/>
+        </a:xfrm>
+      </p:grpSpPr>
+      <p:sp>
+        <p:nvSpPr>
+          <p:cNvPr id="2" name="Slide Image Placeholder 1"/>
+          <p:cNvSpPr>
+            <a:spLocks noGrp="1" noRot="1" noChangeAspect="1"/>
+          </p:cNvSpPr>
+          <p:nvPr>
+            <p:ph type="sldImg"/>
+          </p:nvPr>
+        </p:nvSpPr>
+        <p:spPr/>
+      </p:sp>
+      <p:sp>
+        <p:nvSpPr>
+          <p:cNvPr id="3" name="Notes Placeholder 2"/>
+          <p:cNvSpPr>
+            <a:spLocks noGrp="1"/>
+          </p:cNvSpPr>
+          <p:nvPr>
+            <p:ph type="body" idx="1"/>
+          </p:nvPr>
+        </p:nvSpPr>
+        <p:spPr/>
+        <p:txBody>
+          <a:bodyPr/>
+          <a:lstStyle/>
+          <a:p>
+            <a:r>
+              <a:rPr lang="en-US"/>
+              <a:t>More general </a:t>
+            </a:r>
+          </a:p>
+          <a:p>
+            <a:endParaRPr lang="en-US"/>
+          </a:p>
+          <a:p>
+            <a:r>
+              <a:rPr lang="en-US"/>
+              <a:t>Header bullets – reduce to 3-4 words only</a:t>
+            </a:r>
+          </a:p>
+        </p:txBody>
+      </p:sp>
+      <p:sp>
+        <p:nvSpPr>
+          <p:cNvPr id="4" name="Slide Number Placeholder 3"/>
+          <p:cNvSpPr>
+            <a:spLocks noGrp="1"/>
+          </p:cNvSpPr>
+          <p:nvPr>
+            <p:ph type="sldNum" sz="quarter" idx="10"/>
+          </p:nvPr>
+        </p:nvSpPr>
+        <p:spPr/>
+        <p:txBody>
+          <a:bodyPr/>
+          <a:lstStyle/>
+          <a:p>
+            <a:fld id="{7F945297-9661-4111-AC4D-7C1869DFF06C}" type="slidenum">
+              <a:rPr lang="en-US" smtClean="0"/>
+              <a:t>19</a:t>
+            </a:fld>
+            <a:endParaRPr lang="en-US"/>
+          </a:p>
+        </p:txBody>
+      </p:sp>
+    </p:spTree>
+    <p:extLst>
+      <p:ext uri="{BB962C8B-B14F-4D97-AF65-F5344CB8AC3E}">
+        <p14:creationId xmlns:p14="http://schemas.microsoft.com/office/powerpoint/2010/main" val="3849234944"/>
+      </p:ext>
+    </p:extLst>
+  </p:cSld>
+  <p:clrMapOvr>
+    <a:masterClrMapping/>
+  </p:clrMapOvr>
+</p:notes>
+</file>
+
+<file path=ppt/notesSlides/notesSlide8.xml><?xml version="1.0" encoding="utf-8"?>
+<p:notes xmlns:a="http://schemas.openxmlformats.org/drawingml/2006/main" xmlns:r="http://schemas.openxmlformats.org/officeDocument/2006/relationships" xmlns:p="http://schemas.openxmlformats.org/presentationml/2006/main">
+  <p:cSld>
+    <p:spTree>
+      <p:nvGrpSpPr>
+        <p:cNvPr id="1" name=""/>
+        <p:cNvGrpSpPr/>
+        <p:nvPr/>
+      </p:nvGrpSpPr>
+      <p:grpSpPr>
+        <a:xfrm>
+          <a:off x="0" y="0"/>
+          <a:ext cx="0" cy="0"/>
+          <a:chOff x="0" y="0"/>
+          <a:chExt cx="0" cy="0"/>
+        </a:xfrm>
+      </p:grpSpPr>
+      <p:sp>
+        <p:nvSpPr>
+          <p:cNvPr id="2" name="Slide Image Placeholder 1"/>
+          <p:cNvSpPr>
+            <a:spLocks noGrp="1" noRot="1" noChangeAspect="1"/>
+          </p:cNvSpPr>
+          <p:nvPr>
+            <p:ph type="sldImg"/>
+          </p:nvPr>
+        </p:nvSpPr>
+        <p:spPr/>
+      </p:sp>
+      <p:sp>
+        <p:nvSpPr>
+          <p:cNvPr id="3" name="Notes Placeholder 2"/>
+          <p:cNvSpPr>
+            <a:spLocks noGrp="1"/>
+          </p:cNvSpPr>
+          <p:nvPr>
+            <p:ph type="body" idx="1"/>
+          </p:nvPr>
+        </p:nvSpPr>
+        <p:spPr/>
+        <p:txBody>
+          <a:bodyPr/>
+          <a:lstStyle/>
+          <a:p>
+            <a:r>
+              <a:rPr lang="en-US"/>
+              <a:t>Say as much as I can fully explain – leave out what I don’t have time to explain – people can read the other bullets</a:t>
+            </a:r>
+          </a:p>
+          <a:p>
+            <a:r>
+              <a:rPr lang="en-US"/>
+              <a:t>- Focus on how SPDX stabilizes the ecosystem by establishing shared routines</a:t>
+            </a:r>
+          </a:p>
+          <a:p>
+            <a:endParaRPr lang="en-US"/>
+          </a:p>
+          <a:p>
+            <a:r>
+              <a:rPr lang="en-US"/>
+              <a:t>Tighter discussion on the ecosystem – keep it at a higher level</a:t>
+            </a:r>
+          </a:p>
+          <a:p>
+            <a:r>
+              <a:rPr lang="en-US"/>
+              <a:t>- With open source standards, suggest having a broker</a:t>
+            </a:r>
+          </a:p>
+        </p:txBody>
+      </p:sp>
+      <p:sp>
+        <p:nvSpPr>
+          <p:cNvPr id="4" name="Slide Number Placeholder 3"/>
+          <p:cNvSpPr>
+            <a:spLocks noGrp="1"/>
+          </p:cNvSpPr>
+          <p:nvPr>
+            <p:ph type="sldNum" sz="quarter" idx="10"/>
+          </p:nvPr>
+        </p:nvSpPr>
+        <p:spPr/>
+        <p:txBody>
+          <a:bodyPr/>
+          <a:lstStyle/>
+          <a:p>
+            <a:fld id="{7F945297-9661-4111-AC4D-7C1869DFF06C}" type="slidenum">
+              <a:rPr lang="en-US" smtClean="0"/>
+              <a:t>20</a:t>
+            </a:fld>
+            <a:endParaRPr lang="en-US"/>
+          </a:p>
+        </p:txBody>
+      </p:sp>
+    </p:spTree>
+    <p:extLst>
+      <p:ext uri="{BB962C8B-B14F-4D97-AF65-F5344CB8AC3E}">
+        <p14:creationId xmlns:p14="http://schemas.microsoft.com/office/powerpoint/2010/main" val="657989350"/>
       </p:ext>
     </p:extLst>
   </p:cSld>
@@ -955,7 +1731,7 @@
           <a:p>
             <a:fld id="{66BC3609-7D14-41B8-AE26-409554843C41}" type="datetime1">
               <a:rPr lang="en-US" smtClean="0"/>
-              <a:t>12/3/2017</a:t>
+              <a:t>1/9/2018</a:t>
             </a:fld>
             <a:endParaRPr lang="en-US"/>
           </a:p>
@@ -1306,7 +2082,7 @@
           <a:p>
             <a:fld id="{A998C5AF-14D2-4C20-8E22-2975C7BB0D77}" type="datetime1">
               <a:rPr lang="en-US" smtClean="0"/>
-              <a:t>12/3/2017</a:t>
+              <a:t>1/9/2018</a:t>
             </a:fld>
             <a:endParaRPr lang="en-US"/>
           </a:p>
@@ -1743,7 +2519,7 @@
           <a:p>
             <a:fld id="{20B30EFA-6EDE-437E-B8F8-E2BE59E39D8B}" type="datetime1">
               <a:rPr lang="en-US" smtClean="0"/>
-              <a:t>12/3/2017</a:t>
+              <a:t>1/9/2018</a:t>
             </a:fld>
             <a:endParaRPr lang="en-US"/>
           </a:p>
@@ -2114,7 +2890,7 @@
           <a:p>
             <a:fld id="{3C150697-E8AA-40DF-9F99-8CE04C55F6B9}" type="datetime1">
               <a:rPr lang="en-US" smtClean="0"/>
-              <a:t>12/3/2017</a:t>
+              <a:t>1/9/2018</a:t>
             </a:fld>
             <a:endParaRPr lang="en-US"/>
           </a:p>
@@ -2470,7 +3246,7 @@
           <a:p>
             <a:fld id="{725077DD-0733-448E-BA8E-F42D38F7737E}" type="datetime1">
               <a:rPr lang="en-US" smtClean="0"/>
-              <a:t>12/3/2017</a:t>
+              <a:t>1/9/2018</a:t>
             </a:fld>
             <a:endParaRPr lang="en-US"/>
           </a:p>
@@ -2902,7 +3678,7 @@
           <a:p>
             <a:fld id="{D7EBAD4E-538E-4DF7-BB4E-13C445DF6227}" type="datetime1">
               <a:rPr lang="en-US" smtClean="0"/>
-              <a:t>12/3/2017</a:t>
+              <a:t>1/9/2018</a:t>
             </a:fld>
             <a:endParaRPr lang="en-US"/>
           </a:p>
@@ -3195,7 +3971,7 @@
           <a:p>
             <a:fld id="{269FC60F-6C19-4139-BB38-8DADE97864A9}" type="datetime1">
               <a:rPr lang="en-US" smtClean="0"/>
-              <a:t>12/3/2017</a:t>
+              <a:t>1/9/2018</a:t>
             </a:fld>
             <a:endParaRPr lang="en-US"/>
           </a:p>
@@ -3505,7 +4281,7 @@
           <a:p>
             <a:fld id="{EDF9A7C6-6169-4734-B43F-38D3986C3E80}" type="datetime1">
               <a:rPr lang="en-US" smtClean="0"/>
-              <a:t>12/3/2017</a:t>
+              <a:t>1/9/2018</a:t>
             </a:fld>
             <a:endParaRPr lang="en-US"/>
           </a:p>
@@ -3815,7 +4591,7 @@
           <a:p>
             <a:fld id="{23247931-4CC9-4010-AE57-836D2E366FB4}" type="datetime1">
               <a:rPr lang="en-US" smtClean="0"/>
-              <a:t>12/3/2017</a:t>
+              <a:t>1/9/2018</a:t>
             </a:fld>
             <a:endParaRPr lang="en-US"/>
           </a:p>
@@ -4192,7 +4968,7 @@
           <a:p>
             <a:fld id="{DB1B599C-8908-44E8-9822-C6E52707B888}" type="datetime1">
               <a:rPr lang="en-US" smtClean="0"/>
-              <a:t>12/3/2017</a:t>
+              <a:t>1/9/2018</a:t>
             </a:fld>
             <a:endParaRPr lang="en-US"/>
           </a:p>
@@ -4563,7 +5339,7 @@
           <a:p>
             <a:fld id="{623670FB-C6BB-4784-93A3-6CEE27D77909}" type="datetime1">
               <a:rPr lang="en-US" smtClean="0"/>
-              <a:t>12/3/2017</a:t>
+              <a:t>1/9/2018</a:t>
             </a:fld>
             <a:endParaRPr lang="en-US"/>
           </a:p>
@@ -5073,7 +5849,7 @@
           <a:p>
             <a:fld id="{CEDC6DDF-89CA-481A-B416-1467717498D1}" type="datetime1">
               <a:rPr lang="en-US" smtClean="0"/>
-              <a:t>12/3/2017</a:t>
+              <a:t>1/9/2018</a:t>
             </a:fld>
             <a:endParaRPr lang="en-US"/>
           </a:p>
@@ -5331,7 +6107,7 @@
           <a:p>
             <a:fld id="{9E6CF196-3246-4885-9809-D9A63BCE6CAB}" type="datetime1">
               <a:rPr lang="en-US" smtClean="0"/>
-              <a:t>12/3/2017</a:t>
+              <a:t>1/9/2018</a:t>
             </a:fld>
             <a:endParaRPr lang="en-US"/>
           </a:p>
@@ -5556,7 +6332,7 @@
           <a:p>
             <a:fld id="{87B5D0CD-D9CA-480D-A1F2-BD5C377A8E4D}" type="datetime1">
               <a:rPr lang="en-US" smtClean="0"/>
-              <a:t>12/3/2017</a:t>
+              <a:t>1/9/2018</a:t>
             </a:fld>
             <a:endParaRPr lang="en-US"/>
           </a:p>
@@ -5937,7 +6713,7 @@
           <a:p>
             <a:fld id="{3A971050-6F2B-4FC2-AD0A-52C9BDA56B26}" type="datetime1">
               <a:rPr lang="en-US" smtClean="0"/>
-              <a:t>12/3/2017</a:t>
+              <a:t>1/9/2018</a:t>
             </a:fld>
             <a:endParaRPr lang="en-US"/>
           </a:p>
@@ -6335,7 +7111,7 @@
           <a:p>
             <a:fld id="{F0178CB1-585B-4F19-BAB0-0DE50AFAB517}" type="datetime1">
               <a:rPr lang="en-US" smtClean="0"/>
-              <a:t>12/3/2017</a:t>
+              <a:t>1/9/2018</a:t>
             </a:fld>
             <a:endParaRPr lang="en-US"/>
           </a:p>
@@ -8500,7 +9276,7 @@
           <a:p>
             <a:fld id="{DCF0DCD7-9D5F-4772-A600-3C6A2DDCEF96}" type="datetime1">
               <a:rPr lang="en-US" smtClean="0"/>
-              <a:t>12/3/2017</a:t>
+              <a:t>1/9/2018</a:t>
             </a:fld>
             <a:endParaRPr lang="en-US"/>
           </a:p>
@@ -9198,7 +9974,7 @@
           <p:nvPr/>
         </p:nvPicPr>
         <p:blipFill>
-          <a:blip r:embed="rId2">
+          <a:blip r:embed="rId3">
             <a:extLst>
               <a:ext uri="{28A0092B-C50C-407E-A947-70E740481C1C}">
                 <a14:useLocalDpi xmlns:a14="http://schemas.microsoft.com/office/drawing/2010/main" val="0"/>
@@ -9264,7 +10040,7 @@
           <p:nvPr/>
         </p:nvPicPr>
         <p:blipFill>
-          <a:blip r:embed="rId3" cstate="print">
+          <a:blip r:embed="rId4" cstate="print">
             <a:clrChange>
               <a:clrFrom>
                 <a:srgbClr val="FFFFFF"/>
@@ -9298,7 +10074,7 @@
       <p:sp>
         <p:nvSpPr>
           <p:cNvPr id="10" name="TextBox 9">
-            <a:hlinkClick r:id="rId4"/>
+            <a:hlinkClick r:id="rId5"/>
             <a:extLst>
               <a:ext uri="{FF2B5EF4-FFF2-40B4-BE49-F238E27FC236}">
                 <a16:creationId xmlns:a16="http://schemas.microsoft.com/office/drawing/2014/main" id="{F05AD86E-5D82-4712-A80A-19D69842A9F3}"/>
@@ -9383,6 +10159,999 @@
       </p:grpSpPr>
       <p:sp>
         <p:nvSpPr>
+          <p:cNvPr id="2" name="Title 1">
+            <a:extLst>
+              <a:ext uri="{FF2B5EF4-FFF2-40B4-BE49-F238E27FC236}">
+                <a16:creationId xmlns:a16="http://schemas.microsoft.com/office/drawing/2014/main" id="{AA06324C-63A0-441B-815F-C3DD6F565196}"/>
+              </a:ext>
+            </a:extLst>
+          </p:cNvPr>
+          <p:cNvSpPr>
+            <a:spLocks noGrp="1"/>
+          </p:cNvSpPr>
+          <p:nvPr>
+            <p:ph type="title"/>
+          </p:nvPr>
+        </p:nvSpPr>
+        <p:spPr>
+          <a:xfrm>
+            <a:off x="2592925" y="624110"/>
+            <a:ext cx="9599075" cy="1280890"/>
+          </a:xfrm>
+        </p:spPr>
+        <p:txBody>
+          <a:bodyPr>
+            <a:normAutofit fontScale="90000"/>
+          </a:bodyPr>
+          <a:lstStyle/>
+          <a:p>
+            <a:r>
+              <a:rPr lang="en-US"/>
+              <a:t>Shared OSS Risk Management Routines</a:t>
+            </a:r>
+            <a:br>
+              <a:rPr lang="en-US"/>
+            </a:br>
+            <a:r>
+              <a:rPr lang="en-US"/>
+              <a:t>In the Shared SPDX Standard Development</a:t>
+            </a:r>
+          </a:p>
+        </p:txBody>
+      </p:sp>
+      <p:sp>
+        <p:nvSpPr>
+          <p:cNvPr id="12" name="Slide Number Placeholder 11">
+            <a:extLst>
+              <a:ext uri="{FF2B5EF4-FFF2-40B4-BE49-F238E27FC236}">
+                <a16:creationId xmlns:a16="http://schemas.microsoft.com/office/drawing/2014/main" id="{CD437BED-533A-4B31-BB46-34E301532C24}"/>
+              </a:ext>
+            </a:extLst>
+          </p:cNvPr>
+          <p:cNvSpPr>
+            <a:spLocks noGrp="1"/>
+          </p:cNvSpPr>
+          <p:nvPr>
+            <p:ph type="sldNum" sz="quarter" idx="12"/>
+          </p:nvPr>
+        </p:nvSpPr>
+        <p:spPr/>
+        <p:txBody>
+          <a:bodyPr/>
+          <a:lstStyle/>
+          <a:p>
+            <a:fld id="{92FB8604-3E91-4806-A5CC-428F0C480F73}" type="slidenum">
+              <a:rPr lang="en-US" smtClean="0"/>
+              <a:t>10</a:t>
+            </a:fld>
+            <a:endParaRPr lang="en-US"/>
+          </a:p>
+        </p:txBody>
+      </p:sp>
+      <p:pic>
+        <p:nvPicPr>
+          <p:cNvPr id="25" name="Picture 24" descr="A close up of a logo&#10;&#10;Description generated with high confidence">
+            <a:extLst>
+              <a:ext uri="{FF2B5EF4-FFF2-40B4-BE49-F238E27FC236}">
+                <a16:creationId xmlns:a16="http://schemas.microsoft.com/office/drawing/2014/main" id="{A0B7F617-0645-4413-B088-DE45C3510199}"/>
+              </a:ext>
+            </a:extLst>
+          </p:cNvPr>
+          <p:cNvPicPr>
+            <a:picLocks noChangeAspect="1"/>
+          </p:cNvPicPr>
+          <p:nvPr/>
+        </p:nvPicPr>
+        <p:blipFill>
+          <a:blip r:embed="rId2" cstate="print">
+            <a:extLst>
+              <a:ext uri="{28A0092B-C50C-407E-A947-70E740481C1C}">
+                <a14:useLocalDpi xmlns:a14="http://schemas.microsoft.com/office/drawing/2010/main" val="0"/>
+              </a:ext>
+            </a:extLst>
+          </a:blip>
+          <a:stretch>
+            <a:fillRect/>
+          </a:stretch>
+        </p:blipFill>
+        <p:spPr>
+          <a:xfrm>
+            <a:off x="3962987" y="3451073"/>
+            <a:ext cx="4266027" cy="2274125"/>
+          </a:xfrm>
+          <a:prstGeom prst="rect">
+            <a:avLst/>
+          </a:prstGeom>
+        </p:spPr>
+      </p:pic>
+      <p:sp>
+        <p:nvSpPr>
+          <p:cNvPr id="9" name="Rectangle 8">
+            <a:extLst>
+              <a:ext uri="{FF2B5EF4-FFF2-40B4-BE49-F238E27FC236}">
+                <a16:creationId xmlns:a16="http://schemas.microsoft.com/office/drawing/2014/main" id="{C3FA2814-C702-48C2-BE10-E9BB59A858DD}"/>
+              </a:ext>
+            </a:extLst>
+          </p:cNvPr>
+          <p:cNvSpPr/>
+          <p:nvPr/>
+        </p:nvSpPr>
+        <p:spPr>
+          <a:xfrm>
+            <a:off x="4497562" y="2964795"/>
+            <a:ext cx="747539" cy="747539"/>
+          </a:xfrm>
+          <a:prstGeom prst="rect">
+            <a:avLst/>
+          </a:prstGeom>
+        </p:spPr>
+        <p:style>
+          <a:lnRef idx="0">
+            <a:schemeClr val="accent6"/>
+          </a:lnRef>
+          <a:fillRef idx="3">
+            <a:schemeClr val="accent6"/>
+          </a:fillRef>
+          <a:effectRef idx="3">
+            <a:schemeClr val="accent6"/>
+          </a:effectRef>
+          <a:fontRef idx="minor">
+            <a:schemeClr val="lt1"/>
+          </a:fontRef>
+        </p:style>
+        <p:txBody>
+          <a:bodyPr rtlCol="0" anchor="ctr"/>
+          <a:lstStyle/>
+          <a:p>
+            <a:pPr algn="ctr"/>
+            <a:r>
+              <a:rPr lang="en-US"/>
+              <a:t>RQ1</a:t>
+            </a:r>
+          </a:p>
+        </p:txBody>
+      </p:sp>
+    </p:spTree>
+    <p:extLst>
+      <p:ext uri="{BB962C8B-B14F-4D97-AF65-F5344CB8AC3E}">
+        <p14:creationId xmlns:p14="http://schemas.microsoft.com/office/powerpoint/2010/main" val="3013649992"/>
+      </p:ext>
+    </p:extLst>
+  </p:cSld>
+  <p:clrMapOvr>
+    <a:masterClrMapping/>
+  </p:clrMapOvr>
+  <mc:AlternateContent xmlns:mc="http://schemas.openxmlformats.org/markup-compatibility/2006" xmlns:p14="http://schemas.microsoft.com/office/powerpoint/2010/main">
+    <mc:Choice Requires="p14">
+      <p:transition spd="med" p14:dur="700">
+        <p:fade/>
+      </p:transition>
+    </mc:Choice>
+    <mc:Fallback xmlns="">
+      <p:transition spd="med">
+        <p:fade/>
+      </p:transition>
+    </mc:Fallback>
+  </mc:AlternateContent>
+</p:sld>
+</file>
+
+<file path=ppt/slides/slide11.xml><?xml version="1.0" encoding="utf-8"?>
+<p:sld xmlns:a="http://schemas.openxmlformats.org/drawingml/2006/main" xmlns:r="http://schemas.openxmlformats.org/officeDocument/2006/relationships" xmlns:p="http://schemas.openxmlformats.org/presentationml/2006/main">
+  <p:cSld>
+    <p:spTree>
+      <p:nvGrpSpPr>
+        <p:cNvPr id="1" name=""/>
+        <p:cNvGrpSpPr/>
+        <p:nvPr/>
+      </p:nvGrpSpPr>
+      <p:grpSpPr>
+        <a:xfrm>
+          <a:off x="0" y="0"/>
+          <a:ext cx="0" cy="0"/>
+          <a:chOff x="0" y="0"/>
+          <a:chExt cx="0" cy="0"/>
+        </a:xfrm>
+      </p:grpSpPr>
+      <p:sp>
+        <p:nvSpPr>
+          <p:cNvPr id="3" name="Title 2">
+            <a:extLst>
+              <a:ext uri="{FF2B5EF4-FFF2-40B4-BE49-F238E27FC236}">
+                <a16:creationId xmlns:a16="http://schemas.microsoft.com/office/drawing/2014/main" id="{0B6152EB-9AC5-4385-A71D-C37B58443C43}"/>
+              </a:ext>
+            </a:extLst>
+          </p:cNvPr>
+          <p:cNvSpPr>
+            <a:spLocks noGrp="1"/>
+          </p:cNvSpPr>
+          <p:nvPr>
+            <p:ph type="title"/>
+          </p:nvPr>
+        </p:nvSpPr>
+        <p:spPr/>
+        <p:txBody>
+          <a:bodyPr/>
+          <a:lstStyle/>
+          <a:p>
+            <a:r>
+              <a:rPr lang="en-US"/>
+              <a:t>Research Questions</a:t>
+            </a:r>
+          </a:p>
+        </p:txBody>
+      </p:sp>
+      <p:sp>
+        <p:nvSpPr>
+          <p:cNvPr id="2" name="Content Placeholder 1">
+            <a:extLst>
+              <a:ext uri="{FF2B5EF4-FFF2-40B4-BE49-F238E27FC236}">
+                <a16:creationId xmlns:a16="http://schemas.microsoft.com/office/drawing/2014/main" id="{313DFD9F-510F-431F-8F99-172214F663DE}"/>
+              </a:ext>
+            </a:extLst>
+          </p:cNvPr>
+          <p:cNvSpPr>
+            <a:spLocks noGrp="1"/>
+          </p:cNvSpPr>
+          <p:nvPr>
+            <p:ph idx="1"/>
+          </p:nvPr>
+        </p:nvSpPr>
+        <p:spPr>
+          <a:xfrm>
+            <a:off x="2589212" y="2133600"/>
+            <a:ext cx="8915400" cy="4470400"/>
+          </a:xfrm>
+        </p:spPr>
+        <p:txBody>
+          <a:bodyPr>
+            <a:normAutofit/>
+          </a:bodyPr>
+          <a:lstStyle/>
+          <a:p>
+            <a:r>
+              <a:rPr lang="en-US" sz="2600" u="sng"/>
+              <a:t>RQ1:</a:t>
+            </a:r>
+            <a:r>
+              <a:rPr lang="en-US" sz="2600"/>
+              <a:t> </a:t>
+            </a:r>
+            <a:r>
+              <a:rPr lang="en-US" sz="2600" i="1"/>
+              <a:t>How do organizations participating in the SPDX community describe their </a:t>
+            </a:r>
+            <a:r>
+              <a:rPr lang="en-US" sz="2600" b="1">
+                <a:solidFill>
+                  <a:srgbClr val="00B050"/>
+                </a:solidFill>
+              </a:rPr>
+              <a:t>local interpretations </a:t>
+            </a:r>
+            <a:r>
+              <a:rPr lang="en-US" sz="2600" i="1"/>
+              <a:t>of communally structured OSS risk management routines? </a:t>
+            </a:r>
+          </a:p>
+          <a:p>
+            <a:pPr lvl="1"/>
+            <a:endParaRPr lang="en-US" sz="2200"/>
+          </a:p>
+          <a:p>
+            <a:r>
+              <a:rPr lang="en-US" sz="2600" u="sng"/>
+              <a:t>RQ2:</a:t>
+            </a:r>
+            <a:r>
+              <a:rPr lang="en-US" sz="2600"/>
+              <a:t> </a:t>
+            </a:r>
+            <a:r>
+              <a:rPr lang="en-US" sz="2600" i="1"/>
+              <a:t>How do these local interpretations influence the extent of their SPDX </a:t>
+            </a:r>
+            <a:r>
+              <a:rPr lang="en-US" sz="2600" b="1">
+                <a:solidFill>
+                  <a:srgbClr val="00B050"/>
+                </a:solidFill>
+              </a:rPr>
+              <a:t>adoption</a:t>
+            </a:r>
+            <a:r>
+              <a:rPr lang="en-US" sz="2600" i="1"/>
+              <a:t>? </a:t>
+            </a:r>
+          </a:p>
+          <a:p>
+            <a:endParaRPr lang="en-US" i="1"/>
+          </a:p>
+        </p:txBody>
+      </p:sp>
+      <p:sp>
+        <p:nvSpPr>
+          <p:cNvPr id="4" name="Slide Number Placeholder 3">
+            <a:extLst>
+              <a:ext uri="{FF2B5EF4-FFF2-40B4-BE49-F238E27FC236}">
+                <a16:creationId xmlns:a16="http://schemas.microsoft.com/office/drawing/2014/main" id="{7486C9EB-0A65-4486-AB28-9A5F0151C297}"/>
+              </a:ext>
+            </a:extLst>
+          </p:cNvPr>
+          <p:cNvSpPr>
+            <a:spLocks noGrp="1"/>
+          </p:cNvSpPr>
+          <p:nvPr>
+            <p:ph type="sldNum" sz="quarter" idx="12"/>
+          </p:nvPr>
+        </p:nvSpPr>
+        <p:spPr/>
+        <p:txBody>
+          <a:bodyPr/>
+          <a:lstStyle/>
+          <a:p>
+            <a:fld id="{92FB8604-3E91-4806-A5CC-428F0C480F73}" type="slidenum">
+              <a:rPr lang="en-US" smtClean="0"/>
+              <a:t>11</a:t>
+            </a:fld>
+            <a:endParaRPr lang="en-US"/>
+          </a:p>
+        </p:txBody>
+      </p:sp>
+    </p:spTree>
+    <p:extLst>
+      <p:ext uri="{BB962C8B-B14F-4D97-AF65-F5344CB8AC3E}">
+        <p14:creationId xmlns:p14="http://schemas.microsoft.com/office/powerpoint/2010/main" val="322638573"/>
+      </p:ext>
+    </p:extLst>
+  </p:cSld>
+  <p:clrMapOvr>
+    <a:masterClrMapping/>
+  </p:clrMapOvr>
+  <mc:AlternateContent xmlns:mc="http://schemas.openxmlformats.org/markup-compatibility/2006" xmlns:p14="http://schemas.microsoft.com/office/powerpoint/2010/main">
+    <mc:Choice Requires="p14">
+      <p:transition spd="med" p14:dur="700">
+        <p:fade/>
+      </p:transition>
+    </mc:Choice>
+    <mc:Fallback xmlns="">
+      <p:transition spd="med">
+        <p:fade/>
+      </p:transition>
+    </mc:Fallback>
+  </mc:AlternateContent>
+</p:sld>
+</file>
+
+<file path=ppt/slides/slide12.xml><?xml version="1.0" encoding="utf-8"?>
+<p:sld xmlns:a="http://schemas.openxmlformats.org/drawingml/2006/main" xmlns:r="http://schemas.openxmlformats.org/officeDocument/2006/relationships" xmlns:p="http://schemas.openxmlformats.org/presentationml/2006/main">
+  <p:cSld>
+    <p:spTree>
+      <p:nvGrpSpPr>
+        <p:cNvPr id="1" name=""/>
+        <p:cNvGrpSpPr/>
+        <p:nvPr/>
+      </p:nvGrpSpPr>
+      <p:grpSpPr>
+        <a:xfrm>
+          <a:off x="0" y="0"/>
+          <a:ext cx="0" cy="0"/>
+          <a:chOff x="0" y="0"/>
+          <a:chExt cx="0" cy="0"/>
+        </a:xfrm>
+      </p:grpSpPr>
+      <p:sp>
+        <p:nvSpPr>
+          <p:cNvPr id="2" name="Title 1">
+            <a:extLst>
+              <a:ext uri="{FF2B5EF4-FFF2-40B4-BE49-F238E27FC236}">
+                <a16:creationId xmlns:a16="http://schemas.microsoft.com/office/drawing/2014/main" id="{AA06324C-63A0-441B-815F-C3DD6F565196}"/>
+              </a:ext>
+            </a:extLst>
+          </p:cNvPr>
+          <p:cNvSpPr>
+            <a:spLocks noGrp="1"/>
+          </p:cNvSpPr>
+          <p:nvPr>
+            <p:ph type="title"/>
+          </p:nvPr>
+        </p:nvSpPr>
+        <p:spPr>
+          <a:xfrm>
+            <a:off x="2592925" y="624110"/>
+            <a:ext cx="9599075" cy="1280890"/>
+          </a:xfrm>
+        </p:spPr>
+        <p:txBody>
+          <a:bodyPr>
+            <a:normAutofit fontScale="90000"/>
+          </a:bodyPr>
+          <a:lstStyle/>
+          <a:p>
+            <a:r>
+              <a:rPr lang="en-US"/>
+              <a:t>Shared OSS Risk Management Routines</a:t>
+            </a:r>
+            <a:br>
+              <a:rPr lang="en-US"/>
+            </a:br>
+            <a:r>
+              <a:rPr lang="en-US"/>
+              <a:t>In the Shared SPDX Standard Development</a:t>
+            </a:r>
+          </a:p>
+        </p:txBody>
+      </p:sp>
+      <p:sp>
+        <p:nvSpPr>
+          <p:cNvPr id="12" name="Slide Number Placeholder 11">
+            <a:extLst>
+              <a:ext uri="{FF2B5EF4-FFF2-40B4-BE49-F238E27FC236}">
+                <a16:creationId xmlns:a16="http://schemas.microsoft.com/office/drawing/2014/main" id="{CD437BED-533A-4B31-BB46-34E301532C24}"/>
+              </a:ext>
+            </a:extLst>
+          </p:cNvPr>
+          <p:cNvSpPr>
+            <a:spLocks noGrp="1"/>
+          </p:cNvSpPr>
+          <p:nvPr>
+            <p:ph type="sldNum" sz="quarter" idx="12"/>
+          </p:nvPr>
+        </p:nvSpPr>
+        <p:spPr/>
+        <p:txBody>
+          <a:bodyPr/>
+          <a:lstStyle/>
+          <a:p>
+            <a:fld id="{92FB8604-3E91-4806-A5CC-428F0C480F73}" type="slidenum">
+              <a:rPr lang="en-US" smtClean="0"/>
+              <a:t>12</a:t>
+            </a:fld>
+            <a:endParaRPr lang="en-US"/>
+          </a:p>
+        </p:txBody>
+      </p:sp>
+      <p:pic>
+        <p:nvPicPr>
+          <p:cNvPr id="27" name="Picture 26" descr="A close up of a logo&#10;&#10;Description generated with very high confidence">
+            <a:extLst>
+              <a:ext uri="{FF2B5EF4-FFF2-40B4-BE49-F238E27FC236}">
+                <a16:creationId xmlns:a16="http://schemas.microsoft.com/office/drawing/2014/main" id="{280AC69F-51AA-4F0E-AAE7-888F3ABAE8FC}"/>
+              </a:ext>
+            </a:extLst>
+          </p:cNvPr>
+          <p:cNvPicPr>
+            <a:picLocks noChangeAspect="1"/>
+          </p:cNvPicPr>
+          <p:nvPr/>
+        </p:nvPicPr>
+        <p:blipFill>
+          <a:blip r:embed="rId2" cstate="print">
+            <a:extLst>
+              <a:ext uri="{28A0092B-C50C-407E-A947-70E740481C1C}">
+                <a14:useLocalDpi xmlns:a14="http://schemas.microsoft.com/office/drawing/2010/main" val="0"/>
+              </a:ext>
+            </a:extLst>
+          </a:blip>
+          <a:stretch>
+            <a:fillRect/>
+          </a:stretch>
+        </p:blipFill>
+        <p:spPr>
+          <a:xfrm>
+            <a:off x="1775568" y="3222187"/>
+            <a:ext cx="8640865" cy="2530805"/>
+          </a:xfrm>
+          <a:prstGeom prst="rect">
+            <a:avLst/>
+          </a:prstGeom>
+        </p:spPr>
+      </p:pic>
+      <p:sp>
+        <p:nvSpPr>
+          <p:cNvPr id="30" name="Rectangle 29">
+            <a:extLst>
+              <a:ext uri="{FF2B5EF4-FFF2-40B4-BE49-F238E27FC236}">
+                <a16:creationId xmlns:a16="http://schemas.microsoft.com/office/drawing/2014/main" id="{2B176FE0-DD97-4004-AAB1-A7EE9B41645E}"/>
+              </a:ext>
+            </a:extLst>
+          </p:cNvPr>
+          <p:cNvSpPr/>
+          <p:nvPr/>
+        </p:nvSpPr>
+        <p:spPr>
+          <a:xfrm>
+            <a:off x="6576170" y="3055230"/>
+            <a:ext cx="747539" cy="747539"/>
+          </a:xfrm>
+          <a:prstGeom prst="rect">
+            <a:avLst/>
+          </a:prstGeom>
+        </p:spPr>
+        <p:style>
+          <a:lnRef idx="0">
+            <a:schemeClr val="accent6"/>
+          </a:lnRef>
+          <a:fillRef idx="3">
+            <a:schemeClr val="accent6"/>
+          </a:fillRef>
+          <a:effectRef idx="3">
+            <a:schemeClr val="accent6"/>
+          </a:effectRef>
+          <a:fontRef idx="minor">
+            <a:schemeClr val="lt1"/>
+          </a:fontRef>
+        </p:style>
+        <p:txBody>
+          <a:bodyPr rtlCol="0" anchor="ctr"/>
+          <a:lstStyle/>
+          <a:p>
+            <a:pPr algn="ctr"/>
+            <a:r>
+              <a:rPr lang="en-US"/>
+              <a:t>RQ2</a:t>
+            </a:r>
+          </a:p>
+        </p:txBody>
+      </p:sp>
+    </p:spTree>
+    <p:extLst>
+      <p:ext uri="{BB962C8B-B14F-4D97-AF65-F5344CB8AC3E}">
+        <p14:creationId xmlns:p14="http://schemas.microsoft.com/office/powerpoint/2010/main" val="1987349775"/>
+      </p:ext>
+    </p:extLst>
+  </p:cSld>
+  <p:clrMapOvr>
+    <a:masterClrMapping/>
+  </p:clrMapOvr>
+  <mc:AlternateContent xmlns:mc="http://schemas.openxmlformats.org/markup-compatibility/2006" xmlns:p14="http://schemas.microsoft.com/office/powerpoint/2010/main">
+    <mc:Choice Requires="p14">
+      <p:transition spd="med" p14:dur="700">
+        <p:fade/>
+      </p:transition>
+    </mc:Choice>
+    <mc:Fallback xmlns="">
+      <p:transition spd="med">
+        <p:fade/>
+      </p:transition>
+    </mc:Fallback>
+  </mc:AlternateContent>
+</p:sld>
+</file>
+
+<file path=ppt/slides/slide13.xml><?xml version="1.0" encoding="utf-8"?>
+<p:sld xmlns:a="http://schemas.openxmlformats.org/drawingml/2006/main" xmlns:r="http://schemas.openxmlformats.org/officeDocument/2006/relationships" xmlns:p="http://schemas.openxmlformats.org/presentationml/2006/main">
+  <p:cSld>
+    <p:spTree>
+      <p:nvGrpSpPr>
+        <p:cNvPr id="1" name=""/>
+        <p:cNvGrpSpPr/>
+        <p:nvPr/>
+      </p:nvGrpSpPr>
+      <p:grpSpPr>
+        <a:xfrm>
+          <a:off x="0" y="0"/>
+          <a:ext cx="0" cy="0"/>
+          <a:chOff x="0" y="0"/>
+          <a:chExt cx="0" cy="0"/>
+        </a:xfrm>
+      </p:grpSpPr>
+      <p:sp>
+        <p:nvSpPr>
+          <p:cNvPr id="3" name="Title 2">
+            <a:extLst>
+              <a:ext uri="{FF2B5EF4-FFF2-40B4-BE49-F238E27FC236}">
+                <a16:creationId xmlns:a16="http://schemas.microsoft.com/office/drawing/2014/main" id="{0B6152EB-9AC5-4385-A71D-C37B58443C43}"/>
+              </a:ext>
+            </a:extLst>
+          </p:cNvPr>
+          <p:cNvSpPr>
+            <a:spLocks noGrp="1"/>
+          </p:cNvSpPr>
+          <p:nvPr>
+            <p:ph type="title"/>
+          </p:nvPr>
+        </p:nvSpPr>
+        <p:spPr/>
+        <p:txBody>
+          <a:bodyPr/>
+          <a:lstStyle/>
+          <a:p>
+            <a:r>
+              <a:rPr lang="en-US"/>
+              <a:t>Research Questions</a:t>
+            </a:r>
+          </a:p>
+        </p:txBody>
+      </p:sp>
+      <p:sp>
+        <p:nvSpPr>
+          <p:cNvPr id="2" name="Content Placeholder 1">
+            <a:extLst>
+              <a:ext uri="{FF2B5EF4-FFF2-40B4-BE49-F238E27FC236}">
+                <a16:creationId xmlns:a16="http://schemas.microsoft.com/office/drawing/2014/main" id="{313DFD9F-510F-431F-8F99-172214F663DE}"/>
+              </a:ext>
+            </a:extLst>
+          </p:cNvPr>
+          <p:cNvSpPr>
+            <a:spLocks noGrp="1"/>
+          </p:cNvSpPr>
+          <p:nvPr>
+            <p:ph idx="1"/>
+          </p:nvPr>
+        </p:nvSpPr>
+        <p:spPr>
+          <a:xfrm>
+            <a:off x="2589212" y="2133600"/>
+            <a:ext cx="8915400" cy="4470400"/>
+          </a:xfrm>
+        </p:spPr>
+        <p:txBody>
+          <a:bodyPr>
+            <a:normAutofit fontScale="92500"/>
+          </a:bodyPr>
+          <a:lstStyle/>
+          <a:p>
+            <a:r>
+              <a:rPr lang="en-US" u="sng"/>
+              <a:t>RQ1:</a:t>
+            </a:r>
+            <a:r>
+              <a:rPr lang="en-US"/>
+              <a:t> </a:t>
+            </a:r>
+            <a:r>
+              <a:rPr lang="en-US" i="1"/>
+              <a:t>How do organizations participating in the SPDX community describe their </a:t>
+            </a:r>
+            <a:r>
+              <a:rPr lang="en-US" b="1">
+                <a:solidFill>
+                  <a:srgbClr val="00B050"/>
+                </a:solidFill>
+              </a:rPr>
+              <a:t>local interpretations </a:t>
+            </a:r>
+            <a:r>
+              <a:rPr lang="en-US" i="1"/>
+              <a:t>of communally structured OSS risk management routines? </a:t>
+            </a:r>
+          </a:p>
+          <a:p>
+            <a:pPr lvl="1"/>
+            <a:endParaRPr lang="en-US"/>
+          </a:p>
+          <a:p>
+            <a:r>
+              <a:rPr lang="en-US" u="sng"/>
+              <a:t>RQ2:</a:t>
+            </a:r>
+            <a:r>
+              <a:rPr lang="en-US"/>
+              <a:t> </a:t>
+            </a:r>
+            <a:r>
+              <a:rPr lang="en-US" i="1"/>
+              <a:t>How do these local interpretations influence the extent of their SPDX </a:t>
+            </a:r>
+            <a:r>
+              <a:rPr lang="en-US" b="1">
+                <a:solidFill>
+                  <a:srgbClr val="00B050"/>
+                </a:solidFill>
+              </a:rPr>
+              <a:t>adoption</a:t>
+            </a:r>
+            <a:r>
+              <a:rPr lang="en-US" i="1"/>
+              <a:t>? </a:t>
+            </a:r>
+          </a:p>
+          <a:p>
+            <a:pPr lvl="1"/>
+            <a:endParaRPr lang="en-US" i="1"/>
+          </a:p>
+          <a:p>
+            <a:r>
+              <a:rPr lang="en-US" u="sng"/>
+              <a:t>RQ3:</a:t>
+            </a:r>
+            <a:r>
+              <a:rPr lang="en-US"/>
+              <a:t> </a:t>
+            </a:r>
+            <a:r>
+              <a:rPr lang="en-US" i="1"/>
+              <a:t>How do these member organizations seek to guide the </a:t>
+            </a:r>
+            <a:r>
+              <a:rPr lang="en-US" b="1">
+                <a:solidFill>
+                  <a:srgbClr val="00B050"/>
+                </a:solidFill>
+              </a:rPr>
+              <a:t>advancement</a:t>
+            </a:r>
+            <a:r>
+              <a:rPr lang="en-US"/>
+              <a:t> </a:t>
+            </a:r>
+            <a:r>
+              <a:rPr lang="en-US" i="1"/>
+              <a:t>of the shared SPDX specification? </a:t>
+            </a:r>
+          </a:p>
+        </p:txBody>
+      </p:sp>
+      <p:sp>
+        <p:nvSpPr>
+          <p:cNvPr id="4" name="Slide Number Placeholder 3">
+            <a:extLst>
+              <a:ext uri="{FF2B5EF4-FFF2-40B4-BE49-F238E27FC236}">
+                <a16:creationId xmlns:a16="http://schemas.microsoft.com/office/drawing/2014/main" id="{7486C9EB-0A65-4486-AB28-9A5F0151C297}"/>
+              </a:ext>
+            </a:extLst>
+          </p:cNvPr>
+          <p:cNvSpPr>
+            <a:spLocks noGrp="1"/>
+          </p:cNvSpPr>
+          <p:nvPr>
+            <p:ph type="sldNum" sz="quarter" idx="12"/>
+          </p:nvPr>
+        </p:nvSpPr>
+        <p:spPr/>
+        <p:txBody>
+          <a:bodyPr/>
+          <a:lstStyle/>
+          <a:p>
+            <a:fld id="{92FB8604-3E91-4806-A5CC-428F0C480F73}" type="slidenum">
+              <a:rPr lang="en-US" smtClean="0"/>
+              <a:t>13</a:t>
+            </a:fld>
+            <a:endParaRPr lang="en-US"/>
+          </a:p>
+        </p:txBody>
+      </p:sp>
+    </p:spTree>
+    <p:extLst>
+      <p:ext uri="{BB962C8B-B14F-4D97-AF65-F5344CB8AC3E}">
+        <p14:creationId xmlns:p14="http://schemas.microsoft.com/office/powerpoint/2010/main" val="2715512760"/>
+      </p:ext>
+    </p:extLst>
+  </p:cSld>
+  <p:clrMapOvr>
+    <a:masterClrMapping/>
+  </p:clrMapOvr>
+  <mc:AlternateContent xmlns:mc="http://schemas.openxmlformats.org/markup-compatibility/2006" xmlns:p14="http://schemas.microsoft.com/office/powerpoint/2010/main">
+    <mc:Choice Requires="p14">
+      <p:transition spd="med" p14:dur="700">
+        <p:fade/>
+      </p:transition>
+    </mc:Choice>
+    <mc:Fallback xmlns="">
+      <p:transition spd="med">
+        <p:fade/>
+      </p:transition>
+    </mc:Fallback>
+  </mc:AlternateContent>
+</p:sld>
+</file>
+
+<file path=ppt/slides/slide14.xml><?xml version="1.0" encoding="utf-8"?>
+<p:sld xmlns:a="http://schemas.openxmlformats.org/drawingml/2006/main" xmlns:r="http://schemas.openxmlformats.org/officeDocument/2006/relationships" xmlns:p="http://schemas.openxmlformats.org/presentationml/2006/main">
+  <p:cSld>
+    <p:spTree>
+      <p:nvGrpSpPr>
+        <p:cNvPr id="1" name=""/>
+        <p:cNvGrpSpPr/>
+        <p:nvPr/>
+      </p:nvGrpSpPr>
+      <p:grpSpPr>
+        <a:xfrm>
+          <a:off x="0" y="0"/>
+          <a:ext cx="0" cy="0"/>
+          <a:chOff x="0" y="0"/>
+          <a:chExt cx="0" cy="0"/>
+        </a:xfrm>
+      </p:grpSpPr>
+      <p:sp>
+        <p:nvSpPr>
+          <p:cNvPr id="2" name="Title 1">
+            <a:extLst>
+              <a:ext uri="{FF2B5EF4-FFF2-40B4-BE49-F238E27FC236}">
+                <a16:creationId xmlns:a16="http://schemas.microsoft.com/office/drawing/2014/main" id="{AA06324C-63A0-441B-815F-C3DD6F565196}"/>
+              </a:ext>
+            </a:extLst>
+          </p:cNvPr>
+          <p:cNvSpPr>
+            <a:spLocks noGrp="1"/>
+          </p:cNvSpPr>
+          <p:nvPr>
+            <p:ph type="title"/>
+          </p:nvPr>
+        </p:nvSpPr>
+        <p:spPr>
+          <a:xfrm>
+            <a:off x="2592925" y="624110"/>
+            <a:ext cx="9599075" cy="1280890"/>
+          </a:xfrm>
+        </p:spPr>
+        <p:txBody>
+          <a:bodyPr>
+            <a:normAutofit fontScale="90000"/>
+          </a:bodyPr>
+          <a:lstStyle/>
+          <a:p>
+            <a:r>
+              <a:rPr lang="en-US"/>
+              <a:t>Shared OSS Risk Management Routines</a:t>
+            </a:r>
+            <a:br>
+              <a:rPr lang="en-US"/>
+            </a:br>
+            <a:r>
+              <a:rPr lang="en-US"/>
+              <a:t>In the Shared SPDX Standard Development</a:t>
+            </a:r>
+          </a:p>
+        </p:txBody>
+      </p:sp>
+      <p:sp>
+        <p:nvSpPr>
+          <p:cNvPr id="12" name="Slide Number Placeholder 11">
+            <a:extLst>
+              <a:ext uri="{FF2B5EF4-FFF2-40B4-BE49-F238E27FC236}">
+                <a16:creationId xmlns:a16="http://schemas.microsoft.com/office/drawing/2014/main" id="{CD437BED-533A-4B31-BB46-34E301532C24}"/>
+              </a:ext>
+            </a:extLst>
+          </p:cNvPr>
+          <p:cNvSpPr>
+            <a:spLocks noGrp="1"/>
+          </p:cNvSpPr>
+          <p:nvPr>
+            <p:ph type="sldNum" sz="quarter" idx="12"/>
+          </p:nvPr>
+        </p:nvSpPr>
+        <p:spPr/>
+        <p:txBody>
+          <a:bodyPr/>
+          <a:lstStyle/>
+          <a:p>
+            <a:fld id="{92FB8604-3E91-4806-A5CC-428F0C480F73}" type="slidenum">
+              <a:rPr lang="en-US" smtClean="0"/>
+              <a:t>14</a:t>
+            </a:fld>
+            <a:endParaRPr lang="en-US"/>
+          </a:p>
+        </p:txBody>
+      </p:sp>
+      <p:pic>
+        <p:nvPicPr>
+          <p:cNvPr id="29" name="Picture 28" descr="A picture containing electronics&#10;&#10;Description generated with high confidence">
+            <a:extLst>
+              <a:ext uri="{FF2B5EF4-FFF2-40B4-BE49-F238E27FC236}">
+                <a16:creationId xmlns:a16="http://schemas.microsoft.com/office/drawing/2014/main" id="{888948C0-5EE5-4232-A6D5-ABD48C6A0D20}"/>
+              </a:ext>
+            </a:extLst>
+          </p:cNvPr>
+          <p:cNvPicPr>
+            <a:picLocks noChangeAspect="1"/>
+          </p:cNvPicPr>
+          <p:nvPr/>
+        </p:nvPicPr>
+        <p:blipFill>
+          <a:blip r:embed="rId3" cstate="print">
+            <a:extLst>
+              <a:ext uri="{28A0092B-C50C-407E-A947-70E740481C1C}">
+                <a14:useLocalDpi xmlns:a14="http://schemas.microsoft.com/office/drawing/2010/main" val="0"/>
+              </a:ext>
+            </a:extLst>
+          </a:blip>
+          <a:stretch>
+            <a:fillRect/>
+          </a:stretch>
+        </p:blipFill>
+        <p:spPr>
+          <a:xfrm>
+            <a:off x="387120" y="3226056"/>
+            <a:ext cx="11683329" cy="2724161"/>
+          </a:xfrm>
+          <a:prstGeom prst="rect">
+            <a:avLst/>
+          </a:prstGeom>
+        </p:spPr>
+      </p:pic>
+      <p:sp>
+        <p:nvSpPr>
+          <p:cNvPr id="31" name="Rectangle 30">
+            <a:extLst>
+              <a:ext uri="{FF2B5EF4-FFF2-40B4-BE49-F238E27FC236}">
+                <a16:creationId xmlns:a16="http://schemas.microsoft.com/office/drawing/2014/main" id="{497153EE-2514-4820-A8CA-62CB28D406C8}"/>
+              </a:ext>
+            </a:extLst>
+          </p:cNvPr>
+          <p:cNvSpPr/>
+          <p:nvPr/>
+        </p:nvSpPr>
+        <p:spPr>
+          <a:xfrm>
+            <a:off x="5234996" y="5005453"/>
+            <a:ext cx="747539" cy="747539"/>
+          </a:xfrm>
+          <a:prstGeom prst="rect">
+            <a:avLst/>
+          </a:prstGeom>
+        </p:spPr>
+        <p:style>
+          <a:lnRef idx="0">
+            <a:schemeClr val="accent6"/>
+          </a:lnRef>
+          <a:fillRef idx="3">
+            <a:schemeClr val="accent6"/>
+          </a:fillRef>
+          <a:effectRef idx="3">
+            <a:schemeClr val="accent6"/>
+          </a:effectRef>
+          <a:fontRef idx="minor">
+            <a:schemeClr val="lt1"/>
+          </a:fontRef>
+        </p:style>
+        <p:txBody>
+          <a:bodyPr rtlCol="0" anchor="ctr"/>
+          <a:lstStyle/>
+          <a:p>
+            <a:pPr algn="ctr"/>
+            <a:r>
+              <a:rPr lang="en-US"/>
+              <a:t>RQ3</a:t>
+            </a:r>
+          </a:p>
+        </p:txBody>
+      </p:sp>
+    </p:spTree>
+    <p:extLst>
+      <p:ext uri="{BB962C8B-B14F-4D97-AF65-F5344CB8AC3E}">
+        <p14:creationId xmlns:p14="http://schemas.microsoft.com/office/powerpoint/2010/main" val="3944331004"/>
+      </p:ext>
+    </p:extLst>
+  </p:cSld>
+  <p:clrMapOvr>
+    <a:masterClrMapping/>
+  </p:clrMapOvr>
+  <mc:AlternateContent xmlns:mc="http://schemas.openxmlformats.org/markup-compatibility/2006" xmlns:p14="http://schemas.microsoft.com/office/powerpoint/2010/main">
+    <mc:Choice Requires="p14">
+      <p:transition spd="med" p14:dur="700">
+        <p:fade/>
+      </p:transition>
+    </mc:Choice>
+    <mc:Fallback xmlns="">
+      <p:transition spd="med">
+        <p:fade/>
+      </p:transition>
+    </mc:Fallback>
+  </mc:AlternateContent>
+</p:sld>
+</file>
+
+<file path=ppt/slides/slide15.xml><?xml version="1.0" encoding="utf-8"?>
+<p:sld xmlns:a="http://schemas.openxmlformats.org/drawingml/2006/main" xmlns:r="http://schemas.openxmlformats.org/officeDocument/2006/relationships" xmlns:p="http://schemas.openxmlformats.org/presentationml/2006/main">
+  <p:cSld>
+    <p:spTree>
+      <p:nvGrpSpPr>
+        <p:cNvPr id="1" name=""/>
+        <p:cNvGrpSpPr/>
+        <p:nvPr/>
+      </p:nvGrpSpPr>
+      <p:grpSpPr>
+        <a:xfrm>
+          <a:off x="0" y="0"/>
+          <a:ext cx="0" cy="0"/>
+          <a:chOff x="0" y="0"/>
+          <a:chExt cx="0" cy="0"/>
+        </a:xfrm>
+      </p:grpSpPr>
+      <p:sp>
+        <p:nvSpPr>
           <p:cNvPr id="5" name="Title 4">
             <a:extLst>
               <a:ext uri="{FF2B5EF4-FFF2-40B4-BE49-F238E27FC236}">
@@ -9438,57 +11207,57 @@
           <a:lstStyle/>
           <a:p>
             <a:r>
-              <a:rPr lang="en-US"/>
+              <a:rPr lang="en-US" dirty="0"/>
               <a:t>Assurance Case Method</a:t>
             </a:r>
           </a:p>
           <a:p>
-            <a:endParaRPr lang="en-US"/>
-          </a:p>
-          <a:p>
-            <a:r>
-              <a:rPr lang="en-US"/>
+            <a:endParaRPr lang="en-US" dirty="0"/>
+          </a:p>
+          <a:p>
+            <a:r>
+              <a:rPr lang="en-US" dirty="0"/>
               <a:t>16 Interviews</a:t>
             </a:r>
           </a:p>
           <a:p>
             <a:r>
-              <a:rPr lang="en-US"/>
+              <a:rPr lang="en-US" dirty="0"/>
               <a:t>15 Organizations</a:t>
             </a:r>
           </a:p>
           <a:p>
             <a:r>
-              <a:rPr lang="en-US"/>
+              <a:rPr lang="en-US" dirty="0"/>
               <a:t>10 hours of recording</a:t>
             </a:r>
           </a:p>
           <a:p>
             <a:r>
-              <a:rPr lang="en-US"/>
+              <a:rPr lang="en-US" dirty="0"/>
               <a:t>Field notes</a:t>
             </a:r>
           </a:p>
           <a:p>
-            <a:endParaRPr lang="en-US"/>
+            <a:endParaRPr lang="en-US" dirty="0"/>
           </a:p>
           <a:p>
             <a:pPr marL="0" indent="0">
               <a:buNone/>
             </a:pPr>
             <a:r>
-              <a:rPr lang="en-US"/>
+              <a:rPr lang="en-US" dirty="0"/>
               <a:t>Validation</a:t>
             </a:r>
           </a:p>
           <a:p>
             <a:r>
-              <a:rPr lang="en-US"/>
+              <a:rPr lang="en-US" dirty="0"/>
               <a:t>Focus Group with 15 SPDX members at Open Source Leadership Summit 2017</a:t>
             </a:r>
           </a:p>
           <a:p>
-            <a:endParaRPr lang="en-US"/>
+            <a:endParaRPr lang="en-US" dirty="0"/>
           </a:p>
         </p:txBody>
       </p:sp>
@@ -9509,7 +11278,7 @@
           </p:nvPr>
         </p:nvPicPr>
         <p:blipFill rotWithShape="1">
-          <a:blip r:embed="rId2"/>
+          <a:blip r:embed="rId3"/>
           <a:srcRect b="49031"/>
           <a:stretch/>
         </p:blipFill>
@@ -9546,7 +11315,7 @@
           <a:p>
             <a:fld id="{92FB8604-3E91-4806-A5CC-428F0C480F73}" type="slidenum">
               <a:rPr lang="en-US" smtClean="0"/>
-              <a:t>10</a:t>
+              <a:t>15</a:t>
             </a:fld>
             <a:endParaRPr lang="en-US"/>
           </a:p>
@@ -9555,7 +11324,7 @@
       <p:sp>
         <p:nvSpPr>
           <p:cNvPr id="9" name="Rectangle 8">
-            <a:hlinkClick r:id="rId3"/>
+            <a:hlinkClick r:id="rId4"/>
             <a:extLst>
               <a:ext uri="{FF2B5EF4-FFF2-40B4-BE49-F238E27FC236}">
                 <a16:creationId xmlns:a16="http://schemas.microsoft.com/office/drawing/2014/main" id="{072A8FB8-1250-4D1D-AC76-E2FB56F64B4D}"/>
@@ -9610,7 +11379,7 @@
           <p:nvPr/>
         </p:nvPicPr>
         <p:blipFill>
-          <a:blip r:embed="rId4" cstate="print">
+          <a:blip r:embed="rId5" cstate="print">
             <a:extLst>
               <a:ext uri="{28A0092B-C50C-407E-A947-70E740481C1C}">
                 <a14:useLocalDpi xmlns:a14="http://schemas.microsoft.com/office/drawing/2010/main" val="0"/>
@@ -9656,896 +11425,6 @@
 </p:sld>
 </file>
 
-<file path=ppt/slides/slide11.xml><?xml version="1.0" encoding="utf-8"?>
-<p:sld xmlns:a="http://schemas.openxmlformats.org/drawingml/2006/main" xmlns:r="http://schemas.openxmlformats.org/officeDocument/2006/relationships" xmlns:p="http://schemas.openxmlformats.org/presentationml/2006/main">
-  <p:cSld>
-    <p:spTree>
-      <p:nvGrpSpPr>
-        <p:cNvPr id="1" name=""/>
-        <p:cNvGrpSpPr/>
-        <p:nvPr/>
-      </p:nvGrpSpPr>
-      <p:grpSpPr>
-        <a:xfrm>
-          <a:off x="0" y="0"/>
-          <a:ext cx="0" cy="0"/>
-          <a:chOff x="0" y="0"/>
-          <a:chExt cx="0" cy="0"/>
-        </a:xfrm>
-      </p:grpSpPr>
-      <p:sp>
-        <p:nvSpPr>
-          <p:cNvPr id="3" name="Title 2">
-            <a:extLst>
-              <a:ext uri="{FF2B5EF4-FFF2-40B4-BE49-F238E27FC236}">
-                <a16:creationId xmlns:a16="http://schemas.microsoft.com/office/drawing/2014/main" id="{0B6152EB-9AC5-4385-A71D-C37B58443C43}"/>
-              </a:ext>
-            </a:extLst>
-          </p:cNvPr>
-          <p:cNvSpPr>
-            <a:spLocks noGrp="1"/>
-          </p:cNvSpPr>
-          <p:nvPr>
-            <p:ph type="title"/>
-          </p:nvPr>
-        </p:nvSpPr>
-        <p:spPr/>
-        <p:txBody>
-          <a:bodyPr/>
-          <a:lstStyle/>
-          <a:p>
-            <a:r>
-              <a:rPr lang="en-US"/>
-              <a:t>Answering the Research Question 1</a:t>
-            </a:r>
-          </a:p>
-        </p:txBody>
-      </p:sp>
-      <p:sp>
-        <p:nvSpPr>
-          <p:cNvPr id="2" name="Content Placeholder 1">
-            <a:extLst>
-              <a:ext uri="{FF2B5EF4-FFF2-40B4-BE49-F238E27FC236}">
-                <a16:creationId xmlns:a16="http://schemas.microsoft.com/office/drawing/2014/main" id="{313DFD9F-510F-431F-8F99-172214F663DE}"/>
-              </a:ext>
-            </a:extLst>
-          </p:cNvPr>
-          <p:cNvSpPr>
-            <a:spLocks noGrp="1"/>
-          </p:cNvSpPr>
-          <p:nvPr>
-            <p:ph idx="1"/>
-          </p:nvPr>
-        </p:nvSpPr>
-        <p:spPr>
-          <a:xfrm>
-            <a:off x="2589212" y="2133600"/>
-            <a:ext cx="8915400" cy="4470400"/>
-          </a:xfrm>
-        </p:spPr>
-        <p:txBody>
-          <a:bodyPr>
-            <a:normAutofit/>
-          </a:bodyPr>
-          <a:lstStyle/>
-          <a:p>
-            <a:r>
-              <a:rPr lang="en-US" sz="2600" u="sng"/>
-              <a:t>RQ1:</a:t>
-            </a:r>
-            <a:r>
-              <a:rPr lang="en-US" sz="2600"/>
-              <a:t> </a:t>
-            </a:r>
-            <a:r>
-              <a:rPr lang="en-US" sz="2600" i="1"/>
-              <a:t>How do organizations participating in the SPDX community describe their </a:t>
-            </a:r>
-            <a:r>
-              <a:rPr lang="en-US" sz="2600" b="1">
-                <a:solidFill>
-                  <a:srgbClr val="00B050"/>
-                </a:solidFill>
-              </a:rPr>
-              <a:t>local interpretations </a:t>
-            </a:r>
-            <a:r>
-              <a:rPr lang="en-US" sz="2600" i="1"/>
-              <a:t>of communally structured OSS risk management routines? </a:t>
-            </a:r>
-          </a:p>
-          <a:p>
-            <a:pPr lvl="1"/>
-            <a:endParaRPr lang="en-US" b="1"/>
-          </a:p>
-          <a:p>
-            <a:pPr lvl="1"/>
-            <a:r>
-              <a:rPr lang="en-US" b="1"/>
-              <a:t>Very differently, ranging from using full standard to learning from early adopters.</a:t>
-            </a:r>
-          </a:p>
-          <a:p>
-            <a:pPr lvl="1"/>
-            <a:endParaRPr lang="en-US" b="1"/>
-          </a:p>
-          <a:p>
-            <a:pPr lvl="2"/>
-            <a:r>
-              <a:rPr lang="en-US" i="1"/>
-              <a:t>“When I hear my guys having modeling discussions, I often say, ‘look at SPDX, if it's a coin flip what to call this field, let's go with the standard.’”</a:t>
-            </a:r>
-          </a:p>
-          <a:p>
-            <a:pPr lvl="1"/>
-            <a:endParaRPr lang="en-US" b="1"/>
-          </a:p>
-        </p:txBody>
-      </p:sp>
-      <p:sp>
-        <p:nvSpPr>
-          <p:cNvPr id="4" name="Slide Number Placeholder 3">
-            <a:extLst>
-              <a:ext uri="{FF2B5EF4-FFF2-40B4-BE49-F238E27FC236}">
-                <a16:creationId xmlns:a16="http://schemas.microsoft.com/office/drawing/2014/main" id="{7486C9EB-0A65-4486-AB28-9A5F0151C297}"/>
-              </a:ext>
-            </a:extLst>
-          </p:cNvPr>
-          <p:cNvSpPr>
-            <a:spLocks noGrp="1"/>
-          </p:cNvSpPr>
-          <p:nvPr>
-            <p:ph type="sldNum" sz="quarter" idx="12"/>
-          </p:nvPr>
-        </p:nvSpPr>
-        <p:spPr/>
-        <p:txBody>
-          <a:bodyPr/>
-          <a:lstStyle/>
-          <a:p>
-            <a:fld id="{92FB8604-3E91-4806-A5CC-428F0C480F73}" type="slidenum">
-              <a:rPr lang="en-US" smtClean="0"/>
-              <a:t>11</a:t>
-            </a:fld>
-            <a:endParaRPr lang="en-US"/>
-          </a:p>
-        </p:txBody>
-      </p:sp>
-    </p:spTree>
-    <p:extLst>
-      <p:ext uri="{BB962C8B-B14F-4D97-AF65-F5344CB8AC3E}">
-        <p14:creationId xmlns:p14="http://schemas.microsoft.com/office/powerpoint/2010/main" val="2815756061"/>
-      </p:ext>
-    </p:extLst>
-  </p:cSld>
-  <p:clrMapOvr>
-    <a:masterClrMapping/>
-  </p:clrMapOvr>
-  <mc:AlternateContent xmlns:mc="http://schemas.openxmlformats.org/markup-compatibility/2006" xmlns:p14="http://schemas.microsoft.com/office/powerpoint/2010/main">
-    <mc:Choice Requires="p14">
-      <p:transition spd="med" p14:dur="700">
-        <p:fade/>
-      </p:transition>
-    </mc:Choice>
-    <mc:Fallback xmlns="">
-      <p:transition spd="med">
-        <p:fade/>
-      </p:transition>
-    </mc:Fallback>
-  </mc:AlternateContent>
-</p:sld>
-</file>
-
-<file path=ppt/slides/slide12.xml><?xml version="1.0" encoding="utf-8"?>
-<p:sld xmlns:a="http://schemas.openxmlformats.org/drawingml/2006/main" xmlns:r="http://schemas.openxmlformats.org/officeDocument/2006/relationships" xmlns:p="http://schemas.openxmlformats.org/presentationml/2006/main">
-  <p:cSld>
-    <p:spTree>
-      <p:nvGrpSpPr>
-        <p:cNvPr id="1" name=""/>
-        <p:cNvGrpSpPr/>
-        <p:nvPr/>
-      </p:nvGrpSpPr>
-      <p:grpSpPr>
-        <a:xfrm>
-          <a:off x="0" y="0"/>
-          <a:ext cx="0" cy="0"/>
-          <a:chOff x="0" y="0"/>
-          <a:chExt cx="0" cy="0"/>
-        </a:xfrm>
-      </p:grpSpPr>
-      <p:sp>
-        <p:nvSpPr>
-          <p:cNvPr id="3" name="Title 2">
-            <a:extLst>
-              <a:ext uri="{FF2B5EF4-FFF2-40B4-BE49-F238E27FC236}">
-                <a16:creationId xmlns:a16="http://schemas.microsoft.com/office/drawing/2014/main" id="{0B6152EB-9AC5-4385-A71D-C37B58443C43}"/>
-              </a:ext>
-            </a:extLst>
-          </p:cNvPr>
-          <p:cNvSpPr>
-            <a:spLocks noGrp="1"/>
-          </p:cNvSpPr>
-          <p:nvPr>
-            <p:ph type="title"/>
-          </p:nvPr>
-        </p:nvSpPr>
-        <p:spPr/>
-        <p:txBody>
-          <a:bodyPr/>
-          <a:lstStyle/>
-          <a:p>
-            <a:r>
-              <a:rPr lang="en-US"/>
-              <a:t>Answering the Research Question 2</a:t>
-            </a:r>
-          </a:p>
-        </p:txBody>
-      </p:sp>
-      <p:sp>
-        <p:nvSpPr>
-          <p:cNvPr id="2" name="Content Placeholder 1">
-            <a:extLst>
-              <a:ext uri="{FF2B5EF4-FFF2-40B4-BE49-F238E27FC236}">
-                <a16:creationId xmlns:a16="http://schemas.microsoft.com/office/drawing/2014/main" id="{313DFD9F-510F-431F-8F99-172214F663DE}"/>
-              </a:ext>
-            </a:extLst>
-          </p:cNvPr>
-          <p:cNvSpPr>
-            <a:spLocks noGrp="1"/>
-          </p:cNvSpPr>
-          <p:nvPr>
-            <p:ph idx="1"/>
-          </p:nvPr>
-        </p:nvSpPr>
-        <p:spPr>
-          <a:xfrm>
-            <a:off x="2589212" y="2133600"/>
-            <a:ext cx="8915400" cy="4470400"/>
-          </a:xfrm>
-        </p:spPr>
-        <p:txBody>
-          <a:bodyPr>
-            <a:normAutofit/>
-          </a:bodyPr>
-          <a:lstStyle/>
-          <a:p>
-            <a:r>
-              <a:rPr lang="en-US" sz="2400" u="sng"/>
-              <a:t>RQ2:</a:t>
-            </a:r>
-            <a:r>
-              <a:rPr lang="en-US" sz="2400"/>
-              <a:t> </a:t>
-            </a:r>
-            <a:r>
-              <a:rPr lang="en-US" sz="2400" i="1"/>
-              <a:t>How do these local interpretations influence the extent of their SPDX </a:t>
-            </a:r>
-            <a:r>
-              <a:rPr lang="en-US" sz="2400" b="1">
-                <a:solidFill>
-                  <a:srgbClr val="00B050"/>
-                </a:solidFill>
-              </a:rPr>
-              <a:t>adoption</a:t>
-            </a:r>
-            <a:r>
-              <a:rPr lang="en-US" sz="2400" i="1"/>
-              <a:t>? </a:t>
-            </a:r>
-            <a:endParaRPr lang="en-US" i="1"/>
-          </a:p>
-          <a:p>
-            <a:pPr lvl="1"/>
-            <a:endParaRPr lang="en-US" b="1" i="1"/>
-          </a:p>
-          <a:p>
-            <a:pPr lvl="1"/>
-            <a:r>
-              <a:rPr lang="en-US" b="1" i="1"/>
-              <a:t>Local interpretation is the adoption of SPDX for local needs.</a:t>
-            </a:r>
-          </a:p>
-          <a:p>
-            <a:pPr lvl="1"/>
-            <a:endParaRPr lang="en-US" b="1" i="1"/>
-          </a:p>
-          <a:p>
-            <a:pPr lvl="2"/>
-            <a:r>
-              <a:rPr lang="en-US" i="1"/>
-              <a:t>“The cost of distributing license information was our business driver for adopting SPDX.“</a:t>
-            </a:r>
-          </a:p>
-          <a:p>
-            <a:pPr lvl="1"/>
-            <a:endParaRPr lang="en-US" b="1" i="1"/>
-          </a:p>
-        </p:txBody>
-      </p:sp>
-      <p:sp>
-        <p:nvSpPr>
-          <p:cNvPr id="4" name="Slide Number Placeholder 3">
-            <a:extLst>
-              <a:ext uri="{FF2B5EF4-FFF2-40B4-BE49-F238E27FC236}">
-                <a16:creationId xmlns:a16="http://schemas.microsoft.com/office/drawing/2014/main" id="{7486C9EB-0A65-4486-AB28-9A5F0151C297}"/>
-              </a:ext>
-            </a:extLst>
-          </p:cNvPr>
-          <p:cNvSpPr>
-            <a:spLocks noGrp="1"/>
-          </p:cNvSpPr>
-          <p:nvPr>
-            <p:ph type="sldNum" sz="quarter" idx="12"/>
-          </p:nvPr>
-        </p:nvSpPr>
-        <p:spPr/>
-        <p:txBody>
-          <a:bodyPr/>
-          <a:lstStyle/>
-          <a:p>
-            <a:fld id="{92FB8604-3E91-4806-A5CC-428F0C480F73}" type="slidenum">
-              <a:rPr lang="en-US" smtClean="0"/>
-              <a:t>12</a:t>
-            </a:fld>
-            <a:endParaRPr lang="en-US"/>
-          </a:p>
-        </p:txBody>
-      </p:sp>
-    </p:spTree>
-    <p:extLst>
-      <p:ext uri="{BB962C8B-B14F-4D97-AF65-F5344CB8AC3E}">
-        <p14:creationId xmlns:p14="http://schemas.microsoft.com/office/powerpoint/2010/main" val="2782631771"/>
-      </p:ext>
-    </p:extLst>
-  </p:cSld>
-  <p:clrMapOvr>
-    <a:masterClrMapping/>
-  </p:clrMapOvr>
-  <mc:AlternateContent xmlns:mc="http://schemas.openxmlformats.org/markup-compatibility/2006" xmlns:p14="http://schemas.microsoft.com/office/powerpoint/2010/main">
-    <mc:Choice Requires="p14">
-      <p:transition spd="med" p14:dur="700">
-        <p:fade/>
-      </p:transition>
-    </mc:Choice>
-    <mc:Fallback xmlns="">
-      <p:transition spd="med">
-        <p:fade/>
-      </p:transition>
-    </mc:Fallback>
-  </mc:AlternateContent>
-</p:sld>
-</file>
-
-<file path=ppt/slides/slide13.xml><?xml version="1.0" encoding="utf-8"?>
-<p:sld xmlns:a="http://schemas.openxmlformats.org/drawingml/2006/main" xmlns:r="http://schemas.openxmlformats.org/officeDocument/2006/relationships" xmlns:p="http://schemas.openxmlformats.org/presentationml/2006/main">
-  <p:cSld>
-    <p:spTree>
-      <p:nvGrpSpPr>
-        <p:cNvPr id="1" name=""/>
-        <p:cNvGrpSpPr/>
-        <p:nvPr/>
-      </p:nvGrpSpPr>
-      <p:grpSpPr>
-        <a:xfrm>
-          <a:off x="0" y="0"/>
-          <a:ext cx="0" cy="0"/>
-          <a:chOff x="0" y="0"/>
-          <a:chExt cx="0" cy="0"/>
-        </a:xfrm>
-      </p:grpSpPr>
-      <p:sp>
-        <p:nvSpPr>
-          <p:cNvPr id="3" name="Title 2">
-            <a:extLst>
-              <a:ext uri="{FF2B5EF4-FFF2-40B4-BE49-F238E27FC236}">
-                <a16:creationId xmlns:a16="http://schemas.microsoft.com/office/drawing/2014/main" id="{0B6152EB-9AC5-4385-A71D-C37B58443C43}"/>
-              </a:ext>
-            </a:extLst>
-          </p:cNvPr>
-          <p:cNvSpPr>
-            <a:spLocks noGrp="1"/>
-          </p:cNvSpPr>
-          <p:nvPr>
-            <p:ph type="title"/>
-          </p:nvPr>
-        </p:nvSpPr>
-        <p:spPr/>
-        <p:txBody>
-          <a:bodyPr/>
-          <a:lstStyle/>
-          <a:p>
-            <a:r>
-              <a:rPr lang="en-US"/>
-              <a:t>Answering the Research Question 3</a:t>
-            </a:r>
-          </a:p>
-        </p:txBody>
-      </p:sp>
-      <p:sp>
-        <p:nvSpPr>
-          <p:cNvPr id="2" name="Content Placeholder 1">
-            <a:extLst>
-              <a:ext uri="{FF2B5EF4-FFF2-40B4-BE49-F238E27FC236}">
-                <a16:creationId xmlns:a16="http://schemas.microsoft.com/office/drawing/2014/main" id="{313DFD9F-510F-431F-8F99-172214F663DE}"/>
-              </a:ext>
-            </a:extLst>
-          </p:cNvPr>
-          <p:cNvSpPr>
-            <a:spLocks noGrp="1"/>
-          </p:cNvSpPr>
-          <p:nvPr>
-            <p:ph idx="1"/>
-          </p:nvPr>
-        </p:nvSpPr>
-        <p:spPr>
-          <a:xfrm>
-            <a:off x="2589212" y="2133600"/>
-            <a:ext cx="8915400" cy="4470400"/>
-          </a:xfrm>
-        </p:spPr>
-        <p:txBody>
-          <a:bodyPr>
-            <a:normAutofit/>
-          </a:bodyPr>
-          <a:lstStyle/>
-          <a:p>
-            <a:r>
-              <a:rPr lang="en-US" sz="2400" u="sng"/>
-              <a:t>RQ3:</a:t>
-            </a:r>
-            <a:r>
-              <a:rPr lang="en-US" sz="2400"/>
-              <a:t> </a:t>
-            </a:r>
-            <a:r>
-              <a:rPr lang="en-US" sz="2400" i="1"/>
-              <a:t>How do these member organizations seek to guide the </a:t>
-            </a:r>
-            <a:r>
-              <a:rPr lang="en-US" sz="2400" b="1">
-                <a:solidFill>
-                  <a:srgbClr val="00B050"/>
-                </a:solidFill>
-              </a:rPr>
-              <a:t>advancement</a:t>
-            </a:r>
-            <a:r>
-              <a:rPr lang="en-US" sz="2400" i="1"/>
-              <a:t> of the shared SPDX specification? </a:t>
-            </a:r>
-            <a:endParaRPr lang="en-US" i="1"/>
-          </a:p>
-          <a:p>
-            <a:pPr lvl="1"/>
-            <a:endParaRPr lang="en-US" b="1" i="1"/>
-          </a:p>
-          <a:p>
-            <a:pPr lvl="1"/>
-            <a:r>
-              <a:rPr lang="en-US" b="1" i="1"/>
-              <a:t>Local interpretations are source of innovation for communal practices.</a:t>
-            </a:r>
-          </a:p>
-          <a:p>
-            <a:pPr lvl="1"/>
-            <a:endParaRPr lang="en-US" b="1" i="1"/>
-          </a:p>
-          <a:p>
-            <a:pPr lvl="2"/>
-            <a:r>
-              <a:rPr lang="en-US" i="1"/>
-              <a:t>“[In the SPDX group] we talked about the merits of different fields, how to characterize them, and how to serialize formats.”</a:t>
-            </a:r>
-          </a:p>
-          <a:p>
-            <a:pPr lvl="1"/>
-            <a:endParaRPr lang="en-US" b="1" i="1"/>
-          </a:p>
-        </p:txBody>
-      </p:sp>
-      <p:sp>
-        <p:nvSpPr>
-          <p:cNvPr id="4" name="Slide Number Placeholder 3">
-            <a:extLst>
-              <a:ext uri="{FF2B5EF4-FFF2-40B4-BE49-F238E27FC236}">
-                <a16:creationId xmlns:a16="http://schemas.microsoft.com/office/drawing/2014/main" id="{7486C9EB-0A65-4486-AB28-9A5F0151C297}"/>
-              </a:ext>
-            </a:extLst>
-          </p:cNvPr>
-          <p:cNvSpPr>
-            <a:spLocks noGrp="1"/>
-          </p:cNvSpPr>
-          <p:nvPr>
-            <p:ph type="sldNum" sz="quarter" idx="12"/>
-          </p:nvPr>
-        </p:nvSpPr>
-        <p:spPr/>
-        <p:txBody>
-          <a:bodyPr/>
-          <a:lstStyle/>
-          <a:p>
-            <a:fld id="{92FB8604-3E91-4806-A5CC-428F0C480F73}" type="slidenum">
-              <a:rPr lang="en-US" smtClean="0"/>
-              <a:t>13</a:t>
-            </a:fld>
-            <a:endParaRPr lang="en-US"/>
-          </a:p>
-        </p:txBody>
-      </p:sp>
-    </p:spTree>
-    <p:extLst>
-      <p:ext uri="{BB962C8B-B14F-4D97-AF65-F5344CB8AC3E}">
-        <p14:creationId xmlns:p14="http://schemas.microsoft.com/office/powerpoint/2010/main" val="1281879328"/>
-      </p:ext>
-    </p:extLst>
-  </p:cSld>
-  <p:clrMapOvr>
-    <a:masterClrMapping/>
-  </p:clrMapOvr>
-  <mc:AlternateContent xmlns:mc="http://schemas.openxmlformats.org/markup-compatibility/2006" xmlns:p14="http://schemas.microsoft.com/office/powerpoint/2010/main">
-    <mc:Choice Requires="p14">
-      <p:transition spd="med" p14:dur="700">
-        <p:fade/>
-      </p:transition>
-    </mc:Choice>
-    <mc:Fallback xmlns="">
-      <p:transition spd="med">
-        <p:fade/>
-      </p:transition>
-    </mc:Fallback>
-  </mc:AlternateContent>
-</p:sld>
-</file>
-
-<file path=ppt/slides/slide14.xml><?xml version="1.0" encoding="utf-8"?>
-<p:sld xmlns:a="http://schemas.openxmlformats.org/drawingml/2006/main" xmlns:r="http://schemas.openxmlformats.org/officeDocument/2006/relationships" xmlns:p="http://schemas.openxmlformats.org/presentationml/2006/main">
-  <p:cSld>
-    <p:spTree>
-      <p:nvGrpSpPr>
-        <p:cNvPr id="1" name=""/>
-        <p:cNvGrpSpPr/>
-        <p:nvPr/>
-      </p:nvGrpSpPr>
-      <p:grpSpPr>
-        <a:xfrm>
-          <a:off x="0" y="0"/>
-          <a:ext cx="0" cy="0"/>
-          <a:chOff x="0" y="0"/>
-          <a:chExt cx="0" cy="0"/>
-        </a:xfrm>
-      </p:grpSpPr>
-      <p:sp>
-        <p:nvSpPr>
-          <p:cNvPr id="3" name="Title 2">
-            <a:extLst>
-              <a:ext uri="{FF2B5EF4-FFF2-40B4-BE49-F238E27FC236}">
-                <a16:creationId xmlns:a16="http://schemas.microsoft.com/office/drawing/2014/main" id="{6DC465CC-574D-42E2-9484-BA59D44869C9}"/>
-              </a:ext>
-            </a:extLst>
-          </p:cNvPr>
-          <p:cNvSpPr>
-            <a:spLocks noGrp="1"/>
-          </p:cNvSpPr>
-          <p:nvPr>
-            <p:ph type="title"/>
-          </p:nvPr>
-        </p:nvSpPr>
-        <p:spPr/>
-        <p:txBody>
-          <a:bodyPr/>
-          <a:lstStyle/>
-          <a:p>
-            <a:r>
-              <a:rPr lang="en-US"/>
-              <a:t>Discussion</a:t>
-            </a:r>
-          </a:p>
-        </p:txBody>
-      </p:sp>
-      <p:sp>
-        <p:nvSpPr>
-          <p:cNvPr id="2" name="Content Placeholder 1">
-            <a:extLst>
-              <a:ext uri="{FF2B5EF4-FFF2-40B4-BE49-F238E27FC236}">
-                <a16:creationId xmlns:a16="http://schemas.microsoft.com/office/drawing/2014/main" id="{FF990F44-7677-4CB1-A7E4-83B408892DFF}"/>
-              </a:ext>
-            </a:extLst>
-          </p:cNvPr>
-          <p:cNvSpPr>
-            <a:spLocks noGrp="1"/>
-          </p:cNvSpPr>
-          <p:nvPr>
-            <p:ph idx="1"/>
-          </p:nvPr>
-        </p:nvSpPr>
-        <p:spPr/>
-        <p:txBody>
-          <a:bodyPr>
-            <a:normAutofit fontScale="92500" lnSpcReduction="20000"/>
-          </a:bodyPr>
-          <a:lstStyle/>
-          <a:p>
-            <a:r>
-              <a:rPr lang="en-US" b="1"/>
-              <a:t>Parallels to other risk related data exchange standards</a:t>
-            </a:r>
-          </a:p>
-          <a:p>
-            <a:pPr lvl="1"/>
-            <a:r>
-              <a:rPr lang="en-US"/>
-              <a:t>Many organizations attempt to address risk close to delivery</a:t>
-            </a:r>
-          </a:p>
-          <a:p>
-            <a:pPr lvl="1"/>
-            <a:r>
-              <a:rPr lang="en-US"/>
-              <a:t>Federating risk practices throughout product development can be successful</a:t>
-            </a:r>
-          </a:p>
-          <a:p>
-            <a:endParaRPr lang="en-US"/>
-          </a:p>
-          <a:p>
-            <a:r>
-              <a:rPr lang="en-US" b="1"/>
-              <a:t>Useful feature of a shared standard like SPDX would be built-in gradation</a:t>
-            </a:r>
-          </a:p>
-          <a:p>
-            <a:pPr lvl="1"/>
-            <a:r>
-              <a:rPr lang="en-US"/>
-              <a:t>Partial and successive implementation enables maturing local practices</a:t>
-            </a:r>
-          </a:p>
-          <a:p>
-            <a:pPr lvl="1"/>
-            <a:endParaRPr lang="en-US"/>
-          </a:p>
-        </p:txBody>
-      </p:sp>
-      <p:sp>
-        <p:nvSpPr>
-          <p:cNvPr id="4" name="Slide Number Placeholder 3">
-            <a:extLst>
-              <a:ext uri="{FF2B5EF4-FFF2-40B4-BE49-F238E27FC236}">
-                <a16:creationId xmlns:a16="http://schemas.microsoft.com/office/drawing/2014/main" id="{EA6EA66B-2F8F-46F2-821F-CBEEEC239DF0}"/>
-              </a:ext>
-            </a:extLst>
-          </p:cNvPr>
-          <p:cNvSpPr>
-            <a:spLocks noGrp="1"/>
-          </p:cNvSpPr>
-          <p:nvPr>
-            <p:ph type="sldNum" sz="quarter" idx="12"/>
-          </p:nvPr>
-        </p:nvSpPr>
-        <p:spPr/>
-        <p:txBody>
-          <a:bodyPr/>
-          <a:lstStyle/>
-          <a:p>
-            <a:fld id="{92FB8604-3E91-4806-A5CC-428F0C480F73}" type="slidenum">
-              <a:rPr lang="en-US" smtClean="0"/>
-              <a:t>14</a:t>
-            </a:fld>
-            <a:endParaRPr lang="en-US"/>
-          </a:p>
-        </p:txBody>
-      </p:sp>
-    </p:spTree>
-    <p:extLst>
-      <p:ext uri="{BB962C8B-B14F-4D97-AF65-F5344CB8AC3E}">
-        <p14:creationId xmlns:p14="http://schemas.microsoft.com/office/powerpoint/2010/main" val="3084459883"/>
-      </p:ext>
-    </p:extLst>
-  </p:cSld>
-  <p:clrMapOvr>
-    <a:masterClrMapping/>
-  </p:clrMapOvr>
-  <mc:AlternateContent xmlns:mc="http://schemas.openxmlformats.org/markup-compatibility/2006" xmlns:p14="http://schemas.microsoft.com/office/powerpoint/2010/main">
-    <mc:Choice Requires="p14">
-      <p:transition spd="med" p14:dur="700">
-        <p:fade/>
-      </p:transition>
-    </mc:Choice>
-    <mc:Fallback xmlns="">
-      <p:transition spd="med">
-        <p:fade/>
-      </p:transition>
-    </mc:Fallback>
-  </mc:AlternateContent>
-</p:sld>
-</file>
-
-<file path=ppt/slides/slide15.xml><?xml version="1.0" encoding="utf-8"?>
-<p:sld xmlns:a="http://schemas.openxmlformats.org/drawingml/2006/main" xmlns:r="http://schemas.openxmlformats.org/officeDocument/2006/relationships" xmlns:p="http://schemas.openxmlformats.org/presentationml/2006/main">
-  <p:cSld>
-    <p:spTree>
-      <p:nvGrpSpPr>
-        <p:cNvPr id="1" name=""/>
-        <p:cNvGrpSpPr/>
-        <p:nvPr/>
-      </p:nvGrpSpPr>
-      <p:grpSpPr>
-        <a:xfrm>
-          <a:off x="0" y="0"/>
-          <a:ext cx="0" cy="0"/>
-          <a:chOff x="0" y="0"/>
-          <a:chExt cx="0" cy="0"/>
-        </a:xfrm>
-      </p:grpSpPr>
-      <p:sp>
-        <p:nvSpPr>
-          <p:cNvPr id="3" name="Title 2">
-            <a:extLst>
-              <a:ext uri="{FF2B5EF4-FFF2-40B4-BE49-F238E27FC236}">
-                <a16:creationId xmlns:a16="http://schemas.microsoft.com/office/drawing/2014/main" id="{6DC465CC-574D-42E2-9484-BA59D44869C9}"/>
-              </a:ext>
-            </a:extLst>
-          </p:cNvPr>
-          <p:cNvSpPr>
-            <a:spLocks noGrp="1"/>
-          </p:cNvSpPr>
-          <p:nvPr>
-            <p:ph type="title"/>
-          </p:nvPr>
-        </p:nvSpPr>
-        <p:spPr/>
-        <p:txBody>
-          <a:bodyPr/>
-          <a:lstStyle/>
-          <a:p>
-            <a:r>
-              <a:rPr lang="en-US"/>
-              <a:t>Discussion</a:t>
-            </a:r>
-          </a:p>
-        </p:txBody>
-      </p:sp>
-      <p:sp>
-        <p:nvSpPr>
-          <p:cNvPr id="2" name="Content Placeholder 1">
-            <a:extLst>
-              <a:ext uri="{FF2B5EF4-FFF2-40B4-BE49-F238E27FC236}">
-                <a16:creationId xmlns:a16="http://schemas.microsoft.com/office/drawing/2014/main" id="{FF990F44-7677-4CB1-A7E4-83B408892DFF}"/>
-              </a:ext>
-            </a:extLst>
-          </p:cNvPr>
-          <p:cNvSpPr>
-            <a:spLocks noGrp="1"/>
-          </p:cNvSpPr>
-          <p:nvPr>
-            <p:ph idx="1"/>
-          </p:nvPr>
-        </p:nvSpPr>
-        <p:spPr/>
-        <p:txBody>
-          <a:bodyPr>
-            <a:normAutofit fontScale="77500" lnSpcReduction="20000"/>
-          </a:bodyPr>
-          <a:lstStyle/>
-          <a:p>
-            <a:r>
-              <a:rPr lang="en-US" b="1"/>
-              <a:t>Software design is a highly dynamic landscape</a:t>
-            </a:r>
-          </a:p>
-          <a:p>
-            <a:pPr lvl="1"/>
-            <a:r>
-              <a:rPr lang="en-US"/>
-              <a:t>SPDX specification improves guidance by declaring potential risks in OSS</a:t>
-            </a:r>
-          </a:p>
-          <a:p>
-            <a:pPr lvl="1"/>
-            <a:r>
-              <a:rPr lang="en-US"/>
-              <a:t>SPDX stabailizes the complexities in software design</a:t>
-            </a:r>
-          </a:p>
-          <a:p>
-            <a:pPr lvl="1"/>
-            <a:r>
-              <a:rPr lang="en-US"/>
-              <a:t>SPDX is itself entails responsive design within the duality of routines</a:t>
-            </a:r>
-          </a:p>
-          <a:p>
-            <a:pPr lvl="1"/>
-            <a:endParaRPr lang="en-US"/>
-          </a:p>
-          <a:p>
-            <a:r>
-              <a:rPr lang="en-US" b="1"/>
-              <a:t>The Open Source Ecosystem has strategic and brokered communities</a:t>
-            </a:r>
-          </a:p>
-          <a:p>
-            <a:pPr lvl="1"/>
-            <a:r>
-              <a:rPr lang="en-US"/>
-              <a:t>Brokers, such as the Linux Foundation, shape the ecosystem </a:t>
-            </a:r>
-          </a:p>
-          <a:p>
-            <a:pPr lvl="1"/>
-            <a:r>
-              <a:rPr lang="en-US"/>
-              <a:t>SPDX is one example of a community that enables new interactions</a:t>
-            </a:r>
-          </a:p>
-          <a:p>
-            <a:pPr lvl="1"/>
-            <a:r>
-              <a:rPr lang="en-US"/>
-              <a:t>Brokered engagements can include internal communal needs and external needs from brokering foundations</a:t>
-            </a:r>
-          </a:p>
-          <a:p>
-            <a:pPr lvl="1"/>
-            <a:endParaRPr lang="en-US"/>
-          </a:p>
-        </p:txBody>
-      </p:sp>
-      <p:sp>
-        <p:nvSpPr>
-          <p:cNvPr id="4" name="Slide Number Placeholder 3">
-            <a:extLst>
-              <a:ext uri="{FF2B5EF4-FFF2-40B4-BE49-F238E27FC236}">
-                <a16:creationId xmlns:a16="http://schemas.microsoft.com/office/drawing/2014/main" id="{EA6EA66B-2F8F-46F2-821F-CBEEEC239DF0}"/>
-              </a:ext>
-            </a:extLst>
-          </p:cNvPr>
-          <p:cNvSpPr>
-            <a:spLocks noGrp="1"/>
-          </p:cNvSpPr>
-          <p:nvPr>
-            <p:ph type="sldNum" sz="quarter" idx="12"/>
-          </p:nvPr>
-        </p:nvSpPr>
-        <p:spPr/>
-        <p:txBody>
-          <a:bodyPr/>
-          <a:lstStyle/>
-          <a:p>
-            <a:fld id="{92FB8604-3E91-4806-A5CC-428F0C480F73}" type="slidenum">
-              <a:rPr lang="en-US" smtClean="0"/>
-              <a:t>15</a:t>
-            </a:fld>
-            <a:endParaRPr lang="en-US"/>
-          </a:p>
-        </p:txBody>
-      </p:sp>
-    </p:spTree>
-    <p:extLst>
-      <p:ext uri="{BB962C8B-B14F-4D97-AF65-F5344CB8AC3E}">
-        <p14:creationId xmlns:p14="http://schemas.microsoft.com/office/powerpoint/2010/main" val="3978902479"/>
-      </p:ext>
-    </p:extLst>
-  </p:cSld>
-  <p:clrMapOvr>
-    <a:masterClrMapping/>
-  </p:clrMapOvr>
-  <mc:AlternateContent xmlns:mc="http://schemas.openxmlformats.org/markup-compatibility/2006" xmlns:p14="http://schemas.microsoft.com/office/powerpoint/2010/main">
-    <mc:Choice Requires="p14">
-      <p:transition spd="med" p14:dur="700">
-        <p:fade/>
-      </p:transition>
-    </mc:Choice>
-    <mc:Fallback xmlns="">
-      <p:transition spd="med">
-        <p:fade/>
-      </p:transition>
-    </mc:Fallback>
-  </mc:AlternateContent>
-</p:sld>
-</file>
-
 <file path=ppt/slides/slide16.xml><?xml version="1.0" encoding="utf-8"?>
 <p:sld xmlns:a="http://schemas.openxmlformats.org/drawingml/2006/main" xmlns:r="http://schemas.openxmlformats.org/officeDocument/2006/relationships" xmlns:p="http://schemas.openxmlformats.org/presentationml/2006/main">
   <p:cSld>
@@ -10565,10 +11444,10 @@
       </p:grpSpPr>
       <p:sp>
         <p:nvSpPr>
-          <p:cNvPr id="2" name="Title 1">
+          <p:cNvPr id="3" name="Title 2">
             <a:extLst>
               <a:ext uri="{FF2B5EF4-FFF2-40B4-BE49-F238E27FC236}">
-                <a16:creationId xmlns:a16="http://schemas.microsoft.com/office/drawing/2014/main" id="{6DC821DE-63D7-4D6E-93FC-CA02155C96D7}"/>
+                <a16:creationId xmlns:a16="http://schemas.microsoft.com/office/drawing/2014/main" id="{0B6152EB-9AC5-4385-A71D-C37B58443C43}"/>
               </a:ext>
             </a:extLst>
           </p:cNvPr>
@@ -10586,17 +11465,17 @@
           <a:p>
             <a:r>
               <a:rPr lang="en-US"/>
-              <a:t>Contributions to</a:t>
-            </a:r>
-          </a:p>
-        </p:txBody>
-      </p:sp>
-      <p:sp>
-        <p:nvSpPr>
-          <p:cNvPr id="3" name="Content Placeholder 2">
+              <a:t>Answering the Research Question 1</a:t>
+            </a:r>
+          </a:p>
+        </p:txBody>
+      </p:sp>
+      <p:sp>
+        <p:nvSpPr>
+          <p:cNvPr id="2" name="Content Placeholder 1">
             <a:extLst>
               <a:ext uri="{FF2B5EF4-FFF2-40B4-BE49-F238E27FC236}">
-                <a16:creationId xmlns:a16="http://schemas.microsoft.com/office/drawing/2014/main" id="{481CED53-150B-4059-A979-6A074BBDCE6A}"/>
+                <a16:creationId xmlns:a16="http://schemas.microsoft.com/office/drawing/2014/main" id="{313DFD9F-510F-431F-8F99-172214F663DE}"/>
               </a:ext>
             </a:extLst>
           </p:cNvPr>
@@ -10610,61 +11489,60 @@
         <p:spPr>
           <a:xfrm>
             <a:off x="2589212" y="2133600"/>
-            <a:ext cx="8915400" cy="4191000"/>
+            <a:ext cx="8915400" cy="4470400"/>
           </a:xfrm>
         </p:spPr>
         <p:txBody>
           <a:bodyPr>
-            <a:normAutofit fontScale="77500" lnSpcReduction="20000"/>
+            <a:normAutofit/>
           </a:bodyPr>
           <a:lstStyle/>
           <a:p>
             <a:r>
-              <a:rPr lang="en-US" b="1"/>
-              <a:t>Routines: </a:t>
-            </a:r>
-            <a:r>
-              <a:rPr lang="en-US"/>
-              <a:t>Uncover complexities involved in the development of communal risk related open data standards.</a:t>
-            </a:r>
-          </a:p>
-          <a:p>
-            <a:endParaRPr lang="en-US"/>
-          </a:p>
-          <a:p>
-            <a:r>
-              <a:rPr lang="en-US" b="1"/>
-              <a:t>Open source: </a:t>
-            </a:r>
-            <a:r>
-              <a:rPr lang="en-US"/>
-              <a:t>Report how the SPDX project is changing the open source ecosystem by developing shared routines and encoding fixed elements in the SPDX specification</a:t>
-            </a:r>
-          </a:p>
-          <a:p>
-            <a:endParaRPr lang="en-US"/>
-          </a:p>
-          <a:p>
-            <a:r>
-              <a:rPr lang="en-US" b="1"/>
-              <a:t>Standard setting: </a:t>
-            </a:r>
-            <a:r>
-              <a:rPr lang="en-US"/>
-              <a:t>Demonstrate how shared practices shape standards</a:t>
-            </a:r>
-          </a:p>
-          <a:p>
-            <a:endParaRPr lang="en-US"/>
-          </a:p>
-          <a:p>
-            <a:r>
-              <a:rPr lang="en-US" b="1"/>
-              <a:t>Methodology: </a:t>
-            </a:r>
-            <a:r>
-              <a:rPr lang="en-US"/>
-              <a:t>Demonstrate the use of the assurance case driven case study design.</a:t>
+              <a:rPr lang="en-US" sz="2400" u="sng" dirty="0"/>
+              <a:t>RQ1:</a:t>
+            </a:r>
+            <a:r>
+              <a:rPr lang="en-US" sz="2400" dirty="0"/>
+              <a:t> </a:t>
+            </a:r>
+            <a:r>
+              <a:rPr lang="en-US" sz="2400" i="1" dirty="0"/>
+              <a:t>How do organizations participating in the SPDX community describe their </a:t>
+            </a:r>
+            <a:r>
+              <a:rPr lang="en-US" sz="2400" b="1" dirty="0">
+                <a:solidFill>
+                  <a:srgbClr val="00B050"/>
+                </a:solidFill>
+              </a:rPr>
+              <a:t>local interpretations </a:t>
+            </a:r>
+            <a:r>
+              <a:rPr lang="en-US" sz="2400" i="1" dirty="0"/>
+              <a:t>of communally structured OSS risk management routines? </a:t>
+            </a:r>
+          </a:p>
+          <a:p>
+            <a:pPr lvl="1"/>
+            <a:endParaRPr lang="en-US" sz="2000" b="1" dirty="0"/>
+          </a:p>
+          <a:p>
+            <a:pPr lvl="1"/>
+            <a:r>
+              <a:rPr lang="en-US" b="1" dirty="0"/>
+              <a:t>Very differently, ranging from using full standard to learning from early adopters.</a:t>
+            </a:r>
+          </a:p>
+          <a:p>
+            <a:pPr lvl="1"/>
+            <a:endParaRPr lang="en-US" sz="2000" b="1" dirty="0"/>
+          </a:p>
+          <a:p>
+            <a:pPr lvl="2"/>
+            <a:r>
+              <a:rPr lang="en-US" i="1" dirty="0"/>
+              <a:t>“When I hear my guys having modeling discussions, I often say, ‘look at SPDX, if it's a coin flip what to call this field, let's go with the standard.’”</a:t>
             </a:r>
           </a:p>
         </p:txBody>
@@ -10674,7 +11552,7 @@
           <p:cNvPr id="4" name="Slide Number Placeholder 3">
             <a:extLst>
               <a:ext uri="{FF2B5EF4-FFF2-40B4-BE49-F238E27FC236}">
-                <a16:creationId xmlns:a16="http://schemas.microsoft.com/office/drawing/2014/main" id="{A53FEEF1-4BFF-440F-A992-5AF0313EE0FD}"/>
+                <a16:creationId xmlns:a16="http://schemas.microsoft.com/office/drawing/2014/main" id="{7486C9EB-0A65-4486-AB28-9A5F0151C297}"/>
               </a:ext>
             </a:extLst>
           </p:cNvPr>
@@ -10698,10 +11576,46 @@
           </a:p>
         </p:txBody>
       </p:sp>
+      <p:pic>
+        <p:nvPicPr>
+          <p:cNvPr id="5" name="Picture 4" descr="A close up of a logo&#10;&#10;Description generated with high confidence">
+            <a:extLst>
+              <a:ext uri="{FF2B5EF4-FFF2-40B4-BE49-F238E27FC236}">
+                <a16:creationId xmlns:a16="http://schemas.microsoft.com/office/drawing/2014/main" id="{1B7BDC45-0110-4C81-8B8C-C281310045E8}"/>
+              </a:ext>
+            </a:extLst>
+          </p:cNvPr>
+          <p:cNvPicPr>
+            <a:picLocks noChangeAspect="1"/>
+          </p:cNvPicPr>
+          <p:nvPr/>
+        </p:nvPicPr>
+        <p:blipFill>
+          <a:blip r:embed="rId3" cstate="print">
+            <a:extLst>
+              <a:ext uri="{28A0092B-C50C-407E-A947-70E740481C1C}">
+                <a14:useLocalDpi xmlns:a14="http://schemas.microsoft.com/office/drawing/2010/main" val="0"/>
+              </a:ext>
+            </a:extLst>
+          </a:blip>
+          <a:stretch>
+            <a:fillRect/>
+          </a:stretch>
+        </p:blipFill>
+        <p:spPr>
+          <a:xfrm>
+            <a:off x="853298" y="5678622"/>
+            <a:ext cx="1735914" cy="925378"/>
+          </a:xfrm>
+          <a:prstGeom prst="rect">
+            <a:avLst/>
+          </a:prstGeom>
+        </p:spPr>
+      </p:pic>
     </p:spTree>
     <p:extLst>
       <p:ext uri="{BB962C8B-B14F-4D97-AF65-F5344CB8AC3E}">
-        <p14:creationId xmlns:p14="http://schemas.microsoft.com/office/powerpoint/2010/main" val="2232451164"/>
+        <p14:creationId xmlns:p14="http://schemas.microsoft.com/office/powerpoint/2010/main" val="2815756061"/>
       </p:ext>
     </p:extLst>
   </p:cSld>
@@ -10742,10 +11656,10 @@
       </p:grpSpPr>
       <p:sp>
         <p:nvSpPr>
-          <p:cNvPr id="4" name="Title 3">
+          <p:cNvPr id="3" name="Title 2">
             <a:extLst>
               <a:ext uri="{FF2B5EF4-FFF2-40B4-BE49-F238E27FC236}">
-                <a16:creationId xmlns:a16="http://schemas.microsoft.com/office/drawing/2014/main" id="{136ECC0C-1521-466B-98E3-3C532E010C1B}"/>
+                <a16:creationId xmlns:a16="http://schemas.microsoft.com/office/drawing/2014/main" id="{0B6152EB-9AC5-4385-A71D-C37B58443C43}"/>
               </a:ext>
             </a:extLst>
           </p:cNvPr>
@@ -10763,17 +11677,17 @@
           <a:p>
             <a:r>
               <a:rPr lang="en-US"/>
-              <a:t>Thank you!</a:t>
-            </a:r>
-          </a:p>
-        </p:txBody>
-      </p:sp>
-      <p:sp>
-        <p:nvSpPr>
-          <p:cNvPr id="3" name="Content Placeholder 2">
+              <a:t>Answering the Research Question 2</a:t>
+            </a:r>
+          </a:p>
+        </p:txBody>
+      </p:sp>
+      <p:sp>
+        <p:nvSpPr>
+          <p:cNvPr id="2" name="Content Placeholder 1">
             <a:extLst>
               <a:ext uri="{FF2B5EF4-FFF2-40B4-BE49-F238E27FC236}">
-                <a16:creationId xmlns:a16="http://schemas.microsoft.com/office/drawing/2014/main" id="{8AEECAE4-D48E-4C5E-A888-F8AF5C165122}"/>
+                <a16:creationId xmlns:a16="http://schemas.microsoft.com/office/drawing/2014/main" id="{313DFD9F-510F-431F-8F99-172214F663DE}"/>
               </a:ext>
             </a:extLst>
           </p:cNvPr>
@@ -10781,13 +11695,13 @@
             <a:spLocks noGrp="1"/>
           </p:cNvSpPr>
           <p:nvPr>
-            <p:ph sz="half" idx="1"/>
+            <p:ph idx="1"/>
           </p:nvPr>
         </p:nvSpPr>
         <p:spPr>
           <a:xfrm>
-            <a:off x="2589211" y="2133600"/>
-            <a:ext cx="4332226" cy="3137177"/>
+            <a:off x="2589212" y="2133600"/>
+            <a:ext cx="8915400" cy="4470400"/>
           </a:xfrm>
         </p:spPr>
         <p:txBody>
@@ -10797,78 +11711,100 @@
           <a:lstStyle/>
           <a:p>
             <a:r>
-              <a:rPr lang="en-US" sz="2000" b="1"/>
-              <a:t>Robin Gandhi</a:t>
-            </a:r>
-            <a:br>
-              <a:rPr lang="en-US" sz="2000"/>
-            </a:br>
-            <a:r>
-              <a:rPr lang="en-US" sz="2000">
-                <a:hlinkClick r:id="rId2"/>
+              <a:rPr lang="en-US" sz="2400" u="sng" dirty="0"/>
+              <a:t>RQ2:</a:t>
+            </a:r>
+            <a:r>
+              <a:rPr lang="en-US" sz="2400" dirty="0"/>
+              <a:t> </a:t>
+            </a:r>
+            <a:r>
+              <a:rPr lang="en-US" sz="2400" i="1" dirty="0"/>
+              <a:t>How do these local interpretations influence the extent of their SPDX </a:t>
+            </a:r>
+            <a:r>
+              <a:rPr lang="en-US" sz="2400" b="1" dirty="0">
+                <a:solidFill>
+                  <a:srgbClr val="00B050"/>
+                </a:solidFill>
               </a:rPr>
-              <a:t>rgandhi@unomaha.edu</a:t>
-            </a:r>
-            <a:endParaRPr lang="en-US" sz="2000"/>
-          </a:p>
-          <a:p>
-            <a:endParaRPr lang="en-US" sz="2000"/>
-          </a:p>
-          <a:p>
-            <a:r>
-              <a:rPr lang="en-US" sz="2000" b="1"/>
-              <a:t>Matt Germonprez</a:t>
-            </a:r>
-            <a:br>
-              <a:rPr lang="en-US" sz="2000"/>
-            </a:br>
-            <a:r>
-              <a:rPr lang="en-US" sz="2000">
-                <a:hlinkClick r:id="rId3"/>
-              </a:rPr>
-              <a:t>mgermonprez@unomaha.edu</a:t>
-            </a:r>
-            <a:endParaRPr lang="en-US" sz="2000"/>
-          </a:p>
-          <a:p>
-            <a:endParaRPr lang="en-US" sz="1800"/>
-          </a:p>
-          <a:p>
-            <a:r>
-              <a:rPr lang="en-US" sz="2000" b="1"/>
-              <a:t>Georg Link</a:t>
-            </a:r>
-            <a:br>
-              <a:rPr lang="en-US" sz="2000"/>
-            </a:br>
-            <a:r>
-              <a:rPr lang="en-US" sz="2000">
-                <a:hlinkClick r:id="rId4"/>
-              </a:rPr>
-              <a:t>glink@unomaha.edu</a:t>
-            </a:r>
-            <a:endParaRPr lang="en-US" sz="2000"/>
+              <a:t>adoption</a:t>
+            </a:r>
+            <a:r>
+              <a:rPr lang="en-US" sz="2400" i="1" dirty="0"/>
+              <a:t>? </a:t>
+            </a:r>
+            <a:endParaRPr lang="en-US" i="1" dirty="0"/>
+          </a:p>
+          <a:p>
+            <a:pPr lvl="1"/>
+            <a:endParaRPr lang="en-US" b="1" i="1" dirty="0"/>
+          </a:p>
+          <a:p>
+            <a:pPr lvl="1"/>
+            <a:r>
+              <a:rPr lang="en-US" b="1" i="1" dirty="0"/>
+              <a:t>Local interpretation is the adoption of SPDX for local needs.</a:t>
+            </a:r>
+          </a:p>
+          <a:p>
+            <a:pPr lvl="1"/>
+            <a:endParaRPr lang="en-US" b="1" i="1" dirty="0"/>
+          </a:p>
+          <a:p>
+            <a:pPr lvl="2"/>
+            <a:r>
+              <a:rPr lang="en-US" i="1" dirty="0"/>
+              <a:t>“The cost of distributing license information was our business driver for adopting SPDX.“</a:t>
+            </a:r>
+          </a:p>
+        </p:txBody>
+      </p:sp>
+      <p:sp>
+        <p:nvSpPr>
+          <p:cNvPr id="4" name="Slide Number Placeholder 3">
+            <a:extLst>
+              <a:ext uri="{FF2B5EF4-FFF2-40B4-BE49-F238E27FC236}">
+                <a16:creationId xmlns:a16="http://schemas.microsoft.com/office/drawing/2014/main" id="{7486C9EB-0A65-4486-AB28-9A5F0151C297}"/>
+              </a:ext>
+            </a:extLst>
+          </p:cNvPr>
+          <p:cNvSpPr>
+            <a:spLocks noGrp="1"/>
+          </p:cNvSpPr>
+          <p:nvPr>
+            <p:ph type="sldNum" sz="quarter" idx="12"/>
+          </p:nvPr>
+        </p:nvSpPr>
+        <p:spPr/>
+        <p:txBody>
+          <a:bodyPr/>
+          <a:lstStyle/>
+          <a:p>
+            <a:fld id="{92FB8604-3E91-4806-A5CC-428F0C480F73}" type="slidenum">
+              <a:rPr lang="en-US" smtClean="0"/>
+              <a:t>17</a:t>
+            </a:fld>
+            <a:endParaRPr lang="en-US"/>
           </a:p>
         </p:txBody>
       </p:sp>
       <p:pic>
         <p:nvPicPr>
-          <p:cNvPr id="10" name="Content Placeholder 9" descr="A person in a striped shirt&#10;&#10;Description generated with very high confidence">
+          <p:cNvPr id="5" name="Picture 4" descr="A close up of a logo&#10;&#10;Description generated with very high confidence">
             <a:extLst>
               <a:ext uri="{FF2B5EF4-FFF2-40B4-BE49-F238E27FC236}">
-                <a16:creationId xmlns:a16="http://schemas.microsoft.com/office/drawing/2014/main" id="{CE643470-C9DF-4F95-9BF4-24FB11EDA14F}"/>
+                <a16:creationId xmlns:a16="http://schemas.microsoft.com/office/drawing/2014/main" id="{3B40A196-9640-43A1-9B62-9A16E6B7C011}"/>
               </a:ext>
             </a:extLst>
           </p:cNvPr>
           <p:cNvPicPr>
-            <a:picLocks noGrp="1" noChangeAspect="1"/>
+            <a:picLocks noChangeAspect="1"/>
           </p:cNvPicPr>
-          <p:nvPr>
-            <p:ph sz="half" idx="2"/>
-          </p:nvPr>
+          <p:nvPr/>
         </p:nvPicPr>
         <p:blipFill>
-          <a:blip r:embed="rId5">
+          <a:blip r:embed="rId2" cstate="print">
             <a:extLst>
               <a:ext uri="{28A0092B-C50C-407E-A947-70E740481C1C}">
                 <a14:useLocalDpi xmlns:a14="http://schemas.microsoft.com/office/drawing/2010/main" val="0"/>
@@ -10881,455 +11817,18 @@
         </p:blipFill>
         <p:spPr>
           <a:xfrm>
-            <a:off x="8774863" y="2133599"/>
-            <a:ext cx="1344884" cy="2017327"/>
-          </a:xfrm>
-        </p:spPr>
-      </p:pic>
-      <p:pic>
-        <p:nvPicPr>
-          <p:cNvPr id="12" name="Picture 11" descr="A person smiling for the camera&#10;&#10;Description generated with very high confidence">
-            <a:extLst>
-              <a:ext uri="{FF2B5EF4-FFF2-40B4-BE49-F238E27FC236}">
-                <a16:creationId xmlns:a16="http://schemas.microsoft.com/office/drawing/2014/main" id="{1E74FE77-9430-4A29-8560-B3B8C36CF6D4}"/>
-              </a:ext>
-            </a:extLst>
-          </p:cNvPr>
-          <p:cNvPicPr>
-            <a:picLocks noChangeAspect="1"/>
-          </p:cNvPicPr>
-          <p:nvPr/>
-        </p:nvPicPr>
-        <p:blipFill>
-          <a:blip r:embed="rId6">
-            <a:extLst>
-              <a:ext uri="{28A0092B-C50C-407E-A947-70E740481C1C}">
-                <a14:useLocalDpi xmlns:a14="http://schemas.microsoft.com/office/drawing/2010/main" val="0"/>
-              </a:ext>
-            </a:extLst>
-          </a:blip>
-          <a:stretch>
-            <a:fillRect/>
-          </a:stretch>
-        </p:blipFill>
-        <p:spPr>
-          <a:xfrm>
-            <a:off x="10437561" y="2133598"/>
-            <a:ext cx="1344884" cy="2017327"/>
+            <a:off x="0" y="5640946"/>
+            <a:ext cx="3636231" cy="1065008"/>
           </a:xfrm>
           <a:prstGeom prst="rect">
             <a:avLst/>
           </a:prstGeom>
         </p:spPr>
       </p:pic>
-      <p:pic>
-        <p:nvPicPr>
-          <p:cNvPr id="13" name="Picture 12">
-            <a:extLst>
-              <a:ext uri="{FF2B5EF4-FFF2-40B4-BE49-F238E27FC236}">
-                <a16:creationId xmlns:a16="http://schemas.microsoft.com/office/drawing/2014/main" id="{FBFD6F21-3556-4F1F-9150-834F590C21CA}"/>
-              </a:ext>
-            </a:extLst>
-          </p:cNvPr>
-          <p:cNvPicPr>
-            <a:picLocks noChangeAspect="1"/>
-          </p:cNvPicPr>
-          <p:nvPr/>
-        </p:nvPicPr>
-        <p:blipFill>
-          <a:blip r:embed="rId7"/>
-          <a:stretch>
-            <a:fillRect/>
-          </a:stretch>
-        </p:blipFill>
-        <p:spPr>
-          <a:xfrm>
-            <a:off x="7112164" y="2133600"/>
-            <a:ext cx="1344884" cy="2017326"/>
-          </a:xfrm>
-          <a:prstGeom prst="rect">
-            <a:avLst/>
-          </a:prstGeom>
-        </p:spPr>
-      </p:pic>
-      <p:pic>
-        <p:nvPicPr>
-          <p:cNvPr id="15" name="Picture 14">
-            <a:extLst>
-              <a:ext uri="{FF2B5EF4-FFF2-40B4-BE49-F238E27FC236}">
-                <a16:creationId xmlns:a16="http://schemas.microsoft.com/office/drawing/2014/main" id="{AE268044-3022-4336-87A8-B94BFD8F4A6C}"/>
-              </a:ext>
-            </a:extLst>
-          </p:cNvPr>
-          <p:cNvPicPr>
-            <a:picLocks noChangeAspect="1"/>
-          </p:cNvPicPr>
-          <p:nvPr/>
-        </p:nvPicPr>
-        <p:blipFill>
-          <a:blip r:embed="rId8" cstate="print">
-            <a:extLst>
-              <a:ext uri="{28A0092B-C50C-407E-A947-70E740481C1C}">
-                <a14:useLocalDpi xmlns:a14="http://schemas.microsoft.com/office/drawing/2010/main" val="0"/>
-              </a:ext>
-            </a:extLst>
-          </a:blip>
-          <a:stretch>
-            <a:fillRect/>
-          </a:stretch>
-        </p:blipFill>
-        <p:spPr>
-          <a:xfrm>
-            <a:off x="7918289" y="5533900"/>
-            <a:ext cx="3586322" cy="1077878"/>
-          </a:xfrm>
-          <a:prstGeom prst="rect">
-            <a:avLst/>
-          </a:prstGeom>
-        </p:spPr>
-      </p:pic>
-      <p:sp>
-        <p:nvSpPr>
-          <p:cNvPr id="16" name="Slide Number Placeholder 15">
-            <a:extLst>
-              <a:ext uri="{FF2B5EF4-FFF2-40B4-BE49-F238E27FC236}">
-                <a16:creationId xmlns:a16="http://schemas.microsoft.com/office/drawing/2014/main" id="{52A1AB94-EFFE-4F57-8836-017B8C45231E}"/>
-              </a:ext>
-            </a:extLst>
-          </p:cNvPr>
-          <p:cNvSpPr>
-            <a:spLocks noGrp="1"/>
-          </p:cNvSpPr>
-          <p:nvPr>
-            <p:ph type="sldNum" sz="quarter" idx="12"/>
-          </p:nvPr>
-        </p:nvSpPr>
-        <p:spPr/>
-        <p:txBody>
-          <a:bodyPr/>
-          <a:lstStyle/>
-          <a:p>
-            <a:fld id="{92FB8604-3E91-4806-A5CC-428F0C480F73}" type="slidenum">
-              <a:rPr lang="en-US" smtClean="0"/>
-              <a:t>17</a:t>
-            </a:fld>
-            <a:endParaRPr lang="en-US"/>
-          </a:p>
-        </p:txBody>
-      </p:sp>
-      <p:sp>
-        <p:nvSpPr>
-          <p:cNvPr id="17" name="TextBox 16">
-            <a:extLst>
-              <a:ext uri="{FF2B5EF4-FFF2-40B4-BE49-F238E27FC236}">
-                <a16:creationId xmlns:a16="http://schemas.microsoft.com/office/drawing/2014/main" id="{B3DA2D8E-968A-485C-8DEA-125F2FF70DA0}"/>
-              </a:ext>
-            </a:extLst>
-          </p:cNvPr>
-          <p:cNvSpPr txBox="1"/>
-          <p:nvPr/>
-        </p:nvSpPr>
-        <p:spPr>
-          <a:xfrm>
-            <a:off x="7376668" y="4098584"/>
-            <a:ext cx="819455" cy="369332"/>
-          </a:xfrm>
-          <a:prstGeom prst="rect">
-            <a:avLst/>
-          </a:prstGeom>
-          <a:noFill/>
-        </p:spPr>
-        <p:txBody>
-          <a:bodyPr wrap="none" rtlCol="0">
-            <a:spAutoFit/>
-          </a:bodyPr>
-          <a:lstStyle/>
-          <a:p>
-            <a:pPr algn="ctr"/>
-            <a:r>
-              <a:rPr lang="en-US"/>
-              <a:t>Robin</a:t>
-            </a:r>
-          </a:p>
-        </p:txBody>
-      </p:sp>
-      <p:sp>
-        <p:nvSpPr>
-          <p:cNvPr id="18" name="TextBox 17">
-            <a:extLst>
-              <a:ext uri="{FF2B5EF4-FFF2-40B4-BE49-F238E27FC236}">
-                <a16:creationId xmlns:a16="http://schemas.microsoft.com/office/drawing/2014/main" id="{357ED001-3B77-405B-BDC6-02FC11BBE49C}"/>
-              </a:ext>
-            </a:extLst>
-          </p:cNvPr>
-          <p:cNvSpPr txBox="1"/>
-          <p:nvPr/>
-        </p:nvSpPr>
-        <p:spPr>
-          <a:xfrm>
-            <a:off x="9093869" y="4098584"/>
-            <a:ext cx="710452" cy="369332"/>
-          </a:xfrm>
-          <a:prstGeom prst="rect">
-            <a:avLst/>
-          </a:prstGeom>
-          <a:noFill/>
-        </p:spPr>
-        <p:txBody>
-          <a:bodyPr wrap="none" rtlCol="0">
-            <a:spAutoFit/>
-          </a:bodyPr>
-          <a:lstStyle/>
-          <a:p>
-            <a:pPr algn="ctr"/>
-            <a:r>
-              <a:rPr lang="en-US"/>
-              <a:t>Matt</a:t>
-            </a:r>
-          </a:p>
-        </p:txBody>
-      </p:sp>
-      <p:sp>
-        <p:nvSpPr>
-          <p:cNvPr id="19" name="TextBox 18">
-            <a:extLst>
-              <a:ext uri="{FF2B5EF4-FFF2-40B4-BE49-F238E27FC236}">
-                <a16:creationId xmlns:a16="http://schemas.microsoft.com/office/drawing/2014/main" id="{171C5270-BD49-49F4-BD95-DE450107E38B}"/>
-              </a:ext>
-            </a:extLst>
-          </p:cNvPr>
-          <p:cNvSpPr txBox="1"/>
-          <p:nvPr/>
-        </p:nvSpPr>
-        <p:spPr>
-          <a:xfrm>
-            <a:off x="10655579" y="4098584"/>
-            <a:ext cx="912429" cy="369332"/>
-          </a:xfrm>
-          <a:prstGeom prst="rect">
-            <a:avLst/>
-          </a:prstGeom>
-          <a:noFill/>
-        </p:spPr>
-        <p:txBody>
-          <a:bodyPr wrap="none" rtlCol="0">
-            <a:spAutoFit/>
-          </a:bodyPr>
-          <a:lstStyle/>
-          <a:p>
-            <a:pPr algn="ctr"/>
-            <a:r>
-              <a:rPr lang="en-US"/>
-              <a:t>Georg</a:t>
-            </a:r>
-          </a:p>
-        </p:txBody>
-      </p:sp>
-      <p:sp>
-        <p:nvSpPr>
-          <p:cNvPr id="20" name="Rectangle 19">
-            <a:hlinkClick r:id="rId9"/>
-            <a:extLst>
-              <a:ext uri="{FF2B5EF4-FFF2-40B4-BE49-F238E27FC236}">
-                <a16:creationId xmlns:a16="http://schemas.microsoft.com/office/drawing/2014/main" id="{01610919-0DB2-4101-838A-B4F6B2A9FBBA}"/>
-              </a:ext>
-            </a:extLst>
-          </p:cNvPr>
-          <p:cNvSpPr/>
-          <p:nvPr/>
-        </p:nvSpPr>
-        <p:spPr>
-          <a:xfrm>
-            <a:off x="2589211" y="5326446"/>
-            <a:ext cx="3913251" cy="584775"/>
-          </a:xfrm>
-          <a:prstGeom prst="rect">
-            <a:avLst/>
-          </a:prstGeom>
-        </p:spPr>
-        <p:txBody>
-          <a:bodyPr wrap="none">
-            <a:spAutoFit/>
-          </a:bodyPr>
-          <a:lstStyle/>
-          <a:p>
-            <a:r>
-              <a:rPr lang="en-US" sz="1600">
-                <a:solidFill>
-                  <a:schemeClr val="tx1">
-                    <a:lumMod val="75000"/>
-                    <a:lumOff val="25000"/>
-                  </a:schemeClr>
-                </a:solidFill>
-              </a:rPr>
-              <a:t>Assurance case and interview protocol:</a:t>
-            </a:r>
-          </a:p>
-          <a:p>
-            <a:r>
-              <a:rPr lang="en-US" sz="1600">
-                <a:solidFill>
-                  <a:schemeClr val="tx1">
-                    <a:lumMod val="75000"/>
-                    <a:lumOff val="25000"/>
-                  </a:schemeClr>
-                </a:solidFill>
-              </a:rPr>
-              <a:t>https://github.com/SPDX-CaseStudy/files</a:t>
-            </a:r>
-          </a:p>
-        </p:txBody>
-      </p:sp>
-      <p:sp>
-        <p:nvSpPr>
-          <p:cNvPr id="21" name="Rectangle 20">
-            <a:extLst>
-              <a:ext uri="{FF2B5EF4-FFF2-40B4-BE49-F238E27FC236}">
-                <a16:creationId xmlns:a16="http://schemas.microsoft.com/office/drawing/2014/main" id="{3E981357-AFBE-451F-A0FA-9F111EC06104}"/>
-              </a:ext>
-            </a:extLst>
-          </p:cNvPr>
-          <p:cNvSpPr/>
-          <p:nvPr/>
-        </p:nvSpPr>
-        <p:spPr>
-          <a:xfrm>
-            <a:off x="2589213" y="6611779"/>
-            <a:ext cx="9656064" cy="246221"/>
-          </a:xfrm>
-          <a:prstGeom prst="rect">
-            <a:avLst/>
-          </a:prstGeom>
-        </p:spPr>
-        <p:txBody>
-          <a:bodyPr wrap="square">
-            <a:spAutoFit/>
-          </a:bodyPr>
-          <a:lstStyle/>
-          <a:p>
-            <a:r>
-              <a:rPr lang="en-US" sz="1000"/>
-              <a:t>© 2016-2018 Robin Gandhi, Matt Germonprez, and Georg J.P. Link. The presentation is provided under the </a:t>
-            </a:r>
-            <a:r>
-              <a:rPr lang="en-US" sz="1000">
-                <a:hlinkClick r:id="rId10"/>
-              </a:rPr>
-              <a:t>Attribution 4.0 International (CC BY 4.0) License</a:t>
-            </a:r>
-            <a:r>
-              <a:rPr lang="en-US" sz="1000"/>
-              <a:t>.</a:t>
-            </a:r>
-          </a:p>
-        </p:txBody>
-      </p:sp>
-      <p:pic>
-        <p:nvPicPr>
-          <p:cNvPr id="5" name="Picture 4" descr="A close up of a sign&#10;&#10;Description generated with high confidence">
-            <a:extLst>
-              <a:ext uri="{FF2B5EF4-FFF2-40B4-BE49-F238E27FC236}">
-                <a16:creationId xmlns:a16="http://schemas.microsoft.com/office/drawing/2014/main" id="{DF062F3F-4909-45BE-A198-6BA94A33ECD5}"/>
-              </a:ext>
-            </a:extLst>
-          </p:cNvPr>
-          <p:cNvPicPr>
-            <a:picLocks noChangeAspect="1"/>
-          </p:cNvPicPr>
-          <p:nvPr/>
-        </p:nvPicPr>
-        <p:blipFill>
-          <a:blip r:embed="rId11" cstate="print">
-            <a:clrChange>
-              <a:clrFrom>
-                <a:srgbClr val="FFFFFF"/>
-              </a:clrFrom>
-              <a:clrTo>
-                <a:srgbClr val="FFFFFF">
-                  <a:alpha val="0"/>
-                </a:srgbClr>
-              </a:clrTo>
-            </a:clrChange>
-            <a:extLst>
-              <a:ext uri="{28A0092B-C50C-407E-A947-70E740481C1C}">
-                <a14:useLocalDpi xmlns:a14="http://schemas.microsoft.com/office/drawing/2010/main" val="0"/>
-              </a:ext>
-            </a:extLst>
-          </a:blip>
-          <a:stretch>
-            <a:fillRect/>
-          </a:stretch>
-        </p:blipFill>
-        <p:spPr>
-          <a:xfrm>
-            <a:off x="7918289" y="4653314"/>
-            <a:ext cx="1941151" cy="776289"/>
-          </a:xfrm>
-          <a:prstGeom prst="rect">
-            <a:avLst/>
-          </a:prstGeom>
-        </p:spPr>
-      </p:pic>
-      <p:sp>
-        <p:nvSpPr>
-          <p:cNvPr id="6" name="TextBox 5">
-            <a:hlinkClick r:id="rId12"/>
-            <a:extLst>
-              <a:ext uri="{FF2B5EF4-FFF2-40B4-BE49-F238E27FC236}">
-                <a16:creationId xmlns:a16="http://schemas.microsoft.com/office/drawing/2014/main" id="{2C5CF45F-8357-4868-B257-66B9CEBB097F}"/>
-              </a:ext>
-            </a:extLst>
-          </p:cNvPr>
-          <p:cNvSpPr txBox="1"/>
-          <p:nvPr/>
-        </p:nvSpPr>
-        <p:spPr>
-          <a:xfrm>
-            <a:off x="2564738" y="5946633"/>
-            <a:ext cx="3922036" cy="584775"/>
-          </a:xfrm>
-          <a:prstGeom prst="rect">
-            <a:avLst/>
-          </a:prstGeom>
-          <a:noFill/>
-        </p:spPr>
-        <p:txBody>
-          <a:bodyPr wrap="none" rtlCol="0">
-            <a:spAutoFit/>
-          </a:bodyPr>
-          <a:lstStyle/>
-          <a:p>
-            <a:r>
-              <a:rPr lang="en-US" sz="1600">
-                <a:solidFill>
-                  <a:schemeClr val="tx1">
-                    <a:lumMod val="75000"/>
-                    <a:lumOff val="25000"/>
-                  </a:schemeClr>
-                </a:solidFill>
-              </a:rPr>
-              <a:t>Full Paper: </a:t>
-            </a:r>
-          </a:p>
-          <a:p>
-            <a:r>
-              <a:rPr lang="en-US" sz="1600">
-                <a:solidFill>
-                  <a:schemeClr val="tx1">
-                    <a:lumMod val="75000"/>
-                    <a:lumOff val="25000"/>
-                  </a:schemeClr>
-                </a:solidFill>
-              </a:rPr>
-              <a:t>https://doi.org/10.1145/3148330.3148333</a:t>
-            </a:r>
-          </a:p>
-        </p:txBody>
-      </p:sp>
     </p:spTree>
     <p:extLst>
       <p:ext uri="{BB962C8B-B14F-4D97-AF65-F5344CB8AC3E}">
-        <p14:creationId xmlns:p14="http://schemas.microsoft.com/office/powerpoint/2010/main" val="653353255"/>
+        <p14:creationId xmlns:p14="http://schemas.microsoft.com/office/powerpoint/2010/main" val="2782631771"/>
       </p:ext>
     </p:extLst>
   </p:cSld>
@@ -11370,10 +11869,10 @@
       </p:grpSpPr>
       <p:sp>
         <p:nvSpPr>
-          <p:cNvPr id="6" name="Title 5">
+          <p:cNvPr id="3" name="Title 2">
             <a:extLst>
               <a:ext uri="{FF2B5EF4-FFF2-40B4-BE49-F238E27FC236}">
-                <a16:creationId xmlns:a16="http://schemas.microsoft.com/office/drawing/2014/main" id="{5AF34045-5ACB-48C7-B5B2-6AF706CBA7E7}"/>
+                <a16:creationId xmlns:a16="http://schemas.microsoft.com/office/drawing/2014/main" id="{0B6152EB-9AC5-4385-A71D-C37B58443C43}"/>
               </a:ext>
             </a:extLst>
           </p:cNvPr>
@@ -11391,17 +11890,17 @@
           <a:p>
             <a:r>
               <a:rPr lang="en-US"/>
-              <a:t>Backup Slides</a:t>
-            </a:r>
-          </a:p>
-        </p:txBody>
-      </p:sp>
-      <p:sp>
-        <p:nvSpPr>
-          <p:cNvPr id="7" name="Text Placeholder 6">
+              <a:t>Answering the Research Question 3</a:t>
+            </a:r>
+          </a:p>
+        </p:txBody>
+      </p:sp>
+      <p:sp>
+        <p:nvSpPr>
+          <p:cNvPr id="2" name="Content Placeholder 1">
             <a:extLst>
               <a:ext uri="{FF2B5EF4-FFF2-40B4-BE49-F238E27FC236}">
-                <a16:creationId xmlns:a16="http://schemas.microsoft.com/office/drawing/2014/main" id="{3F9D2AF7-1921-4B9E-A2E2-50B55C45B854}"/>
+                <a16:creationId xmlns:a16="http://schemas.microsoft.com/office/drawing/2014/main" id="{313DFD9F-510F-431F-8F99-172214F663DE}"/>
               </a:ext>
             </a:extLst>
           </p:cNvPr>
@@ -11409,24 +11908,81 @@
             <a:spLocks noGrp="1"/>
           </p:cNvSpPr>
           <p:nvPr>
-            <p:ph type="body" idx="1"/>
-          </p:nvPr>
-        </p:nvSpPr>
-        <p:spPr/>
-        <p:txBody>
-          <a:bodyPr/>
-          <a:lstStyle/>
-          <a:p>
-            <a:endParaRPr lang="en-US"/>
-          </a:p>
-        </p:txBody>
-      </p:sp>
-      <p:sp>
-        <p:nvSpPr>
-          <p:cNvPr id="5" name="Slide Number Placeholder 4">
+            <p:ph idx="1"/>
+          </p:nvPr>
+        </p:nvSpPr>
+        <p:spPr>
+          <a:xfrm>
+            <a:off x="2589212" y="2133600"/>
+            <a:ext cx="8915400" cy="4470400"/>
+          </a:xfrm>
+        </p:spPr>
+        <p:txBody>
+          <a:bodyPr>
+            <a:normAutofit/>
+          </a:bodyPr>
+          <a:lstStyle/>
+          <a:p>
+            <a:r>
+              <a:rPr lang="en-US" sz="2400" u="sng" dirty="0"/>
+              <a:t>RQ3:</a:t>
+            </a:r>
+            <a:r>
+              <a:rPr lang="en-US" sz="2400" dirty="0"/>
+              <a:t> </a:t>
+            </a:r>
+            <a:r>
+              <a:rPr lang="en-US" sz="2400" i="1" dirty="0"/>
+              <a:t>How do these member organizations seek to guide the </a:t>
+            </a:r>
+            <a:r>
+              <a:rPr lang="en-US" sz="2400" b="1" dirty="0">
+                <a:solidFill>
+                  <a:srgbClr val="00B050"/>
+                </a:solidFill>
+              </a:rPr>
+              <a:t>advancement</a:t>
+            </a:r>
+            <a:r>
+              <a:rPr lang="en-US" sz="2400" i="1" dirty="0"/>
+              <a:t> of the shared SPDX specification? </a:t>
+            </a:r>
+            <a:endParaRPr lang="en-US" i="1" dirty="0"/>
+          </a:p>
+          <a:p>
+            <a:pPr lvl="1"/>
+            <a:endParaRPr lang="en-US" b="1" i="1" dirty="0"/>
+          </a:p>
+          <a:p>
+            <a:pPr lvl="1"/>
+            <a:r>
+              <a:rPr lang="en-US" b="1" i="1" dirty="0"/>
+              <a:t>Local interpretations are source of innovation for communal practices.</a:t>
+            </a:r>
+          </a:p>
+          <a:p>
+            <a:pPr lvl="1"/>
+            <a:endParaRPr lang="en-US" b="1" i="1" dirty="0"/>
+          </a:p>
+          <a:p>
+            <a:pPr lvl="2"/>
+            <a:r>
+              <a:rPr lang="en-US" i="1" dirty="0"/>
+              <a:t>“[In the SPDX group] we talked about the merits of different fields, how to characterize them, and how to serialize formats.”</a:t>
+            </a:r>
+          </a:p>
+          <a:p>
+            <a:pPr lvl="1"/>
+            <a:endParaRPr lang="en-US" b="1" i="1" dirty="0"/>
+          </a:p>
+        </p:txBody>
+      </p:sp>
+      <p:sp>
+        <p:nvSpPr>
+          <p:cNvPr id="4" name="Slide Number Placeholder 3">
             <a:extLst>
               <a:ext uri="{FF2B5EF4-FFF2-40B4-BE49-F238E27FC236}">
-                <a16:creationId xmlns:a16="http://schemas.microsoft.com/office/drawing/2014/main" id="{4E30D7DB-F78B-4C99-8157-12D908DA7E30}"/>
+                <a16:creationId xmlns:a16="http://schemas.microsoft.com/office/drawing/2014/main" id="{7486C9EB-0A65-4486-AB28-9A5F0151C297}"/>
               </a:ext>
             </a:extLst>
           </p:cNvPr>
@@ -11445,6 +12001,1506 @@
             <a:fld id="{92FB8604-3E91-4806-A5CC-428F0C480F73}" type="slidenum">
               <a:rPr lang="en-US" smtClean="0"/>
               <a:t>18</a:t>
+            </a:fld>
+            <a:endParaRPr lang="en-US"/>
+          </a:p>
+        </p:txBody>
+      </p:sp>
+      <p:pic>
+        <p:nvPicPr>
+          <p:cNvPr id="5" name="Picture 4" descr="A picture containing electronics&#10;&#10;Description generated with high confidence">
+            <a:extLst>
+              <a:ext uri="{FF2B5EF4-FFF2-40B4-BE49-F238E27FC236}">
+                <a16:creationId xmlns:a16="http://schemas.microsoft.com/office/drawing/2014/main" id="{69C99FBD-6885-4607-8160-AEF548550838}"/>
+              </a:ext>
+            </a:extLst>
+          </p:cNvPr>
+          <p:cNvPicPr>
+            <a:picLocks noChangeAspect="1"/>
+          </p:cNvPicPr>
+          <p:nvPr/>
+        </p:nvPicPr>
+        <p:blipFill>
+          <a:blip r:embed="rId2" cstate="print">
+            <a:extLst>
+              <a:ext uri="{28A0092B-C50C-407E-A947-70E740481C1C}">
+                <a14:useLocalDpi xmlns:a14="http://schemas.microsoft.com/office/drawing/2010/main" val="0"/>
+              </a:ext>
+            </a:extLst>
+          </a:blip>
+          <a:stretch>
+            <a:fillRect/>
+          </a:stretch>
+        </p:blipFill>
+        <p:spPr>
+          <a:xfrm>
+            <a:off x="-829934" y="5706336"/>
+            <a:ext cx="4525127" cy="1055108"/>
+          </a:xfrm>
+          <a:prstGeom prst="rect">
+            <a:avLst/>
+          </a:prstGeom>
+        </p:spPr>
+      </p:pic>
+    </p:spTree>
+    <p:extLst>
+      <p:ext uri="{BB962C8B-B14F-4D97-AF65-F5344CB8AC3E}">
+        <p14:creationId xmlns:p14="http://schemas.microsoft.com/office/powerpoint/2010/main" val="1281879328"/>
+      </p:ext>
+    </p:extLst>
+  </p:cSld>
+  <p:clrMapOvr>
+    <a:masterClrMapping/>
+  </p:clrMapOvr>
+  <mc:AlternateContent xmlns:mc="http://schemas.openxmlformats.org/markup-compatibility/2006" xmlns:p14="http://schemas.microsoft.com/office/powerpoint/2010/main">
+    <mc:Choice Requires="p14">
+      <p:transition spd="med" p14:dur="700">
+        <p:fade/>
+      </p:transition>
+    </mc:Choice>
+    <mc:Fallback xmlns="">
+      <p:transition spd="med">
+        <p:fade/>
+      </p:transition>
+    </mc:Fallback>
+  </mc:AlternateContent>
+</p:sld>
+</file>
+
+<file path=ppt/slides/slide19.xml><?xml version="1.0" encoding="utf-8"?>
+<p:sld xmlns:a="http://schemas.openxmlformats.org/drawingml/2006/main" xmlns:r="http://schemas.openxmlformats.org/officeDocument/2006/relationships" xmlns:p="http://schemas.openxmlformats.org/presentationml/2006/main">
+  <p:cSld>
+    <p:spTree>
+      <p:nvGrpSpPr>
+        <p:cNvPr id="1" name=""/>
+        <p:cNvGrpSpPr/>
+        <p:nvPr/>
+      </p:nvGrpSpPr>
+      <p:grpSpPr>
+        <a:xfrm>
+          <a:off x="0" y="0"/>
+          <a:ext cx="0" cy="0"/>
+          <a:chOff x="0" y="0"/>
+          <a:chExt cx="0" cy="0"/>
+        </a:xfrm>
+      </p:grpSpPr>
+      <p:sp>
+        <p:nvSpPr>
+          <p:cNvPr id="3" name="Title 2">
+            <a:extLst>
+              <a:ext uri="{FF2B5EF4-FFF2-40B4-BE49-F238E27FC236}">
+                <a16:creationId xmlns:a16="http://schemas.microsoft.com/office/drawing/2014/main" id="{6DC465CC-574D-42E2-9484-BA59D44869C9}"/>
+              </a:ext>
+            </a:extLst>
+          </p:cNvPr>
+          <p:cNvSpPr>
+            <a:spLocks noGrp="1"/>
+          </p:cNvSpPr>
+          <p:nvPr>
+            <p:ph type="title"/>
+          </p:nvPr>
+        </p:nvSpPr>
+        <p:spPr/>
+        <p:txBody>
+          <a:bodyPr/>
+          <a:lstStyle/>
+          <a:p>
+            <a:r>
+              <a:rPr lang="en-US"/>
+              <a:t>Implications for Research and Practice</a:t>
+            </a:r>
+          </a:p>
+        </p:txBody>
+      </p:sp>
+      <p:sp>
+        <p:nvSpPr>
+          <p:cNvPr id="2" name="Content Placeholder 1">
+            <a:extLst>
+              <a:ext uri="{FF2B5EF4-FFF2-40B4-BE49-F238E27FC236}">
+                <a16:creationId xmlns:a16="http://schemas.microsoft.com/office/drawing/2014/main" id="{FF990F44-7677-4CB1-A7E4-83B408892DFF}"/>
+              </a:ext>
+            </a:extLst>
+          </p:cNvPr>
+          <p:cNvSpPr>
+            <a:spLocks noGrp="1"/>
+          </p:cNvSpPr>
+          <p:nvPr>
+            <p:ph idx="1"/>
+          </p:nvPr>
+        </p:nvSpPr>
+        <p:spPr/>
+        <p:txBody>
+          <a:bodyPr>
+            <a:normAutofit fontScale="92500"/>
+          </a:bodyPr>
+          <a:lstStyle/>
+          <a:p>
+            <a:r>
+              <a:rPr lang="en-US" b="1" dirty="0"/>
+              <a:t>Parallels to risk practices</a:t>
+            </a:r>
+          </a:p>
+          <a:p>
+            <a:pPr lvl="1"/>
+            <a:r>
+              <a:rPr lang="en-US" dirty="0"/>
+              <a:t>Many organizations attempt to address risk close to delivery</a:t>
+            </a:r>
+          </a:p>
+          <a:p>
+            <a:pPr lvl="1"/>
+            <a:r>
+              <a:rPr lang="en-US" dirty="0"/>
+              <a:t>Federating risk practices throughout product development can be successful</a:t>
+            </a:r>
+          </a:p>
+          <a:p>
+            <a:endParaRPr lang="en-US" dirty="0"/>
+          </a:p>
+          <a:p>
+            <a:r>
+              <a:rPr lang="en-US" b="1" dirty="0"/>
+              <a:t>Built-in gradation for adoption</a:t>
+            </a:r>
+          </a:p>
+          <a:p>
+            <a:pPr lvl="1"/>
+            <a:r>
+              <a:rPr lang="en-US" dirty="0"/>
+              <a:t>Partial and successive implementation enables maturing local practices</a:t>
+            </a:r>
+          </a:p>
+          <a:p>
+            <a:pPr lvl="1"/>
+            <a:endParaRPr lang="en-US" dirty="0"/>
+          </a:p>
+        </p:txBody>
+      </p:sp>
+      <p:sp>
+        <p:nvSpPr>
+          <p:cNvPr id="4" name="Slide Number Placeholder 3">
+            <a:extLst>
+              <a:ext uri="{FF2B5EF4-FFF2-40B4-BE49-F238E27FC236}">
+                <a16:creationId xmlns:a16="http://schemas.microsoft.com/office/drawing/2014/main" id="{EA6EA66B-2F8F-46F2-821F-CBEEEC239DF0}"/>
+              </a:ext>
+            </a:extLst>
+          </p:cNvPr>
+          <p:cNvSpPr>
+            <a:spLocks noGrp="1"/>
+          </p:cNvSpPr>
+          <p:nvPr>
+            <p:ph type="sldNum" sz="quarter" idx="12"/>
+          </p:nvPr>
+        </p:nvSpPr>
+        <p:spPr/>
+        <p:txBody>
+          <a:bodyPr/>
+          <a:lstStyle/>
+          <a:p>
+            <a:fld id="{92FB8604-3E91-4806-A5CC-428F0C480F73}" type="slidenum">
+              <a:rPr lang="en-US" smtClean="0"/>
+              <a:t>19</a:t>
+            </a:fld>
+            <a:endParaRPr lang="en-US"/>
+          </a:p>
+        </p:txBody>
+      </p:sp>
+    </p:spTree>
+    <p:extLst>
+      <p:ext uri="{BB962C8B-B14F-4D97-AF65-F5344CB8AC3E}">
+        <p14:creationId xmlns:p14="http://schemas.microsoft.com/office/powerpoint/2010/main" val="3084459883"/>
+      </p:ext>
+    </p:extLst>
+  </p:cSld>
+  <p:clrMapOvr>
+    <a:masterClrMapping/>
+  </p:clrMapOvr>
+  <mc:AlternateContent xmlns:mc="http://schemas.openxmlformats.org/markup-compatibility/2006" xmlns:p14="http://schemas.microsoft.com/office/powerpoint/2010/main">
+    <mc:Choice Requires="p14">
+      <p:transition spd="med" p14:dur="700">
+        <p:fade/>
+      </p:transition>
+    </mc:Choice>
+    <mc:Fallback xmlns="">
+      <p:transition spd="med">
+        <p:fade/>
+      </p:transition>
+    </mc:Fallback>
+  </mc:AlternateContent>
+</p:sld>
+</file>
+
+<file path=ppt/slides/slide2.xml><?xml version="1.0" encoding="utf-8"?>
+<p:sld xmlns:a="http://schemas.openxmlformats.org/drawingml/2006/main" xmlns:r="http://schemas.openxmlformats.org/officeDocument/2006/relationships" xmlns:p="http://schemas.openxmlformats.org/presentationml/2006/main">
+  <p:cSld>
+    <p:spTree>
+      <p:nvGrpSpPr>
+        <p:cNvPr id="1" name=""/>
+        <p:cNvGrpSpPr/>
+        <p:nvPr/>
+      </p:nvGrpSpPr>
+      <p:grpSpPr>
+        <a:xfrm>
+          <a:off x="0" y="0"/>
+          <a:ext cx="0" cy="0"/>
+          <a:chOff x="0" y="0"/>
+          <a:chExt cx="0" cy="0"/>
+        </a:xfrm>
+      </p:grpSpPr>
+      <p:sp>
+        <p:nvSpPr>
+          <p:cNvPr id="2" name="Title 1">
+            <a:extLst>
+              <a:ext uri="{FF2B5EF4-FFF2-40B4-BE49-F238E27FC236}">
+                <a16:creationId xmlns:a16="http://schemas.microsoft.com/office/drawing/2014/main" id="{10627EA4-776C-48B5-A6D9-8404344D441C}"/>
+              </a:ext>
+            </a:extLst>
+          </p:cNvPr>
+          <p:cNvSpPr>
+            <a:spLocks noGrp="1"/>
+          </p:cNvSpPr>
+          <p:nvPr>
+            <p:ph type="title"/>
+          </p:nvPr>
+        </p:nvSpPr>
+        <p:spPr/>
+        <p:txBody>
+          <a:bodyPr/>
+          <a:lstStyle/>
+          <a:p>
+            <a:r>
+              <a:rPr lang="en-US"/>
+              <a:t>The SPDX Specification</a:t>
+            </a:r>
+          </a:p>
+        </p:txBody>
+      </p:sp>
+      <p:sp>
+        <p:nvSpPr>
+          <p:cNvPr id="3" name="Content Placeholder 2">
+            <a:extLst>
+              <a:ext uri="{FF2B5EF4-FFF2-40B4-BE49-F238E27FC236}">
+                <a16:creationId xmlns:a16="http://schemas.microsoft.com/office/drawing/2014/main" id="{EC83D4DB-56CA-4726-8685-ED789E0E46EC}"/>
+              </a:ext>
+            </a:extLst>
+          </p:cNvPr>
+          <p:cNvSpPr>
+            <a:spLocks noGrp="1"/>
+          </p:cNvSpPr>
+          <p:nvPr>
+            <p:ph idx="1"/>
+          </p:nvPr>
+        </p:nvSpPr>
+        <p:spPr>
+          <a:xfrm>
+            <a:off x="2589212" y="2133600"/>
+            <a:ext cx="9117778" cy="3777622"/>
+          </a:xfrm>
+        </p:spPr>
+        <p:txBody>
+          <a:bodyPr/>
+          <a:lstStyle/>
+          <a:p>
+            <a:r>
+              <a:rPr lang="en-US"/>
+              <a:t>“The Software Package Data Exchange® (SPDX®) specification is a </a:t>
+            </a:r>
+            <a:r>
+              <a:rPr lang="en-US" b="1">
+                <a:solidFill>
+                  <a:srgbClr val="00B050"/>
+                </a:solidFill>
+              </a:rPr>
+              <a:t>standard format </a:t>
+            </a:r>
+            <a:r>
+              <a:rPr lang="en-US"/>
+              <a:t>for communicating the components, licenses and copyrights associated with software packages.” - </a:t>
+            </a:r>
+            <a:r>
+              <a:rPr lang="en-US">
+                <a:hlinkClick r:id="rId2"/>
+              </a:rPr>
+              <a:t>www.spdx.org</a:t>
+            </a:r>
+            <a:endParaRPr lang="en-US"/>
+          </a:p>
+        </p:txBody>
+      </p:sp>
+      <p:pic>
+        <p:nvPicPr>
+          <p:cNvPr id="7" name="Picture 6">
+            <a:extLst>
+              <a:ext uri="{FF2B5EF4-FFF2-40B4-BE49-F238E27FC236}">
+                <a16:creationId xmlns:a16="http://schemas.microsoft.com/office/drawing/2014/main" id="{64289186-2D5F-4122-A823-8B25F42FB06B}"/>
+              </a:ext>
+            </a:extLst>
+          </p:cNvPr>
+          <p:cNvPicPr>
+            <a:picLocks noChangeAspect="1"/>
+          </p:cNvPicPr>
+          <p:nvPr/>
+        </p:nvPicPr>
+        <p:blipFill>
+          <a:blip r:embed="rId3">
+            <a:extLst>
+              <a:ext uri="{28A0092B-C50C-407E-A947-70E740481C1C}">
+                <a14:useLocalDpi xmlns:a14="http://schemas.microsoft.com/office/drawing/2010/main" val="0"/>
+              </a:ext>
+            </a:extLst>
+          </a:blip>
+          <a:stretch>
+            <a:fillRect/>
+          </a:stretch>
+        </p:blipFill>
+        <p:spPr>
+          <a:xfrm>
+            <a:off x="2512007" y="4389723"/>
+            <a:ext cx="9069810" cy="1750099"/>
+          </a:xfrm>
+          <a:prstGeom prst="rect">
+            <a:avLst/>
+          </a:prstGeom>
+        </p:spPr>
+      </p:pic>
+      <p:sp>
+        <p:nvSpPr>
+          <p:cNvPr id="8" name="Slide Number Placeholder 7">
+            <a:extLst>
+              <a:ext uri="{FF2B5EF4-FFF2-40B4-BE49-F238E27FC236}">
+                <a16:creationId xmlns:a16="http://schemas.microsoft.com/office/drawing/2014/main" id="{A4C47A87-A258-4B3D-92BF-0488C56A7822}"/>
+              </a:ext>
+            </a:extLst>
+          </p:cNvPr>
+          <p:cNvSpPr>
+            <a:spLocks noGrp="1"/>
+          </p:cNvSpPr>
+          <p:nvPr>
+            <p:ph type="sldNum" sz="quarter" idx="12"/>
+          </p:nvPr>
+        </p:nvSpPr>
+        <p:spPr/>
+        <p:txBody>
+          <a:bodyPr/>
+          <a:lstStyle/>
+          <a:p>
+            <a:fld id="{92FB8604-3E91-4806-A5CC-428F0C480F73}" type="slidenum">
+              <a:rPr lang="en-US" smtClean="0"/>
+              <a:t>2</a:t>
+            </a:fld>
+            <a:endParaRPr lang="en-US"/>
+          </a:p>
+        </p:txBody>
+      </p:sp>
+    </p:spTree>
+    <p:extLst>
+      <p:ext uri="{BB962C8B-B14F-4D97-AF65-F5344CB8AC3E}">
+        <p14:creationId xmlns:p14="http://schemas.microsoft.com/office/powerpoint/2010/main" val="1690702228"/>
+      </p:ext>
+    </p:extLst>
+  </p:cSld>
+  <p:clrMapOvr>
+    <a:masterClrMapping/>
+  </p:clrMapOvr>
+  <mc:AlternateContent xmlns:mc="http://schemas.openxmlformats.org/markup-compatibility/2006" xmlns:p14="http://schemas.microsoft.com/office/powerpoint/2010/main">
+    <mc:Choice Requires="p14">
+      <p:transition spd="med" p14:dur="700">
+        <p:fade/>
+      </p:transition>
+    </mc:Choice>
+    <mc:Fallback xmlns="">
+      <p:transition spd="med">
+        <p:fade/>
+      </p:transition>
+    </mc:Fallback>
+  </mc:AlternateContent>
+</p:sld>
+</file>
+
+<file path=ppt/slides/slide20.xml><?xml version="1.0" encoding="utf-8"?>
+<p:sld xmlns:a="http://schemas.openxmlformats.org/drawingml/2006/main" xmlns:r="http://schemas.openxmlformats.org/officeDocument/2006/relationships" xmlns:p="http://schemas.openxmlformats.org/presentationml/2006/main">
+  <p:cSld>
+    <p:spTree>
+      <p:nvGrpSpPr>
+        <p:cNvPr id="1" name=""/>
+        <p:cNvGrpSpPr/>
+        <p:nvPr/>
+      </p:nvGrpSpPr>
+      <p:grpSpPr>
+        <a:xfrm>
+          <a:off x="0" y="0"/>
+          <a:ext cx="0" cy="0"/>
+          <a:chOff x="0" y="0"/>
+          <a:chExt cx="0" cy="0"/>
+        </a:xfrm>
+      </p:grpSpPr>
+      <p:sp>
+        <p:nvSpPr>
+          <p:cNvPr id="3" name="Title 2">
+            <a:extLst>
+              <a:ext uri="{FF2B5EF4-FFF2-40B4-BE49-F238E27FC236}">
+                <a16:creationId xmlns:a16="http://schemas.microsoft.com/office/drawing/2014/main" id="{6DC465CC-574D-42E2-9484-BA59D44869C9}"/>
+              </a:ext>
+            </a:extLst>
+          </p:cNvPr>
+          <p:cNvSpPr>
+            <a:spLocks noGrp="1"/>
+          </p:cNvSpPr>
+          <p:nvPr>
+            <p:ph type="title"/>
+          </p:nvPr>
+        </p:nvSpPr>
+        <p:spPr/>
+        <p:txBody>
+          <a:bodyPr/>
+          <a:lstStyle/>
+          <a:p>
+            <a:r>
+              <a:rPr lang="en-US"/>
+              <a:t>Implications for Research and Practice</a:t>
+            </a:r>
+          </a:p>
+        </p:txBody>
+      </p:sp>
+      <p:sp>
+        <p:nvSpPr>
+          <p:cNvPr id="2" name="Content Placeholder 1">
+            <a:extLst>
+              <a:ext uri="{FF2B5EF4-FFF2-40B4-BE49-F238E27FC236}">
+                <a16:creationId xmlns:a16="http://schemas.microsoft.com/office/drawing/2014/main" id="{FF990F44-7677-4CB1-A7E4-83B408892DFF}"/>
+              </a:ext>
+            </a:extLst>
+          </p:cNvPr>
+          <p:cNvSpPr>
+            <a:spLocks noGrp="1"/>
+          </p:cNvSpPr>
+          <p:nvPr>
+            <p:ph idx="1"/>
+          </p:nvPr>
+        </p:nvSpPr>
+        <p:spPr/>
+        <p:txBody>
+          <a:bodyPr>
+            <a:normAutofit fontScale="77500" lnSpcReduction="20000"/>
+          </a:bodyPr>
+          <a:lstStyle/>
+          <a:p>
+            <a:r>
+              <a:rPr lang="en-US" b="1" dirty="0"/>
+              <a:t>Stabilizing highly dynamic practices</a:t>
+            </a:r>
+          </a:p>
+          <a:p>
+            <a:pPr lvl="1"/>
+            <a:r>
+              <a:rPr lang="en-US" dirty="0"/>
+              <a:t>SPDX specification improves guidance by declaring potential risks in OSS</a:t>
+            </a:r>
+          </a:p>
+          <a:p>
+            <a:pPr lvl="1"/>
+            <a:r>
+              <a:rPr lang="en-US" dirty="0"/>
+              <a:t>SPDX stabilizes the complexities in software design</a:t>
+            </a:r>
+          </a:p>
+          <a:p>
+            <a:pPr lvl="1"/>
+            <a:r>
+              <a:rPr lang="en-US" dirty="0"/>
+              <a:t>SPDX is itself entails responsive design within the duality of routines</a:t>
+            </a:r>
+          </a:p>
+          <a:p>
+            <a:pPr lvl="1"/>
+            <a:endParaRPr lang="en-US" dirty="0"/>
+          </a:p>
+          <a:p>
+            <a:r>
+              <a:rPr lang="en-US" b="1" dirty="0"/>
+              <a:t>Strategic and brokered communities</a:t>
+            </a:r>
+          </a:p>
+          <a:p>
+            <a:pPr lvl="1"/>
+            <a:r>
+              <a:rPr lang="en-US" dirty="0"/>
+              <a:t>Brokers, such as the Linux Foundation, shape the ecosystem </a:t>
+            </a:r>
+          </a:p>
+          <a:p>
+            <a:pPr lvl="1"/>
+            <a:r>
+              <a:rPr lang="en-US" dirty="0"/>
+              <a:t>SPDX is one example of a community that enables new interactions</a:t>
+            </a:r>
+          </a:p>
+          <a:p>
+            <a:pPr lvl="1"/>
+            <a:r>
+              <a:rPr lang="en-US" dirty="0"/>
+              <a:t>Brokered engagements can include internal communal needs and external needs from brokering foundations</a:t>
+            </a:r>
+          </a:p>
+          <a:p>
+            <a:pPr lvl="1"/>
+            <a:endParaRPr lang="en-US" dirty="0"/>
+          </a:p>
+        </p:txBody>
+      </p:sp>
+      <p:sp>
+        <p:nvSpPr>
+          <p:cNvPr id="4" name="Slide Number Placeholder 3">
+            <a:extLst>
+              <a:ext uri="{FF2B5EF4-FFF2-40B4-BE49-F238E27FC236}">
+                <a16:creationId xmlns:a16="http://schemas.microsoft.com/office/drawing/2014/main" id="{EA6EA66B-2F8F-46F2-821F-CBEEEC239DF0}"/>
+              </a:ext>
+            </a:extLst>
+          </p:cNvPr>
+          <p:cNvSpPr>
+            <a:spLocks noGrp="1"/>
+          </p:cNvSpPr>
+          <p:nvPr>
+            <p:ph type="sldNum" sz="quarter" idx="12"/>
+          </p:nvPr>
+        </p:nvSpPr>
+        <p:spPr/>
+        <p:txBody>
+          <a:bodyPr/>
+          <a:lstStyle/>
+          <a:p>
+            <a:fld id="{92FB8604-3E91-4806-A5CC-428F0C480F73}" type="slidenum">
+              <a:rPr lang="en-US" smtClean="0"/>
+              <a:t>20</a:t>
+            </a:fld>
+            <a:endParaRPr lang="en-US"/>
+          </a:p>
+        </p:txBody>
+      </p:sp>
+    </p:spTree>
+    <p:extLst>
+      <p:ext uri="{BB962C8B-B14F-4D97-AF65-F5344CB8AC3E}">
+        <p14:creationId xmlns:p14="http://schemas.microsoft.com/office/powerpoint/2010/main" val="3978902479"/>
+      </p:ext>
+    </p:extLst>
+  </p:cSld>
+  <p:clrMapOvr>
+    <a:masterClrMapping/>
+  </p:clrMapOvr>
+  <mc:AlternateContent xmlns:mc="http://schemas.openxmlformats.org/markup-compatibility/2006" xmlns:p14="http://schemas.microsoft.com/office/powerpoint/2010/main">
+    <mc:Choice Requires="p14">
+      <p:transition spd="med" p14:dur="700">
+        <p:fade/>
+      </p:transition>
+    </mc:Choice>
+    <mc:Fallback xmlns="">
+      <p:transition spd="med">
+        <p:fade/>
+      </p:transition>
+    </mc:Fallback>
+  </mc:AlternateContent>
+</p:sld>
+</file>
+
+<file path=ppt/slides/slide21.xml><?xml version="1.0" encoding="utf-8"?>
+<p:sld xmlns:a="http://schemas.openxmlformats.org/drawingml/2006/main" xmlns:r="http://schemas.openxmlformats.org/officeDocument/2006/relationships" xmlns:p="http://schemas.openxmlformats.org/presentationml/2006/main">
+  <p:cSld>
+    <p:spTree>
+      <p:nvGrpSpPr>
+        <p:cNvPr id="1" name=""/>
+        <p:cNvGrpSpPr/>
+        <p:nvPr/>
+      </p:nvGrpSpPr>
+      <p:grpSpPr>
+        <a:xfrm>
+          <a:off x="0" y="0"/>
+          <a:ext cx="0" cy="0"/>
+          <a:chOff x="0" y="0"/>
+          <a:chExt cx="0" cy="0"/>
+        </a:xfrm>
+      </p:grpSpPr>
+      <p:sp>
+        <p:nvSpPr>
+          <p:cNvPr id="2" name="Title 1">
+            <a:extLst>
+              <a:ext uri="{FF2B5EF4-FFF2-40B4-BE49-F238E27FC236}">
+                <a16:creationId xmlns:a16="http://schemas.microsoft.com/office/drawing/2014/main" id="{6DC821DE-63D7-4D6E-93FC-CA02155C96D7}"/>
+              </a:ext>
+            </a:extLst>
+          </p:cNvPr>
+          <p:cNvSpPr>
+            <a:spLocks noGrp="1"/>
+          </p:cNvSpPr>
+          <p:nvPr>
+            <p:ph type="title"/>
+          </p:nvPr>
+        </p:nvSpPr>
+        <p:spPr/>
+        <p:txBody>
+          <a:bodyPr/>
+          <a:lstStyle/>
+          <a:p>
+            <a:r>
+              <a:rPr lang="en-US"/>
+              <a:t>Contributions to</a:t>
+            </a:r>
+          </a:p>
+        </p:txBody>
+      </p:sp>
+      <p:sp>
+        <p:nvSpPr>
+          <p:cNvPr id="3" name="Content Placeholder 2">
+            <a:extLst>
+              <a:ext uri="{FF2B5EF4-FFF2-40B4-BE49-F238E27FC236}">
+                <a16:creationId xmlns:a16="http://schemas.microsoft.com/office/drawing/2014/main" id="{481CED53-150B-4059-A979-6A074BBDCE6A}"/>
+              </a:ext>
+            </a:extLst>
+          </p:cNvPr>
+          <p:cNvSpPr>
+            <a:spLocks noGrp="1"/>
+          </p:cNvSpPr>
+          <p:nvPr>
+            <p:ph idx="1"/>
+          </p:nvPr>
+        </p:nvSpPr>
+        <p:spPr>
+          <a:xfrm>
+            <a:off x="2589212" y="2133600"/>
+            <a:ext cx="8915400" cy="4191000"/>
+          </a:xfrm>
+        </p:spPr>
+        <p:txBody>
+          <a:bodyPr>
+            <a:normAutofit fontScale="77500" lnSpcReduction="20000"/>
+          </a:bodyPr>
+          <a:lstStyle/>
+          <a:p>
+            <a:r>
+              <a:rPr lang="en-US" b="1"/>
+              <a:t>Routines: </a:t>
+            </a:r>
+            <a:r>
+              <a:rPr lang="en-US"/>
+              <a:t>Uncover complexities involved in the development of communal risk related open data standards.</a:t>
+            </a:r>
+          </a:p>
+          <a:p>
+            <a:endParaRPr lang="en-US"/>
+          </a:p>
+          <a:p>
+            <a:r>
+              <a:rPr lang="en-US" b="1"/>
+              <a:t>Open source: </a:t>
+            </a:r>
+            <a:r>
+              <a:rPr lang="en-US"/>
+              <a:t>Report how the SPDX project is changing the open source ecosystem by developing shared routines and encoding fixed elements in the SPDX specification</a:t>
+            </a:r>
+          </a:p>
+          <a:p>
+            <a:endParaRPr lang="en-US"/>
+          </a:p>
+          <a:p>
+            <a:r>
+              <a:rPr lang="en-US" b="1"/>
+              <a:t>Standard setting: </a:t>
+            </a:r>
+            <a:r>
+              <a:rPr lang="en-US"/>
+              <a:t>Demonstrate how shared practices shape standards</a:t>
+            </a:r>
+          </a:p>
+          <a:p>
+            <a:endParaRPr lang="en-US"/>
+          </a:p>
+          <a:p>
+            <a:r>
+              <a:rPr lang="en-US" b="1"/>
+              <a:t>Methodology: </a:t>
+            </a:r>
+            <a:r>
+              <a:rPr lang="en-US"/>
+              <a:t>Demonstrate the use of the assurance case driven case study design.</a:t>
+            </a:r>
+          </a:p>
+        </p:txBody>
+      </p:sp>
+      <p:sp>
+        <p:nvSpPr>
+          <p:cNvPr id="4" name="Slide Number Placeholder 3">
+            <a:extLst>
+              <a:ext uri="{FF2B5EF4-FFF2-40B4-BE49-F238E27FC236}">
+                <a16:creationId xmlns:a16="http://schemas.microsoft.com/office/drawing/2014/main" id="{A53FEEF1-4BFF-440F-A992-5AF0313EE0FD}"/>
+              </a:ext>
+            </a:extLst>
+          </p:cNvPr>
+          <p:cNvSpPr>
+            <a:spLocks noGrp="1"/>
+          </p:cNvSpPr>
+          <p:nvPr>
+            <p:ph type="sldNum" sz="quarter" idx="12"/>
+          </p:nvPr>
+        </p:nvSpPr>
+        <p:spPr/>
+        <p:txBody>
+          <a:bodyPr/>
+          <a:lstStyle/>
+          <a:p>
+            <a:fld id="{92FB8604-3E91-4806-A5CC-428F0C480F73}" type="slidenum">
+              <a:rPr lang="en-US" smtClean="0"/>
+              <a:t>21</a:t>
+            </a:fld>
+            <a:endParaRPr lang="en-US"/>
+          </a:p>
+        </p:txBody>
+      </p:sp>
+    </p:spTree>
+    <p:extLst>
+      <p:ext uri="{BB962C8B-B14F-4D97-AF65-F5344CB8AC3E}">
+        <p14:creationId xmlns:p14="http://schemas.microsoft.com/office/powerpoint/2010/main" val="2232451164"/>
+      </p:ext>
+    </p:extLst>
+  </p:cSld>
+  <p:clrMapOvr>
+    <a:masterClrMapping/>
+  </p:clrMapOvr>
+  <mc:AlternateContent xmlns:mc="http://schemas.openxmlformats.org/markup-compatibility/2006" xmlns:p14="http://schemas.microsoft.com/office/powerpoint/2010/main">
+    <mc:Choice Requires="p14">
+      <p:transition spd="med" p14:dur="700">
+        <p:fade/>
+      </p:transition>
+    </mc:Choice>
+    <mc:Fallback xmlns="">
+      <p:transition spd="med">
+        <p:fade/>
+      </p:transition>
+    </mc:Fallback>
+  </mc:AlternateContent>
+</p:sld>
+</file>
+
+<file path=ppt/slides/slide22.xml><?xml version="1.0" encoding="utf-8"?>
+<p:sld xmlns:a="http://schemas.openxmlformats.org/drawingml/2006/main" xmlns:r="http://schemas.openxmlformats.org/officeDocument/2006/relationships" xmlns:p="http://schemas.openxmlformats.org/presentationml/2006/main">
+  <p:cSld>
+    <p:spTree>
+      <p:nvGrpSpPr>
+        <p:cNvPr id="1" name=""/>
+        <p:cNvGrpSpPr/>
+        <p:nvPr/>
+      </p:nvGrpSpPr>
+      <p:grpSpPr>
+        <a:xfrm>
+          <a:off x="0" y="0"/>
+          <a:ext cx="0" cy="0"/>
+          <a:chOff x="0" y="0"/>
+          <a:chExt cx="0" cy="0"/>
+        </a:xfrm>
+      </p:grpSpPr>
+      <p:sp>
+        <p:nvSpPr>
+          <p:cNvPr id="4" name="Title 3">
+            <a:extLst>
+              <a:ext uri="{FF2B5EF4-FFF2-40B4-BE49-F238E27FC236}">
+                <a16:creationId xmlns:a16="http://schemas.microsoft.com/office/drawing/2014/main" id="{136ECC0C-1521-466B-98E3-3C532E010C1B}"/>
+              </a:ext>
+            </a:extLst>
+          </p:cNvPr>
+          <p:cNvSpPr>
+            <a:spLocks noGrp="1"/>
+          </p:cNvSpPr>
+          <p:nvPr>
+            <p:ph type="title"/>
+          </p:nvPr>
+        </p:nvSpPr>
+        <p:spPr/>
+        <p:txBody>
+          <a:bodyPr/>
+          <a:lstStyle/>
+          <a:p>
+            <a:r>
+              <a:rPr lang="en-US"/>
+              <a:t>Thank you!</a:t>
+            </a:r>
+          </a:p>
+        </p:txBody>
+      </p:sp>
+      <p:sp>
+        <p:nvSpPr>
+          <p:cNvPr id="3" name="Content Placeholder 2">
+            <a:extLst>
+              <a:ext uri="{FF2B5EF4-FFF2-40B4-BE49-F238E27FC236}">
+                <a16:creationId xmlns:a16="http://schemas.microsoft.com/office/drawing/2014/main" id="{8AEECAE4-D48E-4C5E-A888-F8AF5C165122}"/>
+              </a:ext>
+            </a:extLst>
+          </p:cNvPr>
+          <p:cNvSpPr>
+            <a:spLocks noGrp="1"/>
+          </p:cNvSpPr>
+          <p:nvPr>
+            <p:ph sz="half" idx="1"/>
+          </p:nvPr>
+        </p:nvSpPr>
+        <p:spPr>
+          <a:xfrm>
+            <a:off x="2589211" y="2133600"/>
+            <a:ext cx="4332226" cy="3137177"/>
+          </a:xfrm>
+        </p:spPr>
+        <p:txBody>
+          <a:bodyPr>
+            <a:normAutofit/>
+          </a:bodyPr>
+          <a:lstStyle/>
+          <a:p>
+            <a:r>
+              <a:rPr lang="en-US" sz="2000" b="1"/>
+              <a:t>Robin Gandhi</a:t>
+            </a:r>
+            <a:br>
+              <a:rPr lang="en-US" sz="2000"/>
+            </a:br>
+            <a:r>
+              <a:rPr lang="en-US" sz="2000">
+                <a:hlinkClick r:id="rId2"/>
+              </a:rPr>
+              <a:t>rgandhi@unomaha.edu</a:t>
+            </a:r>
+            <a:endParaRPr lang="en-US" sz="2000"/>
+          </a:p>
+          <a:p>
+            <a:endParaRPr lang="en-US" sz="2000"/>
+          </a:p>
+          <a:p>
+            <a:r>
+              <a:rPr lang="en-US" sz="2000" b="1"/>
+              <a:t>Matt Germonprez</a:t>
+            </a:r>
+            <a:br>
+              <a:rPr lang="en-US" sz="2000"/>
+            </a:br>
+            <a:r>
+              <a:rPr lang="en-US" sz="2000">
+                <a:hlinkClick r:id="rId3"/>
+              </a:rPr>
+              <a:t>mgermonprez@unomaha.edu</a:t>
+            </a:r>
+            <a:endParaRPr lang="en-US" sz="2000"/>
+          </a:p>
+          <a:p>
+            <a:endParaRPr lang="en-US" sz="1800"/>
+          </a:p>
+          <a:p>
+            <a:r>
+              <a:rPr lang="en-US" sz="2000" b="1"/>
+              <a:t>Georg Link</a:t>
+            </a:r>
+            <a:br>
+              <a:rPr lang="en-US" sz="2000"/>
+            </a:br>
+            <a:r>
+              <a:rPr lang="en-US" sz="2000">
+                <a:hlinkClick r:id="rId4"/>
+              </a:rPr>
+              <a:t>glink@unomaha.edu</a:t>
+            </a:r>
+            <a:endParaRPr lang="en-US" sz="2000"/>
+          </a:p>
+        </p:txBody>
+      </p:sp>
+      <p:pic>
+        <p:nvPicPr>
+          <p:cNvPr id="10" name="Content Placeholder 9" descr="A person in a striped shirt&#10;&#10;Description generated with very high confidence">
+            <a:extLst>
+              <a:ext uri="{FF2B5EF4-FFF2-40B4-BE49-F238E27FC236}">
+                <a16:creationId xmlns:a16="http://schemas.microsoft.com/office/drawing/2014/main" id="{CE643470-C9DF-4F95-9BF4-24FB11EDA14F}"/>
+              </a:ext>
+            </a:extLst>
+          </p:cNvPr>
+          <p:cNvPicPr>
+            <a:picLocks noGrp="1" noChangeAspect="1"/>
+          </p:cNvPicPr>
+          <p:nvPr>
+            <p:ph sz="half" idx="2"/>
+          </p:nvPr>
+        </p:nvPicPr>
+        <p:blipFill>
+          <a:blip r:embed="rId5">
+            <a:extLst>
+              <a:ext uri="{28A0092B-C50C-407E-A947-70E740481C1C}">
+                <a14:useLocalDpi xmlns:a14="http://schemas.microsoft.com/office/drawing/2010/main" val="0"/>
+              </a:ext>
+            </a:extLst>
+          </a:blip>
+          <a:stretch>
+            <a:fillRect/>
+          </a:stretch>
+        </p:blipFill>
+        <p:spPr>
+          <a:xfrm>
+            <a:off x="8774863" y="2133599"/>
+            <a:ext cx="1344884" cy="2017327"/>
+          </a:xfrm>
+        </p:spPr>
+      </p:pic>
+      <p:pic>
+        <p:nvPicPr>
+          <p:cNvPr id="12" name="Picture 11" descr="A person smiling for the camera&#10;&#10;Description generated with very high confidence">
+            <a:extLst>
+              <a:ext uri="{FF2B5EF4-FFF2-40B4-BE49-F238E27FC236}">
+                <a16:creationId xmlns:a16="http://schemas.microsoft.com/office/drawing/2014/main" id="{1E74FE77-9430-4A29-8560-B3B8C36CF6D4}"/>
+              </a:ext>
+            </a:extLst>
+          </p:cNvPr>
+          <p:cNvPicPr>
+            <a:picLocks noChangeAspect="1"/>
+          </p:cNvPicPr>
+          <p:nvPr/>
+        </p:nvPicPr>
+        <p:blipFill>
+          <a:blip r:embed="rId6">
+            <a:extLst>
+              <a:ext uri="{28A0092B-C50C-407E-A947-70E740481C1C}">
+                <a14:useLocalDpi xmlns:a14="http://schemas.microsoft.com/office/drawing/2010/main" val="0"/>
+              </a:ext>
+            </a:extLst>
+          </a:blip>
+          <a:stretch>
+            <a:fillRect/>
+          </a:stretch>
+        </p:blipFill>
+        <p:spPr>
+          <a:xfrm>
+            <a:off x="10437561" y="2133598"/>
+            <a:ext cx="1344884" cy="2017327"/>
+          </a:xfrm>
+          <a:prstGeom prst="rect">
+            <a:avLst/>
+          </a:prstGeom>
+        </p:spPr>
+      </p:pic>
+      <p:pic>
+        <p:nvPicPr>
+          <p:cNvPr id="13" name="Picture 12">
+            <a:extLst>
+              <a:ext uri="{FF2B5EF4-FFF2-40B4-BE49-F238E27FC236}">
+                <a16:creationId xmlns:a16="http://schemas.microsoft.com/office/drawing/2014/main" id="{FBFD6F21-3556-4F1F-9150-834F590C21CA}"/>
+              </a:ext>
+            </a:extLst>
+          </p:cNvPr>
+          <p:cNvPicPr>
+            <a:picLocks noChangeAspect="1"/>
+          </p:cNvPicPr>
+          <p:nvPr/>
+        </p:nvPicPr>
+        <p:blipFill>
+          <a:blip r:embed="rId7"/>
+          <a:stretch>
+            <a:fillRect/>
+          </a:stretch>
+        </p:blipFill>
+        <p:spPr>
+          <a:xfrm>
+            <a:off x="7112164" y="2133600"/>
+            <a:ext cx="1344884" cy="2017326"/>
+          </a:xfrm>
+          <a:prstGeom prst="rect">
+            <a:avLst/>
+          </a:prstGeom>
+        </p:spPr>
+      </p:pic>
+      <p:pic>
+        <p:nvPicPr>
+          <p:cNvPr id="15" name="Picture 14">
+            <a:extLst>
+              <a:ext uri="{FF2B5EF4-FFF2-40B4-BE49-F238E27FC236}">
+                <a16:creationId xmlns:a16="http://schemas.microsoft.com/office/drawing/2014/main" id="{AE268044-3022-4336-87A8-B94BFD8F4A6C}"/>
+              </a:ext>
+            </a:extLst>
+          </p:cNvPr>
+          <p:cNvPicPr>
+            <a:picLocks noChangeAspect="1"/>
+          </p:cNvPicPr>
+          <p:nvPr/>
+        </p:nvPicPr>
+        <p:blipFill>
+          <a:blip r:embed="rId8" cstate="print">
+            <a:extLst>
+              <a:ext uri="{28A0092B-C50C-407E-A947-70E740481C1C}">
+                <a14:useLocalDpi xmlns:a14="http://schemas.microsoft.com/office/drawing/2010/main" val="0"/>
+              </a:ext>
+            </a:extLst>
+          </a:blip>
+          <a:stretch>
+            <a:fillRect/>
+          </a:stretch>
+        </p:blipFill>
+        <p:spPr>
+          <a:xfrm>
+            <a:off x="7918289" y="5533900"/>
+            <a:ext cx="3586322" cy="1077878"/>
+          </a:xfrm>
+          <a:prstGeom prst="rect">
+            <a:avLst/>
+          </a:prstGeom>
+        </p:spPr>
+      </p:pic>
+      <p:sp>
+        <p:nvSpPr>
+          <p:cNvPr id="16" name="Slide Number Placeholder 15">
+            <a:extLst>
+              <a:ext uri="{FF2B5EF4-FFF2-40B4-BE49-F238E27FC236}">
+                <a16:creationId xmlns:a16="http://schemas.microsoft.com/office/drawing/2014/main" id="{52A1AB94-EFFE-4F57-8836-017B8C45231E}"/>
+              </a:ext>
+            </a:extLst>
+          </p:cNvPr>
+          <p:cNvSpPr>
+            <a:spLocks noGrp="1"/>
+          </p:cNvSpPr>
+          <p:nvPr>
+            <p:ph type="sldNum" sz="quarter" idx="12"/>
+          </p:nvPr>
+        </p:nvSpPr>
+        <p:spPr/>
+        <p:txBody>
+          <a:bodyPr/>
+          <a:lstStyle/>
+          <a:p>
+            <a:fld id="{92FB8604-3E91-4806-A5CC-428F0C480F73}" type="slidenum">
+              <a:rPr lang="en-US" smtClean="0"/>
+              <a:t>22</a:t>
+            </a:fld>
+            <a:endParaRPr lang="en-US"/>
+          </a:p>
+        </p:txBody>
+      </p:sp>
+      <p:sp>
+        <p:nvSpPr>
+          <p:cNvPr id="17" name="TextBox 16">
+            <a:extLst>
+              <a:ext uri="{FF2B5EF4-FFF2-40B4-BE49-F238E27FC236}">
+                <a16:creationId xmlns:a16="http://schemas.microsoft.com/office/drawing/2014/main" id="{B3DA2D8E-968A-485C-8DEA-125F2FF70DA0}"/>
+              </a:ext>
+            </a:extLst>
+          </p:cNvPr>
+          <p:cNvSpPr txBox="1"/>
+          <p:nvPr/>
+        </p:nvSpPr>
+        <p:spPr>
+          <a:xfrm>
+            <a:off x="7376668" y="4098584"/>
+            <a:ext cx="819455" cy="369332"/>
+          </a:xfrm>
+          <a:prstGeom prst="rect">
+            <a:avLst/>
+          </a:prstGeom>
+          <a:noFill/>
+        </p:spPr>
+        <p:txBody>
+          <a:bodyPr wrap="none" rtlCol="0">
+            <a:spAutoFit/>
+          </a:bodyPr>
+          <a:lstStyle/>
+          <a:p>
+            <a:pPr algn="ctr"/>
+            <a:r>
+              <a:rPr lang="en-US"/>
+              <a:t>Robin</a:t>
+            </a:r>
+          </a:p>
+        </p:txBody>
+      </p:sp>
+      <p:sp>
+        <p:nvSpPr>
+          <p:cNvPr id="18" name="TextBox 17">
+            <a:extLst>
+              <a:ext uri="{FF2B5EF4-FFF2-40B4-BE49-F238E27FC236}">
+                <a16:creationId xmlns:a16="http://schemas.microsoft.com/office/drawing/2014/main" id="{357ED001-3B77-405B-BDC6-02FC11BBE49C}"/>
+              </a:ext>
+            </a:extLst>
+          </p:cNvPr>
+          <p:cNvSpPr txBox="1"/>
+          <p:nvPr/>
+        </p:nvSpPr>
+        <p:spPr>
+          <a:xfrm>
+            <a:off x="9093869" y="4098584"/>
+            <a:ext cx="710452" cy="369332"/>
+          </a:xfrm>
+          <a:prstGeom prst="rect">
+            <a:avLst/>
+          </a:prstGeom>
+          <a:noFill/>
+        </p:spPr>
+        <p:txBody>
+          <a:bodyPr wrap="none" rtlCol="0">
+            <a:spAutoFit/>
+          </a:bodyPr>
+          <a:lstStyle/>
+          <a:p>
+            <a:pPr algn="ctr"/>
+            <a:r>
+              <a:rPr lang="en-US"/>
+              <a:t>Matt</a:t>
+            </a:r>
+          </a:p>
+        </p:txBody>
+      </p:sp>
+      <p:sp>
+        <p:nvSpPr>
+          <p:cNvPr id="19" name="TextBox 18">
+            <a:extLst>
+              <a:ext uri="{FF2B5EF4-FFF2-40B4-BE49-F238E27FC236}">
+                <a16:creationId xmlns:a16="http://schemas.microsoft.com/office/drawing/2014/main" id="{171C5270-BD49-49F4-BD95-DE450107E38B}"/>
+              </a:ext>
+            </a:extLst>
+          </p:cNvPr>
+          <p:cNvSpPr txBox="1"/>
+          <p:nvPr/>
+        </p:nvSpPr>
+        <p:spPr>
+          <a:xfrm>
+            <a:off x="10655579" y="4098584"/>
+            <a:ext cx="912429" cy="369332"/>
+          </a:xfrm>
+          <a:prstGeom prst="rect">
+            <a:avLst/>
+          </a:prstGeom>
+          <a:noFill/>
+        </p:spPr>
+        <p:txBody>
+          <a:bodyPr wrap="none" rtlCol="0">
+            <a:spAutoFit/>
+          </a:bodyPr>
+          <a:lstStyle/>
+          <a:p>
+            <a:pPr algn="ctr"/>
+            <a:r>
+              <a:rPr lang="en-US"/>
+              <a:t>Georg</a:t>
+            </a:r>
+          </a:p>
+        </p:txBody>
+      </p:sp>
+      <p:sp>
+        <p:nvSpPr>
+          <p:cNvPr id="20" name="Rectangle 19">
+            <a:hlinkClick r:id="rId9"/>
+            <a:extLst>
+              <a:ext uri="{FF2B5EF4-FFF2-40B4-BE49-F238E27FC236}">
+                <a16:creationId xmlns:a16="http://schemas.microsoft.com/office/drawing/2014/main" id="{01610919-0DB2-4101-838A-B4F6B2A9FBBA}"/>
+              </a:ext>
+            </a:extLst>
+          </p:cNvPr>
+          <p:cNvSpPr/>
+          <p:nvPr/>
+        </p:nvSpPr>
+        <p:spPr>
+          <a:xfrm>
+            <a:off x="2589211" y="5326446"/>
+            <a:ext cx="3913251" cy="584775"/>
+          </a:xfrm>
+          <a:prstGeom prst="rect">
+            <a:avLst/>
+          </a:prstGeom>
+        </p:spPr>
+        <p:txBody>
+          <a:bodyPr wrap="none">
+            <a:spAutoFit/>
+          </a:bodyPr>
+          <a:lstStyle/>
+          <a:p>
+            <a:r>
+              <a:rPr lang="en-US" sz="1600">
+                <a:solidFill>
+                  <a:schemeClr val="tx1">
+                    <a:lumMod val="75000"/>
+                    <a:lumOff val="25000"/>
+                  </a:schemeClr>
+                </a:solidFill>
+              </a:rPr>
+              <a:t>Assurance case and interview protocol:</a:t>
+            </a:r>
+          </a:p>
+          <a:p>
+            <a:r>
+              <a:rPr lang="en-US" sz="1600">
+                <a:solidFill>
+                  <a:schemeClr val="tx1">
+                    <a:lumMod val="75000"/>
+                    <a:lumOff val="25000"/>
+                  </a:schemeClr>
+                </a:solidFill>
+              </a:rPr>
+              <a:t>https://github.com/SPDX-CaseStudy/files</a:t>
+            </a:r>
+          </a:p>
+        </p:txBody>
+      </p:sp>
+      <p:sp>
+        <p:nvSpPr>
+          <p:cNvPr id="21" name="Rectangle 20">
+            <a:extLst>
+              <a:ext uri="{FF2B5EF4-FFF2-40B4-BE49-F238E27FC236}">
+                <a16:creationId xmlns:a16="http://schemas.microsoft.com/office/drawing/2014/main" id="{3E981357-AFBE-451F-A0FA-9F111EC06104}"/>
+              </a:ext>
+            </a:extLst>
+          </p:cNvPr>
+          <p:cNvSpPr/>
+          <p:nvPr/>
+        </p:nvSpPr>
+        <p:spPr>
+          <a:xfrm>
+            <a:off x="2589213" y="6611779"/>
+            <a:ext cx="9656064" cy="246221"/>
+          </a:xfrm>
+          <a:prstGeom prst="rect">
+            <a:avLst/>
+          </a:prstGeom>
+        </p:spPr>
+        <p:txBody>
+          <a:bodyPr wrap="square">
+            <a:spAutoFit/>
+          </a:bodyPr>
+          <a:lstStyle/>
+          <a:p>
+            <a:r>
+              <a:rPr lang="en-US" sz="1000"/>
+              <a:t>© 2016-2018 Robin Gandhi, Matt Germonprez, and Georg J.P. Link. The presentation is provided under the </a:t>
+            </a:r>
+            <a:r>
+              <a:rPr lang="en-US" sz="1000">
+                <a:hlinkClick r:id="rId10"/>
+              </a:rPr>
+              <a:t>Attribution 4.0 International (CC BY 4.0) License</a:t>
+            </a:r>
+            <a:r>
+              <a:rPr lang="en-US" sz="1000"/>
+              <a:t>.</a:t>
+            </a:r>
+          </a:p>
+        </p:txBody>
+      </p:sp>
+      <p:pic>
+        <p:nvPicPr>
+          <p:cNvPr id="5" name="Picture 4" descr="A close up of a sign&#10;&#10;Description generated with high confidence">
+            <a:extLst>
+              <a:ext uri="{FF2B5EF4-FFF2-40B4-BE49-F238E27FC236}">
+                <a16:creationId xmlns:a16="http://schemas.microsoft.com/office/drawing/2014/main" id="{DF062F3F-4909-45BE-A198-6BA94A33ECD5}"/>
+              </a:ext>
+            </a:extLst>
+          </p:cNvPr>
+          <p:cNvPicPr>
+            <a:picLocks noChangeAspect="1"/>
+          </p:cNvPicPr>
+          <p:nvPr/>
+        </p:nvPicPr>
+        <p:blipFill>
+          <a:blip r:embed="rId11" cstate="print">
+            <a:clrChange>
+              <a:clrFrom>
+                <a:srgbClr val="FFFFFF"/>
+              </a:clrFrom>
+              <a:clrTo>
+                <a:srgbClr val="FFFFFF">
+                  <a:alpha val="0"/>
+                </a:srgbClr>
+              </a:clrTo>
+            </a:clrChange>
+            <a:extLst>
+              <a:ext uri="{28A0092B-C50C-407E-A947-70E740481C1C}">
+                <a14:useLocalDpi xmlns:a14="http://schemas.microsoft.com/office/drawing/2010/main" val="0"/>
+              </a:ext>
+            </a:extLst>
+          </a:blip>
+          <a:stretch>
+            <a:fillRect/>
+          </a:stretch>
+        </p:blipFill>
+        <p:spPr>
+          <a:xfrm>
+            <a:off x="7918289" y="4653314"/>
+            <a:ext cx="1941151" cy="776289"/>
+          </a:xfrm>
+          <a:prstGeom prst="rect">
+            <a:avLst/>
+          </a:prstGeom>
+        </p:spPr>
+      </p:pic>
+      <p:sp>
+        <p:nvSpPr>
+          <p:cNvPr id="6" name="TextBox 5">
+            <a:hlinkClick r:id="rId12"/>
+            <a:extLst>
+              <a:ext uri="{FF2B5EF4-FFF2-40B4-BE49-F238E27FC236}">
+                <a16:creationId xmlns:a16="http://schemas.microsoft.com/office/drawing/2014/main" id="{2C5CF45F-8357-4868-B257-66B9CEBB097F}"/>
+              </a:ext>
+            </a:extLst>
+          </p:cNvPr>
+          <p:cNvSpPr txBox="1"/>
+          <p:nvPr/>
+        </p:nvSpPr>
+        <p:spPr>
+          <a:xfrm>
+            <a:off x="2564738" y="5946633"/>
+            <a:ext cx="3922036" cy="584775"/>
+          </a:xfrm>
+          <a:prstGeom prst="rect">
+            <a:avLst/>
+          </a:prstGeom>
+          <a:noFill/>
+        </p:spPr>
+        <p:txBody>
+          <a:bodyPr wrap="none" rtlCol="0">
+            <a:spAutoFit/>
+          </a:bodyPr>
+          <a:lstStyle/>
+          <a:p>
+            <a:r>
+              <a:rPr lang="en-US" sz="1600">
+                <a:solidFill>
+                  <a:schemeClr val="tx1">
+                    <a:lumMod val="75000"/>
+                    <a:lumOff val="25000"/>
+                  </a:schemeClr>
+                </a:solidFill>
+              </a:rPr>
+              <a:t>Full Paper: </a:t>
+            </a:r>
+          </a:p>
+          <a:p>
+            <a:r>
+              <a:rPr lang="en-US" sz="1600">
+                <a:solidFill>
+                  <a:schemeClr val="tx1">
+                    <a:lumMod val="75000"/>
+                    <a:lumOff val="25000"/>
+                  </a:schemeClr>
+                </a:solidFill>
+              </a:rPr>
+              <a:t>https://doi.org/10.1145/3148330.3148333</a:t>
+            </a:r>
+          </a:p>
+        </p:txBody>
+      </p:sp>
+    </p:spTree>
+    <p:extLst>
+      <p:ext uri="{BB962C8B-B14F-4D97-AF65-F5344CB8AC3E}">
+        <p14:creationId xmlns:p14="http://schemas.microsoft.com/office/powerpoint/2010/main" val="653353255"/>
+      </p:ext>
+    </p:extLst>
+  </p:cSld>
+  <p:clrMapOvr>
+    <a:masterClrMapping/>
+  </p:clrMapOvr>
+  <mc:AlternateContent xmlns:mc="http://schemas.openxmlformats.org/markup-compatibility/2006" xmlns:p14="http://schemas.microsoft.com/office/powerpoint/2010/main">
+    <mc:Choice Requires="p14">
+      <p:transition spd="med" p14:dur="700">
+        <p:fade/>
+      </p:transition>
+    </mc:Choice>
+    <mc:Fallback xmlns="">
+      <p:transition spd="med">
+        <p:fade/>
+      </p:transition>
+    </mc:Fallback>
+  </mc:AlternateContent>
+</p:sld>
+</file>
+
+<file path=ppt/slides/slide23.xml><?xml version="1.0" encoding="utf-8"?>
+<p:sld xmlns:a="http://schemas.openxmlformats.org/drawingml/2006/main" xmlns:r="http://schemas.openxmlformats.org/officeDocument/2006/relationships" xmlns:p="http://schemas.openxmlformats.org/presentationml/2006/main">
+  <p:cSld>
+    <p:spTree>
+      <p:nvGrpSpPr>
+        <p:cNvPr id="1" name=""/>
+        <p:cNvGrpSpPr/>
+        <p:nvPr/>
+      </p:nvGrpSpPr>
+      <p:grpSpPr>
+        <a:xfrm>
+          <a:off x="0" y="0"/>
+          <a:ext cx="0" cy="0"/>
+          <a:chOff x="0" y="0"/>
+          <a:chExt cx="0" cy="0"/>
+        </a:xfrm>
+      </p:grpSpPr>
+      <p:sp>
+        <p:nvSpPr>
+          <p:cNvPr id="6" name="Title 5">
+            <a:extLst>
+              <a:ext uri="{FF2B5EF4-FFF2-40B4-BE49-F238E27FC236}">
+                <a16:creationId xmlns:a16="http://schemas.microsoft.com/office/drawing/2014/main" id="{5AF34045-5ACB-48C7-B5B2-6AF706CBA7E7}"/>
+              </a:ext>
+            </a:extLst>
+          </p:cNvPr>
+          <p:cNvSpPr>
+            <a:spLocks noGrp="1"/>
+          </p:cNvSpPr>
+          <p:nvPr>
+            <p:ph type="title"/>
+          </p:nvPr>
+        </p:nvSpPr>
+        <p:spPr/>
+        <p:txBody>
+          <a:bodyPr/>
+          <a:lstStyle/>
+          <a:p>
+            <a:r>
+              <a:rPr lang="en-US"/>
+              <a:t>Backup Slides</a:t>
+            </a:r>
+          </a:p>
+        </p:txBody>
+      </p:sp>
+      <p:sp>
+        <p:nvSpPr>
+          <p:cNvPr id="7" name="Text Placeholder 6">
+            <a:extLst>
+              <a:ext uri="{FF2B5EF4-FFF2-40B4-BE49-F238E27FC236}">
+                <a16:creationId xmlns:a16="http://schemas.microsoft.com/office/drawing/2014/main" id="{3F9D2AF7-1921-4B9E-A2E2-50B55C45B854}"/>
+              </a:ext>
+            </a:extLst>
+          </p:cNvPr>
+          <p:cNvSpPr>
+            <a:spLocks noGrp="1"/>
+          </p:cNvSpPr>
+          <p:nvPr>
+            <p:ph type="body" idx="1"/>
+          </p:nvPr>
+        </p:nvSpPr>
+        <p:spPr/>
+        <p:txBody>
+          <a:bodyPr/>
+          <a:lstStyle/>
+          <a:p>
+            <a:endParaRPr lang="en-US"/>
+          </a:p>
+        </p:txBody>
+      </p:sp>
+      <p:sp>
+        <p:nvSpPr>
+          <p:cNvPr id="5" name="Slide Number Placeholder 4">
+            <a:extLst>
+              <a:ext uri="{FF2B5EF4-FFF2-40B4-BE49-F238E27FC236}">
+                <a16:creationId xmlns:a16="http://schemas.microsoft.com/office/drawing/2014/main" id="{4E30D7DB-F78B-4C99-8157-12D908DA7E30}"/>
+              </a:ext>
+            </a:extLst>
+          </p:cNvPr>
+          <p:cNvSpPr>
+            <a:spLocks noGrp="1"/>
+          </p:cNvSpPr>
+          <p:nvPr>
+            <p:ph type="sldNum" sz="quarter" idx="12"/>
+          </p:nvPr>
+        </p:nvSpPr>
+        <p:spPr/>
+        <p:txBody>
+          <a:bodyPr/>
+          <a:lstStyle/>
+          <a:p>
+            <a:fld id="{92FB8604-3E91-4806-A5CC-428F0C480F73}" type="slidenum">
+              <a:rPr lang="en-US" smtClean="0"/>
+              <a:t>23</a:t>
             </a:fld>
             <a:endParaRPr lang="en-US"/>
           </a:p>
@@ -11475,7 +13531,7 @@
 </p:sld>
 </file>
 
-<file path=ppt/slides/slide19.xml><?xml version="1.0" encoding="utf-8"?>
+<file path=ppt/slides/slide24.xml><?xml version="1.0" encoding="utf-8"?>
 <p:sld xmlns:a="http://schemas.openxmlformats.org/drawingml/2006/main" xmlns:r="http://schemas.openxmlformats.org/officeDocument/2006/relationships" xmlns:p="http://schemas.openxmlformats.org/presentationml/2006/main">
   <p:cSld>
     <p:spTree>
@@ -12173,7 +14229,7 @@
           <a:p>
             <a:fld id="{92FB8604-3E91-4806-A5CC-428F0C480F73}" type="slidenum">
               <a:rPr lang="en-US" smtClean="0"/>
-              <a:t>19</a:t>
+              <a:t>24</a:t>
             </a:fld>
             <a:endParaRPr lang="en-US"/>
           </a:p>
@@ -12204,214 +14260,7 @@
 </p:sld>
 </file>
 
-<file path=ppt/slides/slide2.xml><?xml version="1.0" encoding="utf-8"?>
-<p:sld xmlns:a="http://schemas.openxmlformats.org/drawingml/2006/main" xmlns:r="http://schemas.openxmlformats.org/officeDocument/2006/relationships" xmlns:p="http://schemas.openxmlformats.org/presentationml/2006/main">
-  <p:cSld>
-    <p:spTree>
-      <p:nvGrpSpPr>
-        <p:cNvPr id="1" name=""/>
-        <p:cNvGrpSpPr/>
-        <p:nvPr/>
-      </p:nvGrpSpPr>
-      <p:grpSpPr>
-        <a:xfrm>
-          <a:off x="0" y="0"/>
-          <a:ext cx="0" cy="0"/>
-          <a:chOff x="0" y="0"/>
-          <a:chExt cx="0" cy="0"/>
-        </a:xfrm>
-      </p:grpSpPr>
-      <p:sp>
-        <p:nvSpPr>
-          <p:cNvPr id="3" name="Title 2">
-            <a:extLst>
-              <a:ext uri="{FF2B5EF4-FFF2-40B4-BE49-F238E27FC236}">
-                <a16:creationId xmlns:a16="http://schemas.microsoft.com/office/drawing/2014/main" id="{89395226-FBBC-470D-AE4D-10FCA2B21D09}"/>
-              </a:ext>
-            </a:extLst>
-          </p:cNvPr>
-          <p:cNvSpPr>
-            <a:spLocks noGrp="1"/>
-          </p:cNvSpPr>
-          <p:nvPr>
-            <p:ph type="title"/>
-          </p:nvPr>
-        </p:nvSpPr>
-        <p:spPr/>
-        <p:txBody>
-          <a:bodyPr/>
-          <a:lstStyle/>
-          <a:p>
-            <a:r>
-              <a:rPr lang="en-US"/>
-              <a:t>                         Community</a:t>
-            </a:r>
-          </a:p>
-        </p:txBody>
-      </p:sp>
-      <p:sp>
-        <p:nvSpPr>
-          <p:cNvPr id="2" name="Content Placeholder 1">
-            <a:extLst>
-              <a:ext uri="{FF2B5EF4-FFF2-40B4-BE49-F238E27FC236}">
-                <a16:creationId xmlns:a16="http://schemas.microsoft.com/office/drawing/2014/main" id="{B09BC0B2-95F7-4FE0-B584-69B877880160}"/>
-              </a:ext>
-            </a:extLst>
-          </p:cNvPr>
-          <p:cNvSpPr>
-            <a:spLocks noGrp="1"/>
-          </p:cNvSpPr>
-          <p:nvPr>
-            <p:ph idx="1"/>
-          </p:nvPr>
-        </p:nvSpPr>
-        <p:spPr/>
-        <p:txBody>
-          <a:bodyPr>
-            <a:normAutofit fontScale="92500" lnSpcReduction="20000"/>
-          </a:bodyPr>
-          <a:lstStyle/>
-          <a:p>
-            <a:r>
-              <a:rPr lang="en-US"/>
-              <a:t> SPDX® (Software Package Data Exchange®)</a:t>
-            </a:r>
-          </a:p>
-          <a:p>
-            <a:endParaRPr lang="en-US"/>
-          </a:p>
-          <a:p>
-            <a:r>
-              <a:rPr lang="en-US"/>
-              <a:t>The vision of SPDX is to achieve license compliance with minimal cost across the supply chain</a:t>
-            </a:r>
-          </a:p>
-          <a:p>
-            <a:endParaRPr lang="en-US"/>
-          </a:p>
-          <a:p>
-            <a:r>
-              <a:rPr lang="en-US"/>
-              <a:t>SPDX community produces</a:t>
-            </a:r>
-          </a:p>
-          <a:p>
-            <a:pPr lvl="1"/>
-            <a:r>
-              <a:rPr lang="en-US"/>
-              <a:t>License List</a:t>
-            </a:r>
-          </a:p>
-          <a:p>
-            <a:pPr lvl="1"/>
-            <a:r>
-              <a:rPr lang="en-US"/>
-              <a:t>SPDX specification</a:t>
-            </a:r>
-          </a:p>
-          <a:p>
-            <a:pPr lvl="1"/>
-            <a:r>
-              <a:rPr lang="en-US"/>
-              <a:t>Tools</a:t>
-            </a:r>
-          </a:p>
-          <a:p>
-            <a:endParaRPr lang="en-US"/>
-          </a:p>
-        </p:txBody>
-      </p:sp>
-      <p:pic>
-        <p:nvPicPr>
-          <p:cNvPr id="7" name="Picture 6">
-            <a:extLst>
-              <a:ext uri="{FF2B5EF4-FFF2-40B4-BE49-F238E27FC236}">
-                <a16:creationId xmlns:a16="http://schemas.microsoft.com/office/drawing/2014/main" id="{8203EA26-73CF-424C-AF85-1F9812B4DD2F}"/>
-              </a:ext>
-            </a:extLst>
-          </p:cNvPr>
-          <p:cNvPicPr>
-            <a:picLocks noChangeAspect="1"/>
-          </p:cNvPicPr>
-          <p:nvPr/>
-        </p:nvPicPr>
-        <p:blipFill>
-          <a:blip r:embed="rId3">
-            <a:extLst>
-              <a:ext uri="{28A0092B-C50C-407E-A947-70E740481C1C}">
-                <a14:useLocalDpi xmlns:a14="http://schemas.microsoft.com/office/drawing/2010/main" val="0"/>
-              </a:ext>
-            </a:extLst>
-          </a:blip>
-          <a:stretch>
-            <a:fillRect/>
-          </a:stretch>
-        </p:blipFill>
-        <p:spPr>
-          <a:xfrm>
-            <a:off x="2589212" y="210215"/>
-            <a:ext cx="3175724" cy="1054340"/>
-          </a:xfrm>
-          <a:prstGeom prst="rect">
-            <a:avLst/>
-          </a:prstGeom>
-        </p:spPr>
-      </p:pic>
-      <p:sp>
-        <p:nvSpPr>
-          <p:cNvPr id="8" name="Slide Number Placeholder 7">
-            <a:extLst>
-              <a:ext uri="{FF2B5EF4-FFF2-40B4-BE49-F238E27FC236}">
-                <a16:creationId xmlns:a16="http://schemas.microsoft.com/office/drawing/2014/main" id="{ED9DA2FC-783B-47D8-AE3E-220FA74A96C2}"/>
-              </a:ext>
-            </a:extLst>
-          </p:cNvPr>
-          <p:cNvSpPr>
-            <a:spLocks noGrp="1"/>
-          </p:cNvSpPr>
-          <p:nvPr>
-            <p:ph type="sldNum" sz="quarter" idx="12"/>
-          </p:nvPr>
-        </p:nvSpPr>
-        <p:spPr/>
-        <p:txBody>
-          <a:bodyPr/>
-          <a:lstStyle/>
-          <a:p>
-            <a:fld id="{92FB8604-3E91-4806-A5CC-428F0C480F73}" type="slidenum">
-              <a:rPr lang="en-US" smtClean="0"/>
-              <a:t>2</a:t>
-            </a:fld>
-            <a:endParaRPr lang="en-US"/>
-          </a:p>
-        </p:txBody>
-      </p:sp>
-    </p:spTree>
-    <p:extLst>
-      <p:ext uri="{BB962C8B-B14F-4D97-AF65-F5344CB8AC3E}">
-        <p14:creationId xmlns:p14="http://schemas.microsoft.com/office/powerpoint/2010/main" val="2342417696"/>
-      </p:ext>
-    </p:extLst>
-  </p:cSld>
-  <p:clrMapOvr>
-    <a:masterClrMapping/>
-  </p:clrMapOvr>
-  <mc:AlternateContent xmlns:mc="http://schemas.openxmlformats.org/markup-compatibility/2006" xmlns:p14="http://schemas.microsoft.com/office/powerpoint/2010/main">
-    <mc:Choice Requires="p14">
-      <p:transition spd="med" p14:dur="700">
-        <p:fade/>
-      </p:transition>
-    </mc:Choice>
-    <mc:Fallback xmlns="">
-      <p:transition spd="med">
-        <p:fade/>
-      </p:transition>
-    </mc:Fallback>
-  </mc:AlternateContent>
-</p:sld>
-</file>
-
-<file path=ppt/slides/slide20.xml><?xml version="1.0" encoding="utf-8"?>
+<file path=ppt/slides/slide25.xml><?xml version="1.0" encoding="utf-8"?>
 <p:sld xmlns:a="http://schemas.openxmlformats.org/drawingml/2006/main" xmlns:r="http://schemas.openxmlformats.org/officeDocument/2006/relationships" xmlns:p="http://schemas.openxmlformats.org/presentationml/2006/main">
   <p:cSld>
     <p:spTree>
@@ -12575,7 +14424,7 @@
           <a:p>
             <a:fld id="{92FB8604-3E91-4806-A5CC-428F0C480F73}" type="slidenum">
               <a:rPr lang="en-US" smtClean="0"/>
-              <a:t>20</a:t>
+              <a:t>25</a:t>
             </a:fld>
             <a:endParaRPr lang="en-US"/>
           </a:p>
@@ -12606,7 +14455,7 @@
 </p:sld>
 </file>
 
-<file path=ppt/slides/slide21.xml><?xml version="1.0" encoding="utf-8"?>
+<file path=ppt/slides/slide26.xml><?xml version="1.0" encoding="utf-8"?>
 <p:sld xmlns:a="http://schemas.openxmlformats.org/drawingml/2006/main" xmlns:r="http://schemas.openxmlformats.org/officeDocument/2006/relationships" xmlns:p="http://schemas.openxmlformats.org/presentationml/2006/main">
   <p:cSld>
     <p:spTree>
@@ -12771,7 +14620,7 @@
           <a:p>
             <a:fld id="{92FB8604-3E91-4806-A5CC-428F0C480F73}" type="slidenum">
               <a:rPr lang="en-US" smtClean="0"/>
-              <a:t>21</a:t>
+              <a:t>26</a:t>
             </a:fld>
             <a:endParaRPr lang="en-US"/>
           </a:p>
@@ -12802,7 +14651,7 @@
 </p:sld>
 </file>
 
-<file path=ppt/slides/slide22.xml><?xml version="1.0" encoding="utf-8"?>
+<file path=ppt/slides/slide27.xml><?xml version="1.0" encoding="utf-8"?>
 <p:sld xmlns:a="http://schemas.openxmlformats.org/drawingml/2006/main" xmlns:r="http://schemas.openxmlformats.org/officeDocument/2006/relationships" xmlns:p="http://schemas.openxmlformats.org/presentationml/2006/main">
   <p:cSld>
     <p:spTree>
@@ -12905,7 +14754,7 @@
           <a:p>
             <a:fld id="{92FB8604-3E91-4806-A5CC-428F0C480F73}" type="slidenum">
               <a:rPr lang="en-US" smtClean="0"/>
-              <a:t>22</a:t>
+              <a:t>27</a:t>
             </a:fld>
             <a:endParaRPr lang="en-US"/>
           </a:p>
@@ -12978,7 +14827,7 @@
 </p:sld>
 </file>
 
-<file path=ppt/slides/slide23.xml><?xml version="1.0" encoding="utf-8"?>
+<file path=ppt/slides/slide28.xml><?xml version="1.0" encoding="utf-8"?>
 <p:sld xmlns:a="http://schemas.openxmlformats.org/drawingml/2006/main" xmlns:r="http://schemas.openxmlformats.org/officeDocument/2006/relationships" xmlns:p="http://schemas.openxmlformats.org/presentationml/2006/main">
   <p:cSld>
     <p:spTree>
@@ -13046,7 +14895,7 @@
           <a:p>
             <a:fld id="{92FB8604-3E91-4806-A5CC-428F0C480F73}" type="slidenum">
               <a:rPr lang="en-US" smtClean="0"/>
-              <a:t>23</a:t>
+              <a:t>28</a:t>
             </a:fld>
             <a:endParaRPr lang="en-US"/>
           </a:p>
@@ -13107,7 +14956,7 @@
 </p:sld>
 </file>
 
-<file path=ppt/slides/slide24.xml><?xml version="1.0" encoding="utf-8"?>
+<file path=ppt/slides/slide29.xml><?xml version="1.0" encoding="utf-8"?>
 <p:sld xmlns:a="http://schemas.openxmlformats.org/drawingml/2006/main" xmlns:r="http://schemas.openxmlformats.org/officeDocument/2006/relationships" xmlns:p="http://schemas.openxmlformats.org/presentationml/2006/main">
   <p:cSld>
     <p:spTree>
@@ -13175,7 +15024,7 @@
           <a:p>
             <a:fld id="{92FB8604-3E91-4806-A5CC-428F0C480F73}" type="slidenum">
               <a:rPr lang="en-US" smtClean="0"/>
-              <a:t>24</a:t>
+              <a:t>29</a:t>
             </a:fld>
             <a:endParaRPr lang="en-US"/>
           </a:p>
@@ -13266,7 +15115,7 @@
 </p:sld>
 </file>
 
-<file path=ppt/slides/slide25.xml><?xml version="1.0" encoding="utf-8"?>
+<file path=ppt/slides/slide3.xml><?xml version="1.0" encoding="utf-8"?>
 <p:sld xmlns:a="http://schemas.openxmlformats.org/drawingml/2006/main" xmlns:r="http://schemas.openxmlformats.org/officeDocument/2006/relationships" xmlns:p="http://schemas.openxmlformats.org/presentationml/2006/main">
   <p:cSld>
     <p:spTree>
@@ -13285,6 +15134,227 @@
       </p:grpSpPr>
       <p:sp>
         <p:nvSpPr>
+          <p:cNvPr id="2" name="Title 1">
+            <a:extLst>
+              <a:ext uri="{FF2B5EF4-FFF2-40B4-BE49-F238E27FC236}">
+                <a16:creationId xmlns:a16="http://schemas.microsoft.com/office/drawing/2014/main" id="{3EAC2DE3-4E08-44BB-B770-3E692BCB206F}"/>
+              </a:ext>
+            </a:extLst>
+          </p:cNvPr>
+          <p:cNvSpPr>
+            <a:spLocks noGrp="1"/>
+          </p:cNvSpPr>
+          <p:nvPr>
+            <p:ph type="title"/>
+          </p:nvPr>
+        </p:nvSpPr>
+        <p:spPr/>
+        <p:txBody>
+          <a:bodyPr/>
+          <a:lstStyle/>
+          <a:p>
+            <a:endParaRPr lang="en-US"/>
+          </a:p>
+        </p:txBody>
+      </p:sp>
+      <p:sp>
+        <p:nvSpPr>
+          <p:cNvPr id="3" name="Content Placeholder 2">
+            <a:extLst>
+              <a:ext uri="{FF2B5EF4-FFF2-40B4-BE49-F238E27FC236}">
+                <a16:creationId xmlns:a16="http://schemas.microsoft.com/office/drawing/2014/main" id="{FB4EA67A-5B73-4349-B1E2-9DDD8C4D9FF3}"/>
+              </a:ext>
+            </a:extLst>
+          </p:cNvPr>
+          <p:cNvSpPr>
+            <a:spLocks noGrp="1"/>
+          </p:cNvSpPr>
+          <p:nvPr>
+            <p:ph idx="1"/>
+          </p:nvPr>
+        </p:nvSpPr>
+        <p:spPr/>
+        <p:txBody>
+          <a:bodyPr/>
+          <a:lstStyle/>
+          <a:p>
+            <a:r>
+              <a:rPr lang="en-US" dirty="0"/>
+              <a:t>GitHub Repo with License file</a:t>
+            </a:r>
+          </a:p>
+          <a:p>
+            <a:r>
+              <a:rPr lang="en-US" dirty="0"/>
+              <a:t>File header with license information</a:t>
+            </a:r>
+          </a:p>
+          <a:p>
+            <a:pPr lvl="1"/>
+            <a:r>
+              <a:rPr lang="en-US" dirty="0"/>
+              <a:t>Many licenses</a:t>
+            </a:r>
+          </a:p>
+          <a:p>
+            <a:endParaRPr lang="en-US" dirty="0"/>
+          </a:p>
+        </p:txBody>
+      </p:sp>
+      <p:sp>
+        <p:nvSpPr>
+          <p:cNvPr id="4" name="Slide Number Placeholder 3">
+            <a:extLst>
+              <a:ext uri="{FF2B5EF4-FFF2-40B4-BE49-F238E27FC236}">
+                <a16:creationId xmlns:a16="http://schemas.microsoft.com/office/drawing/2014/main" id="{49247C86-0AE6-490A-8503-C1FBF524532C}"/>
+              </a:ext>
+            </a:extLst>
+          </p:cNvPr>
+          <p:cNvSpPr>
+            <a:spLocks noGrp="1"/>
+          </p:cNvSpPr>
+          <p:nvPr>
+            <p:ph type="sldNum" sz="quarter" idx="12"/>
+          </p:nvPr>
+        </p:nvSpPr>
+        <p:spPr/>
+        <p:txBody>
+          <a:bodyPr/>
+          <a:lstStyle/>
+          <a:p>
+            <a:fld id="{92FB8604-3E91-4806-A5CC-428F0C480F73}" type="slidenum">
+              <a:rPr lang="en-US" smtClean="0"/>
+              <a:t>3</a:t>
+            </a:fld>
+            <a:endParaRPr lang="en-US"/>
+          </a:p>
+        </p:txBody>
+      </p:sp>
+      <p:pic>
+        <p:nvPicPr>
+          <p:cNvPr id="6" name="Picture 5">
+            <a:extLst>
+              <a:ext uri="{FF2B5EF4-FFF2-40B4-BE49-F238E27FC236}">
+                <a16:creationId xmlns:a16="http://schemas.microsoft.com/office/drawing/2014/main" id="{46E575AB-C65D-4FCE-BF43-8CC41E447FE8}"/>
+              </a:ext>
+            </a:extLst>
+          </p:cNvPr>
+          <p:cNvPicPr>
+            <a:picLocks noChangeAspect="1"/>
+          </p:cNvPicPr>
+          <p:nvPr/>
+        </p:nvPicPr>
+        <p:blipFill>
+          <a:blip r:embed="rId2"/>
+          <a:stretch>
+            <a:fillRect/>
+          </a:stretch>
+        </p:blipFill>
+        <p:spPr>
+          <a:xfrm>
+            <a:off x="2589212" y="0"/>
+            <a:ext cx="5734878" cy="6858000"/>
+          </a:xfrm>
+          <a:prstGeom prst="rect">
+            <a:avLst/>
+          </a:prstGeom>
+          <a:ln>
+            <a:solidFill>
+              <a:schemeClr val="tx1"/>
+            </a:solidFill>
+          </a:ln>
+        </p:spPr>
+      </p:pic>
+      <p:sp>
+        <p:nvSpPr>
+          <p:cNvPr id="11" name="TextBox 10">
+            <a:extLst>
+              <a:ext uri="{FF2B5EF4-FFF2-40B4-BE49-F238E27FC236}">
+                <a16:creationId xmlns:a16="http://schemas.microsoft.com/office/drawing/2014/main" id="{6F9900E4-3211-4309-ABD7-511BF2C9309A}"/>
+              </a:ext>
+            </a:extLst>
+          </p:cNvPr>
+          <p:cNvSpPr txBox="1"/>
+          <p:nvPr/>
+        </p:nvSpPr>
+        <p:spPr>
+          <a:xfrm rot="20488701">
+            <a:off x="4052552" y="2890581"/>
+            <a:ext cx="2371162" cy="584775"/>
+          </a:xfrm>
+          <a:prstGeom prst="rect">
+            <a:avLst/>
+          </a:prstGeom>
+          <a:solidFill>
+            <a:schemeClr val="bg1"/>
+          </a:solidFill>
+          <a:ln w="38100">
+            <a:solidFill>
+              <a:srgbClr val="00B050"/>
+            </a:solidFill>
+          </a:ln>
+        </p:spPr>
+        <p:txBody>
+          <a:bodyPr wrap="none" rtlCol="0">
+            <a:spAutoFit/>
+          </a:bodyPr>
+          <a:lstStyle/>
+          <a:p>
+            <a:r>
+              <a:rPr lang="en-US" sz="3200" dirty="0">
+                <a:solidFill>
+                  <a:srgbClr val="00B050"/>
+                </a:solidFill>
+              </a:rPr>
+              <a:t>License File</a:t>
+            </a:r>
+          </a:p>
+        </p:txBody>
+      </p:sp>
+    </p:spTree>
+    <p:extLst>
+      <p:ext uri="{BB962C8B-B14F-4D97-AF65-F5344CB8AC3E}">
+        <p14:creationId xmlns:p14="http://schemas.microsoft.com/office/powerpoint/2010/main" val="1182248451"/>
+      </p:ext>
+    </p:extLst>
+  </p:cSld>
+  <p:clrMapOvr>
+    <a:masterClrMapping/>
+  </p:clrMapOvr>
+  <mc:AlternateContent xmlns:mc="http://schemas.openxmlformats.org/markup-compatibility/2006" xmlns:p14="http://schemas.microsoft.com/office/powerpoint/2010/main">
+    <mc:Choice Requires="p14">
+      <p:transition spd="med" p14:dur="700">
+        <p:fade/>
+      </p:transition>
+    </mc:Choice>
+    <mc:Fallback xmlns="">
+      <p:transition spd="med">
+        <p:fade/>
+      </p:transition>
+    </mc:Fallback>
+  </mc:AlternateContent>
+</p:sld>
+</file>
+
+<file path=ppt/slides/slide30.xml><?xml version="1.0" encoding="utf-8"?>
+<p:sld xmlns:a="http://schemas.openxmlformats.org/drawingml/2006/main" xmlns:r="http://schemas.openxmlformats.org/officeDocument/2006/relationships" xmlns:p="http://schemas.openxmlformats.org/presentationml/2006/main">
+  <p:cSld>
+    <p:spTree>
+      <p:nvGrpSpPr>
+        <p:cNvPr id="1" name=""/>
+        <p:cNvGrpSpPr/>
+        <p:nvPr/>
+      </p:nvGrpSpPr>
+      <p:grpSpPr>
+        <a:xfrm>
+          <a:off x="0" y="0"/>
+          <a:ext cx="0" cy="0"/>
+          <a:chOff x="0" y="0"/>
+          <a:chExt cx="0" cy="0"/>
+        </a:xfrm>
+      </p:grpSpPr>
+      <p:sp>
+        <p:nvSpPr>
           <p:cNvPr id="6" name="Title 5">
             <a:extLst>
               <a:ext uri="{FF2B5EF4-FFF2-40B4-BE49-F238E27FC236}">
@@ -13334,7 +15404,7 @@
           <a:p>
             <a:fld id="{92FB8604-3E91-4806-A5CC-428F0C480F73}" type="slidenum">
               <a:rPr lang="en-US" smtClean="0"/>
-              <a:t>25</a:t>
+              <a:t>30</a:t>
             </a:fld>
             <a:endParaRPr lang="en-US"/>
           </a:p>
@@ -13455,7 +15525,7 @@
 </p:sld>
 </file>
 
-<file path=ppt/slides/slide26.xml><?xml version="1.0" encoding="utf-8"?>
+<file path=ppt/slides/slide31.xml><?xml version="1.0" encoding="utf-8"?>
 <p:sld xmlns:a="http://schemas.openxmlformats.org/drawingml/2006/main" xmlns:r="http://schemas.openxmlformats.org/officeDocument/2006/relationships" xmlns:p="http://schemas.openxmlformats.org/presentationml/2006/main">
   <p:cSld>
     <p:spTree>
@@ -13523,7 +15593,7 @@
           <a:p>
             <a:fld id="{92FB8604-3E91-4806-A5CC-428F0C480F73}" type="slidenum">
               <a:rPr lang="en-US" smtClean="0"/>
-              <a:t>26</a:t>
+              <a:t>31</a:t>
             </a:fld>
             <a:endParaRPr lang="en-US"/>
           </a:p>
@@ -14648,7 +16718,7 @@
 </p:sld>
 </file>
 
-<file path=ppt/slides/slide27.xml><?xml version="1.0" encoding="utf-8"?>
+<file path=ppt/slides/slide32.xml><?xml version="1.0" encoding="utf-8"?>
 <p:sld xmlns:a="http://schemas.openxmlformats.org/drawingml/2006/main" xmlns:r="http://schemas.openxmlformats.org/officeDocument/2006/relationships" xmlns:p="http://schemas.openxmlformats.org/presentationml/2006/main">
   <p:cSld>
     <p:spTree>
@@ -14748,7 +16818,7 @@
           <a:p>
             <a:fld id="{92FB8604-3E91-4806-A5CC-428F0C480F73}" type="slidenum">
               <a:rPr lang="en-US" smtClean="0"/>
-              <a:t>27</a:t>
+              <a:t>32</a:t>
             </a:fld>
             <a:endParaRPr lang="en-US"/>
           </a:p>
@@ -14941,7 +17011,7 @@
 </p:sld>
 </file>
 
-<file path=ppt/slides/slide28.xml><?xml version="1.0" encoding="utf-8"?>
+<file path=ppt/slides/slide33.xml><?xml version="1.0" encoding="utf-8"?>
 <p:sld xmlns:a="http://schemas.openxmlformats.org/drawingml/2006/main" xmlns:r="http://schemas.openxmlformats.org/officeDocument/2006/relationships" xmlns:p="http://schemas.openxmlformats.org/presentationml/2006/main">
   <p:cSld>
     <p:spTree>
@@ -15041,7 +17111,7 @@
           <a:p>
             <a:fld id="{92FB8604-3E91-4806-A5CC-428F0C480F73}" type="slidenum">
               <a:rPr lang="en-US" smtClean="0"/>
-              <a:t>28</a:t>
+              <a:t>33</a:t>
             </a:fld>
             <a:endParaRPr lang="en-US"/>
           </a:p>
@@ -15180,7 +17250,7 @@
 </p:sld>
 </file>
 
-<file path=ppt/slides/slide29.xml><?xml version="1.0" encoding="utf-8"?>
+<file path=ppt/slides/slide34.xml><?xml version="1.0" encoding="utf-8"?>
 <p:sld xmlns:a="http://schemas.openxmlformats.org/drawingml/2006/main" xmlns:r="http://schemas.openxmlformats.org/officeDocument/2006/relationships" xmlns:p="http://schemas.openxmlformats.org/presentationml/2006/main">
   <p:cSld>
     <p:spTree>
@@ -15280,7 +17350,7 @@
           <a:p>
             <a:fld id="{92FB8604-3E91-4806-A5CC-428F0C480F73}" type="slidenum">
               <a:rPr lang="en-US" smtClean="0"/>
-              <a:t>29</a:t>
+              <a:t>34</a:t>
             </a:fld>
             <a:endParaRPr lang="en-US"/>
           </a:p>
@@ -15365,194 +17435,7 @@
 </p:sld>
 </file>
 
-<file path=ppt/slides/slide3.xml><?xml version="1.0" encoding="utf-8"?>
-<p:sld xmlns:a="http://schemas.openxmlformats.org/drawingml/2006/main" xmlns:r="http://schemas.openxmlformats.org/officeDocument/2006/relationships" xmlns:p="http://schemas.openxmlformats.org/presentationml/2006/main">
-  <p:cSld>
-    <p:spTree>
-      <p:nvGrpSpPr>
-        <p:cNvPr id="1" name=""/>
-        <p:cNvGrpSpPr/>
-        <p:nvPr/>
-      </p:nvGrpSpPr>
-      <p:grpSpPr>
-        <a:xfrm>
-          <a:off x="0" y="0"/>
-          <a:ext cx="0" cy="0"/>
-          <a:chOff x="0" y="0"/>
-          <a:chExt cx="0" cy="0"/>
-        </a:xfrm>
-      </p:grpSpPr>
-      <p:sp>
-        <p:nvSpPr>
-          <p:cNvPr id="2" name="Title 1">
-            <a:extLst>
-              <a:ext uri="{FF2B5EF4-FFF2-40B4-BE49-F238E27FC236}">
-                <a16:creationId xmlns:a16="http://schemas.microsoft.com/office/drawing/2014/main" id="{10627EA4-776C-48B5-A6D9-8404344D441C}"/>
-              </a:ext>
-            </a:extLst>
-          </p:cNvPr>
-          <p:cNvSpPr>
-            <a:spLocks noGrp="1"/>
-          </p:cNvSpPr>
-          <p:nvPr>
-            <p:ph type="title"/>
-          </p:nvPr>
-        </p:nvSpPr>
-        <p:spPr/>
-        <p:txBody>
-          <a:bodyPr/>
-          <a:lstStyle/>
-          <a:p>
-            <a:r>
-              <a:rPr lang="en-US"/>
-              <a:t>The SPDX Specification</a:t>
-            </a:r>
-          </a:p>
-        </p:txBody>
-      </p:sp>
-      <p:sp>
-        <p:nvSpPr>
-          <p:cNvPr id="3" name="Content Placeholder 2">
-            <a:extLst>
-              <a:ext uri="{FF2B5EF4-FFF2-40B4-BE49-F238E27FC236}">
-                <a16:creationId xmlns:a16="http://schemas.microsoft.com/office/drawing/2014/main" id="{EC83D4DB-56CA-4726-8685-ED789E0E46EC}"/>
-              </a:ext>
-            </a:extLst>
-          </p:cNvPr>
-          <p:cNvSpPr>
-            <a:spLocks noGrp="1"/>
-          </p:cNvSpPr>
-          <p:nvPr>
-            <p:ph idx="1"/>
-          </p:nvPr>
-        </p:nvSpPr>
-        <p:spPr>
-          <a:xfrm>
-            <a:off x="2589212" y="2133600"/>
-            <a:ext cx="9117778" cy="3777622"/>
-          </a:xfrm>
-        </p:spPr>
-        <p:txBody>
-          <a:bodyPr/>
-          <a:lstStyle/>
-          <a:p>
-            <a:r>
-              <a:rPr lang="en-US"/>
-              <a:t>“The Software Package Data Exchange® (SPDX®) specification is a </a:t>
-            </a:r>
-            <a:r>
-              <a:rPr lang="en-US" b="1">
-                <a:solidFill>
-                  <a:srgbClr val="00B050"/>
-                </a:solidFill>
-              </a:rPr>
-              <a:t>standard format </a:t>
-            </a:r>
-            <a:r>
-              <a:rPr lang="en-US"/>
-              <a:t>for communicating the components, licenses and copyrights associated with software packages.” - </a:t>
-            </a:r>
-            <a:r>
-              <a:rPr lang="en-US">
-                <a:hlinkClick r:id="rId2"/>
-              </a:rPr>
-              <a:t>www.spdx.org</a:t>
-            </a:r>
-            <a:endParaRPr lang="en-US"/>
-          </a:p>
-        </p:txBody>
-      </p:sp>
-      <p:pic>
-        <p:nvPicPr>
-          <p:cNvPr id="7" name="Picture 6">
-            <a:extLst>
-              <a:ext uri="{FF2B5EF4-FFF2-40B4-BE49-F238E27FC236}">
-                <a16:creationId xmlns:a16="http://schemas.microsoft.com/office/drawing/2014/main" id="{64289186-2D5F-4122-A823-8B25F42FB06B}"/>
-              </a:ext>
-            </a:extLst>
-          </p:cNvPr>
-          <p:cNvPicPr>
-            <a:picLocks noChangeAspect="1"/>
-          </p:cNvPicPr>
-          <p:nvPr/>
-        </p:nvPicPr>
-        <p:blipFill>
-          <a:blip r:embed="rId3">
-            <a:extLst>
-              <a:ext uri="{28A0092B-C50C-407E-A947-70E740481C1C}">
-                <a14:useLocalDpi xmlns:a14="http://schemas.microsoft.com/office/drawing/2010/main" val="0"/>
-              </a:ext>
-            </a:extLst>
-          </a:blip>
-          <a:stretch>
-            <a:fillRect/>
-          </a:stretch>
-        </p:blipFill>
-        <p:spPr>
-          <a:xfrm>
-            <a:off x="2512007" y="4389723"/>
-            <a:ext cx="9069810" cy="1750099"/>
-          </a:xfrm>
-          <a:prstGeom prst="rect">
-            <a:avLst/>
-          </a:prstGeom>
-        </p:spPr>
-      </p:pic>
-      <p:sp>
-        <p:nvSpPr>
-          <p:cNvPr id="8" name="Slide Number Placeholder 7">
-            <a:extLst>
-              <a:ext uri="{FF2B5EF4-FFF2-40B4-BE49-F238E27FC236}">
-                <a16:creationId xmlns:a16="http://schemas.microsoft.com/office/drawing/2014/main" id="{A4C47A87-A258-4B3D-92BF-0488C56A7822}"/>
-              </a:ext>
-            </a:extLst>
-          </p:cNvPr>
-          <p:cNvSpPr>
-            <a:spLocks noGrp="1"/>
-          </p:cNvSpPr>
-          <p:nvPr>
-            <p:ph type="sldNum" sz="quarter" idx="12"/>
-          </p:nvPr>
-        </p:nvSpPr>
-        <p:spPr/>
-        <p:txBody>
-          <a:bodyPr/>
-          <a:lstStyle/>
-          <a:p>
-            <a:fld id="{92FB8604-3E91-4806-A5CC-428F0C480F73}" type="slidenum">
-              <a:rPr lang="en-US" smtClean="0"/>
-              <a:t>3</a:t>
-            </a:fld>
-            <a:endParaRPr lang="en-US"/>
-          </a:p>
-        </p:txBody>
-      </p:sp>
-    </p:spTree>
-    <p:extLst>
-      <p:ext uri="{BB962C8B-B14F-4D97-AF65-F5344CB8AC3E}">
-        <p14:creationId xmlns:p14="http://schemas.microsoft.com/office/powerpoint/2010/main" val="1690702228"/>
-      </p:ext>
-    </p:extLst>
-  </p:cSld>
-  <p:clrMapOvr>
-    <a:masterClrMapping/>
-  </p:clrMapOvr>
-  <mc:AlternateContent xmlns:mc="http://schemas.openxmlformats.org/markup-compatibility/2006" xmlns:p14="http://schemas.microsoft.com/office/powerpoint/2010/main">
-    <mc:Choice Requires="p14">
-      <p:transition spd="med" p14:dur="700">
-        <p:fade/>
-      </p:transition>
-    </mc:Choice>
-    <mc:Fallback xmlns="">
-      <p:transition spd="med">
-        <p:fade/>
-      </p:transition>
-    </mc:Fallback>
-  </mc:AlternateContent>
-</p:sld>
-</file>
-
-<file path=ppt/slides/slide30.xml><?xml version="1.0" encoding="utf-8"?>
+<file path=ppt/slides/slide35.xml><?xml version="1.0" encoding="utf-8"?>
 <p:sld xmlns:a="http://schemas.openxmlformats.org/drawingml/2006/main" xmlns:r="http://schemas.openxmlformats.org/officeDocument/2006/relationships" xmlns:p="http://schemas.openxmlformats.org/presentationml/2006/main">
   <p:cSld>
     <p:spTree>
@@ -15652,7 +17535,7 @@
           <a:p>
             <a:fld id="{92FB8604-3E91-4806-A5CC-428F0C480F73}" type="slidenum">
               <a:rPr lang="en-US" smtClean="0"/>
-              <a:t>30</a:t>
+              <a:t>35</a:t>
             </a:fld>
             <a:endParaRPr lang="en-US"/>
           </a:p>
@@ -15702,10 +17585,10 @@
       </p:grpSpPr>
       <p:sp>
         <p:nvSpPr>
-          <p:cNvPr id="3" name="Title 2">
+          <p:cNvPr id="2" name="Title 1">
             <a:extLst>
               <a:ext uri="{FF2B5EF4-FFF2-40B4-BE49-F238E27FC236}">
-                <a16:creationId xmlns:a16="http://schemas.microsoft.com/office/drawing/2014/main" id="{0B6152EB-9AC5-4385-A71D-C37B58443C43}"/>
+                <a16:creationId xmlns:a16="http://schemas.microsoft.com/office/drawing/2014/main" id="{3EAC2DE3-4E08-44BB-B770-3E692BCB206F}"/>
               </a:ext>
             </a:extLst>
           </p:cNvPr>
@@ -15721,19 +17604,16 @@
           <a:bodyPr/>
           <a:lstStyle/>
           <a:p>
-            <a:r>
-              <a:rPr lang="en-US"/>
-              <a:t>Research Questions</a:t>
-            </a:r>
-          </a:p>
-        </p:txBody>
-      </p:sp>
-      <p:sp>
-        <p:nvSpPr>
-          <p:cNvPr id="2" name="Content Placeholder 1">
+            <a:endParaRPr lang="en-US"/>
+          </a:p>
+        </p:txBody>
+      </p:sp>
+      <p:sp>
+        <p:nvSpPr>
+          <p:cNvPr id="3" name="Content Placeholder 2">
             <a:extLst>
               <a:ext uri="{FF2B5EF4-FFF2-40B4-BE49-F238E27FC236}">
-                <a16:creationId xmlns:a16="http://schemas.microsoft.com/office/drawing/2014/main" id="{313DFD9F-510F-431F-8F99-172214F663DE}"/>
+                <a16:creationId xmlns:a16="http://schemas.microsoft.com/office/drawing/2014/main" id="{FB4EA67A-5B73-4349-B1E2-9DDD8C4D9FF3}"/>
               </a:ext>
             </a:extLst>
           </p:cNvPr>
@@ -15744,45 +17624,31 @@
             <p:ph idx="1"/>
           </p:nvPr>
         </p:nvSpPr>
-        <p:spPr>
-          <a:xfrm>
-            <a:off x="2589212" y="2133600"/>
-            <a:ext cx="8915400" cy="4470400"/>
-          </a:xfrm>
-        </p:spPr>
-        <p:txBody>
-          <a:bodyPr>
-            <a:normAutofit/>
-          </a:bodyPr>
-          <a:lstStyle/>
-          <a:p>
-            <a:r>
-              <a:rPr lang="en-US" sz="2600" u="sng"/>
-              <a:t>RQ1:</a:t>
-            </a:r>
-            <a:r>
-              <a:rPr lang="en-US" sz="2600"/>
-              <a:t> </a:t>
-            </a:r>
-            <a:r>
-              <a:rPr lang="en-US" sz="2600" i="1"/>
-              <a:t>How do organizations participating in the SPDX community describe their </a:t>
-            </a:r>
-            <a:r>
-              <a:rPr lang="en-US" sz="2600" b="1">
-                <a:solidFill>
-                  <a:srgbClr val="00B050"/>
-                </a:solidFill>
-              </a:rPr>
-              <a:t>local interpretations </a:t>
-            </a:r>
-            <a:r>
-              <a:rPr lang="en-US" sz="2600" i="1"/>
-              <a:t>of communally structured OSS risk management routines? </a:t>
-            </a:r>
-          </a:p>
-          <a:p>
-            <a:endParaRPr lang="en-US" i="1"/>
+        <p:spPr/>
+        <p:txBody>
+          <a:bodyPr/>
+          <a:lstStyle/>
+          <a:p>
+            <a:r>
+              <a:rPr lang="en-US" dirty="0"/>
+              <a:t>GitHub Repo with License file</a:t>
+            </a:r>
+          </a:p>
+          <a:p>
+            <a:r>
+              <a:rPr lang="en-US" dirty="0"/>
+              <a:t>File header with license information</a:t>
+            </a:r>
+          </a:p>
+          <a:p>
+            <a:pPr lvl="1"/>
+            <a:r>
+              <a:rPr lang="en-US" dirty="0"/>
+              <a:t>Many licenses</a:t>
+            </a:r>
+          </a:p>
+          <a:p>
+            <a:endParaRPr lang="en-US" dirty="0"/>
           </a:p>
         </p:txBody>
       </p:sp>
@@ -15791,7 +17657,7 @@
           <p:cNvPr id="4" name="Slide Number Placeholder 3">
             <a:extLst>
               <a:ext uri="{FF2B5EF4-FFF2-40B4-BE49-F238E27FC236}">
-                <a16:creationId xmlns:a16="http://schemas.microsoft.com/office/drawing/2014/main" id="{7486C9EB-0A65-4486-AB28-9A5F0151C297}"/>
+                <a16:creationId xmlns:a16="http://schemas.microsoft.com/office/drawing/2014/main" id="{49247C86-0AE6-490A-8503-C1FBF524532C}"/>
               </a:ext>
             </a:extLst>
           </p:cNvPr>
@@ -15815,10 +17681,126 @@
           </a:p>
         </p:txBody>
       </p:sp>
+      <p:pic>
+        <p:nvPicPr>
+          <p:cNvPr id="6" name="Picture 5">
+            <a:extLst>
+              <a:ext uri="{FF2B5EF4-FFF2-40B4-BE49-F238E27FC236}">
+                <a16:creationId xmlns:a16="http://schemas.microsoft.com/office/drawing/2014/main" id="{46E575AB-C65D-4FCE-BF43-8CC41E447FE8}"/>
+              </a:ext>
+            </a:extLst>
+          </p:cNvPr>
+          <p:cNvPicPr>
+            <a:picLocks noChangeAspect="1"/>
+          </p:cNvPicPr>
+          <p:nvPr/>
+        </p:nvPicPr>
+        <p:blipFill>
+          <a:blip r:embed="rId2"/>
+          <a:stretch>
+            <a:fillRect/>
+          </a:stretch>
+        </p:blipFill>
+        <p:spPr>
+          <a:xfrm>
+            <a:off x="2589212" y="0"/>
+            <a:ext cx="5734878" cy="6858000"/>
+          </a:xfrm>
+          <a:prstGeom prst="rect">
+            <a:avLst/>
+          </a:prstGeom>
+          <a:ln>
+            <a:solidFill>
+              <a:schemeClr val="tx1"/>
+            </a:solidFill>
+          </a:ln>
+        </p:spPr>
+      </p:pic>
+      <p:pic>
+        <p:nvPicPr>
+          <p:cNvPr id="7" name="Picture 6">
+            <a:extLst>
+              <a:ext uri="{FF2B5EF4-FFF2-40B4-BE49-F238E27FC236}">
+                <a16:creationId xmlns:a16="http://schemas.microsoft.com/office/drawing/2014/main" id="{BFDAA4AF-9D8D-41F3-97F5-6D62C386974A}"/>
+              </a:ext>
+            </a:extLst>
+          </p:cNvPr>
+          <p:cNvPicPr>
+            <a:picLocks noChangeAspect="1"/>
+          </p:cNvPicPr>
+          <p:nvPr/>
+        </p:nvPicPr>
+        <p:blipFill>
+          <a:blip r:embed="rId3"/>
+          <a:stretch>
+            <a:fillRect/>
+          </a:stretch>
+        </p:blipFill>
+        <p:spPr>
+          <a:xfrm>
+            <a:off x="3860164" y="946778"/>
+            <a:ext cx="5738911" cy="5184670"/>
+          </a:xfrm>
+          <a:prstGeom prst="rect">
+            <a:avLst/>
+          </a:prstGeom>
+          <a:ln>
+            <a:solidFill>
+              <a:schemeClr val="tx1"/>
+            </a:solidFill>
+          </a:ln>
+        </p:spPr>
+      </p:pic>
+      <p:sp>
+        <p:nvSpPr>
+          <p:cNvPr id="11" name="TextBox 10">
+            <a:extLst>
+              <a:ext uri="{FF2B5EF4-FFF2-40B4-BE49-F238E27FC236}">
+                <a16:creationId xmlns:a16="http://schemas.microsoft.com/office/drawing/2014/main" id="{33F366FC-C669-44C6-BC83-1CB24C772707}"/>
+              </a:ext>
+            </a:extLst>
+          </p:cNvPr>
+          <p:cNvSpPr txBox="1"/>
+          <p:nvPr/>
+        </p:nvSpPr>
+        <p:spPr>
+          <a:xfrm rot="20488701">
+            <a:off x="4510329" y="2935571"/>
+            <a:ext cx="4147289" cy="584775"/>
+          </a:xfrm>
+          <a:prstGeom prst="rect">
+            <a:avLst/>
+          </a:prstGeom>
+          <a:solidFill>
+            <a:schemeClr val="bg1"/>
+          </a:solidFill>
+          <a:ln w="38100">
+            <a:solidFill>
+              <a:srgbClr val="00B050"/>
+            </a:solidFill>
+          </a:ln>
+        </p:spPr>
+        <p:txBody>
+          <a:bodyPr wrap="none" rtlCol="0">
+            <a:spAutoFit/>
+          </a:bodyPr>
+          <a:lstStyle/>
+          <a:p>
+            <a:r>
+              <a:rPr lang="en-US" sz="3200" dirty="0">
+                <a:solidFill>
+                  <a:srgbClr val="00B050"/>
+                </a:solidFill>
+              </a:rPr>
+              <a:t>Short License Header</a:t>
+            </a:r>
+          </a:p>
+        </p:txBody>
+      </p:sp>
     </p:spTree>
     <p:extLst>
       <p:ext uri="{BB962C8B-B14F-4D97-AF65-F5344CB8AC3E}">
-        <p14:creationId xmlns:p14="http://schemas.microsoft.com/office/powerpoint/2010/main" val="1687835920"/>
+        <p14:creationId xmlns:p14="http://schemas.microsoft.com/office/powerpoint/2010/main" val="2136390269"/>
       </p:ext>
     </p:extLst>
   </p:cSld>
@@ -15859,10 +17841,10 @@
       </p:grpSpPr>
       <p:sp>
         <p:nvSpPr>
-          <p:cNvPr id="3" name="Title 2">
+          <p:cNvPr id="2" name="Title 1">
             <a:extLst>
               <a:ext uri="{FF2B5EF4-FFF2-40B4-BE49-F238E27FC236}">
-                <a16:creationId xmlns:a16="http://schemas.microsoft.com/office/drawing/2014/main" id="{0B6152EB-9AC5-4385-A71D-C37B58443C43}"/>
+                <a16:creationId xmlns:a16="http://schemas.microsoft.com/office/drawing/2014/main" id="{3EAC2DE3-4E08-44BB-B770-3E692BCB206F}"/>
               </a:ext>
             </a:extLst>
           </p:cNvPr>
@@ -15878,19 +17860,16 @@
           <a:bodyPr/>
           <a:lstStyle/>
           <a:p>
-            <a:r>
-              <a:rPr lang="en-US"/>
-              <a:t>Research Questions</a:t>
-            </a:r>
-          </a:p>
-        </p:txBody>
-      </p:sp>
-      <p:sp>
-        <p:nvSpPr>
-          <p:cNvPr id="2" name="Content Placeholder 1">
+            <a:endParaRPr lang="en-US"/>
+          </a:p>
+        </p:txBody>
+      </p:sp>
+      <p:sp>
+        <p:nvSpPr>
+          <p:cNvPr id="3" name="Content Placeholder 2">
             <a:extLst>
               <a:ext uri="{FF2B5EF4-FFF2-40B4-BE49-F238E27FC236}">
-                <a16:creationId xmlns:a16="http://schemas.microsoft.com/office/drawing/2014/main" id="{313DFD9F-510F-431F-8F99-172214F663DE}"/>
+                <a16:creationId xmlns:a16="http://schemas.microsoft.com/office/drawing/2014/main" id="{FB4EA67A-5B73-4349-B1E2-9DDD8C4D9FF3}"/>
               </a:ext>
             </a:extLst>
           </p:cNvPr>
@@ -15901,75 +17880,31 @@
             <p:ph idx="1"/>
           </p:nvPr>
         </p:nvSpPr>
-        <p:spPr>
-          <a:xfrm>
-            <a:off x="2589212" y="2133600"/>
-            <a:ext cx="8915400" cy="4470400"/>
-          </a:xfrm>
-        </p:spPr>
-        <p:txBody>
-          <a:bodyPr>
-            <a:normAutofit/>
-          </a:bodyPr>
-          <a:lstStyle/>
-          <a:p>
-            <a:r>
-              <a:rPr lang="en-US" sz="2600" u="sng"/>
-              <a:t>RQ1:</a:t>
-            </a:r>
-            <a:r>
-              <a:rPr lang="en-US" sz="2600"/>
-              <a:t> </a:t>
-            </a:r>
-            <a:r>
-              <a:rPr lang="en-US" sz="2600" i="1"/>
-              <a:t>How do organizations participating in the SPDX community describe their </a:t>
-            </a:r>
-            <a:r>
-              <a:rPr lang="en-US" sz="2600" b="1">
-                <a:solidFill>
-                  <a:srgbClr val="00B050"/>
-                </a:solidFill>
-              </a:rPr>
-              <a:t>local interpretations </a:t>
-            </a:r>
-            <a:r>
-              <a:rPr lang="en-US" sz="2600" i="1"/>
-              <a:t>of communally structured OSS risk management routines? </a:t>
+        <p:spPr/>
+        <p:txBody>
+          <a:bodyPr/>
+          <a:lstStyle/>
+          <a:p>
+            <a:r>
+              <a:rPr lang="en-US" dirty="0"/>
+              <a:t>GitHub Repo with License file</a:t>
+            </a:r>
+          </a:p>
+          <a:p>
+            <a:r>
+              <a:rPr lang="en-US" dirty="0"/>
+              <a:t>File header with license information</a:t>
             </a:r>
           </a:p>
           <a:p>
             <a:pPr lvl="1"/>
-            <a:endParaRPr lang="en-US" sz="2200"/>
-          </a:p>
-          <a:p>
-            <a:r>
-              <a:rPr lang="en-US" sz="2600" u="sng"/>
-              <a:t>RQ2:</a:t>
-            </a:r>
-            <a:r>
-              <a:rPr lang="en-US" sz="2600"/>
-              <a:t> </a:t>
-            </a:r>
-            <a:r>
-              <a:rPr lang="en-US" sz="2600" i="1"/>
-              <a:t>How do these local interpretations influence the extent of their SPDX </a:t>
-            </a:r>
-            <a:r>
-              <a:rPr lang="en-US" sz="2600" b="1">
-                <a:solidFill>
-                  <a:srgbClr val="00B050"/>
-                </a:solidFill>
-              </a:rPr>
-              <a:t>adoption</a:t>
-            </a:r>
-            <a:r>
-              <a:rPr lang="en-US" sz="2600" i="1"/>
-              <a:t>? </a:t>
-            </a:r>
-          </a:p>
-          <a:p>
-            <a:endParaRPr lang="en-US" i="1"/>
+            <a:r>
+              <a:rPr lang="en-US" dirty="0"/>
+              <a:t>Many licenses</a:t>
+            </a:r>
+          </a:p>
+          <a:p>
+            <a:endParaRPr lang="en-US" dirty="0"/>
           </a:p>
         </p:txBody>
       </p:sp>
@@ -15978,7 +17913,7 @@
           <p:cNvPr id="4" name="Slide Number Placeholder 3">
             <a:extLst>
               <a:ext uri="{FF2B5EF4-FFF2-40B4-BE49-F238E27FC236}">
-                <a16:creationId xmlns:a16="http://schemas.microsoft.com/office/drawing/2014/main" id="{7486C9EB-0A65-4486-AB28-9A5F0151C297}"/>
+                <a16:creationId xmlns:a16="http://schemas.microsoft.com/office/drawing/2014/main" id="{49247C86-0AE6-490A-8503-C1FBF524532C}"/>
               </a:ext>
             </a:extLst>
           </p:cNvPr>
@@ -16002,10 +17937,161 @@
           </a:p>
         </p:txBody>
       </p:sp>
+      <p:pic>
+        <p:nvPicPr>
+          <p:cNvPr id="6" name="Picture 5">
+            <a:extLst>
+              <a:ext uri="{FF2B5EF4-FFF2-40B4-BE49-F238E27FC236}">
+                <a16:creationId xmlns:a16="http://schemas.microsoft.com/office/drawing/2014/main" id="{46E575AB-C65D-4FCE-BF43-8CC41E447FE8}"/>
+              </a:ext>
+            </a:extLst>
+          </p:cNvPr>
+          <p:cNvPicPr>
+            <a:picLocks noChangeAspect="1"/>
+          </p:cNvPicPr>
+          <p:nvPr/>
+        </p:nvPicPr>
+        <p:blipFill>
+          <a:blip r:embed="rId2"/>
+          <a:stretch>
+            <a:fillRect/>
+          </a:stretch>
+        </p:blipFill>
+        <p:spPr>
+          <a:xfrm>
+            <a:off x="2589212" y="0"/>
+            <a:ext cx="5734878" cy="6858000"/>
+          </a:xfrm>
+          <a:prstGeom prst="rect">
+            <a:avLst/>
+          </a:prstGeom>
+          <a:ln>
+            <a:solidFill>
+              <a:schemeClr val="tx1"/>
+            </a:solidFill>
+          </a:ln>
+        </p:spPr>
+      </p:pic>
+      <p:pic>
+        <p:nvPicPr>
+          <p:cNvPr id="7" name="Picture 6">
+            <a:extLst>
+              <a:ext uri="{FF2B5EF4-FFF2-40B4-BE49-F238E27FC236}">
+                <a16:creationId xmlns:a16="http://schemas.microsoft.com/office/drawing/2014/main" id="{BFDAA4AF-9D8D-41F3-97F5-6D62C386974A}"/>
+              </a:ext>
+            </a:extLst>
+          </p:cNvPr>
+          <p:cNvPicPr>
+            <a:picLocks noChangeAspect="1"/>
+          </p:cNvPicPr>
+          <p:nvPr/>
+        </p:nvPicPr>
+        <p:blipFill>
+          <a:blip r:embed="rId3"/>
+          <a:stretch>
+            <a:fillRect/>
+          </a:stretch>
+        </p:blipFill>
+        <p:spPr>
+          <a:xfrm>
+            <a:off x="3860164" y="946778"/>
+            <a:ext cx="5738911" cy="5184670"/>
+          </a:xfrm>
+          <a:prstGeom prst="rect">
+            <a:avLst/>
+          </a:prstGeom>
+          <a:ln>
+            <a:solidFill>
+              <a:schemeClr val="tx1"/>
+            </a:solidFill>
+          </a:ln>
+        </p:spPr>
+      </p:pic>
+      <p:pic>
+        <p:nvPicPr>
+          <p:cNvPr id="8" name="Picture 7">
+            <a:extLst>
+              <a:ext uri="{FF2B5EF4-FFF2-40B4-BE49-F238E27FC236}">
+                <a16:creationId xmlns:a16="http://schemas.microsoft.com/office/drawing/2014/main" id="{CE9E99F3-2737-4300-BF55-E57C0BD724BE}"/>
+              </a:ext>
+            </a:extLst>
+          </p:cNvPr>
+          <p:cNvPicPr>
+            <a:picLocks noChangeAspect="1"/>
+          </p:cNvPicPr>
+          <p:nvPr/>
+        </p:nvPicPr>
+        <p:blipFill>
+          <a:blip r:embed="rId4"/>
+          <a:stretch>
+            <a:fillRect/>
+          </a:stretch>
+        </p:blipFill>
+        <p:spPr>
+          <a:xfrm>
+            <a:off x="5610909" y="0"/>
+            <a:ext cx="5761123" cy="6858000"/>
+          </a:xfrm>
+          <a:prstGeom prst="rect">
+            <a:avLst/>
+          </a:prstGeom>
+          <a:ln>
+            <a:solidFill>
+              <a:schemeClr val="tx1"/>
+            </a:solidFill>
+          </a:ln>
+        </p:spPr>
+      </p:pic>
+      <p:sp>
+        <p:nvSpPr>
+          <p:cNvPr id="5" name="TextBox 4">
+            <a:extLst>
+              <a:ext uri="{FF2B5EF4-FFF2-40B4-BE49-F238E27FC236}">
+                <a16:creationId xmlns:a16="http://schemas.microsoft.com/office/drawing/2014/main" id="{95BD25A5-4C53-46B7-899C-EB68D451517B}"/>
+              </a:ext>
+            </a:extLst>
+          </p:cNvPr>
+          <p:cNvSpPr txBox="1"/>
+          <p:nvPr/>
+        </p:nvSpPr>
+        <p:spPr>
+          <a:xfrm rot="20488701">
+            <a:off x="6639058" y="1679879"/>
+            <a:ext cx="4139851" cy="584775"/>
+          </a:xfrm>
+          <a:prstGeom prst="rect">
+            <a:avLst/>
+          </a:prstGeom>
+          <a:solidFill>
+            <a:schemeClr val="bg1"/>
+          </a:solidFill>
+          <a:ln w="38100">
+            <a:solidFill>
+              <a:srgbClr val="C00000"/>
+            </a:solidFill>
+          </a:ln>
+        </p:spPr>
+        <p:txBody>
+          <a:bodyPr wrap="none" rtlCol="0">
+            <a:spAutoFit/>
+          </a:bodyPr>
+          <a:lstStyle/>
+          <a:p>
+            <a:r>
+              <a:rPr lang="en-US" sz="3200" dirty="0">
+                <a:solidFill>
+                  <a:srgbClr val="FF0000"/>
+                </a:solidFill>
+              </a:rPr>
+              <a:t>MIT License, not GPL</a:t>
+            </a:r>
+          </a:p>
+        </p:txBody>
+      </p:sp>
     </p:spTree>
     <p:extLst>
       <p:ext uri="{BB962C8B-B14F-4D97-AF65-F5344CB8AC3E}">
-        <p14:creationId xmlns:p14="http://schemas.microsoft.com/office/powerpoint/2010/main" val="322638573"/>
+        <p14:creationId xmlns:p14="http://schemas.microsoft.com/office/powerpoint/2010/main" val="2636274882"/>
       </p:ext>
     </p:extLst>
   </p:cSld>
@@ -16046,10 +18132,10 @@
       </p:grpSpPr>
       <p:sp>
         <p:nvSpPr>
-          <p:cNvPr id="3" name="Title 2">
+          <p:cNvPr id="2" name="Title 1">
             <a:extLst>
               <a:ext uri="{FF2B5EF4-FFF2-40B4-BE49-F238E27FC236}">
-                <a16:creationId xmlns:a16="http://schemas.microsoft.com/office/drawing/2014/main" id="{0B6152EB-9AC5-4385-A71D-C37B58443C43}"/>
+                <a16:creationId xmlns:a16="http://schemas.microsoft.com/office/drawing/2014/main" id="{3EAC2DE3-4E08-44BB-B770-3E692BCB206F}"/>
               </a:ext>
             </a:extLst>
           </p:cNvPr>
@@ -16065,19 +18151,16 @@
           <a:bodyPr/>
           <a:lstStyle/>
           <a:p>
-            <a:r>
-              <a:rPr lang="en-US"/>
-              <a:t>Research Questions</a:t>
-            </a:r>
-          </a:p>
-        </p:txBody>
-      </p:sp>
-      <p:sp>
-        <p:nvSpPr>
-          <p:cNvPr id="2" name="Content Placeholder 1">
+            <a:endParaRPr lang="en-US"/>
+          </a:p>
+        </p:txBody>
+      </p:sp>
+      <p:sp>
+        <p:nvSpPr>
+          <p:cNvPr id="3" name="Content Placeholder 2">
             <a:extLst>
               <a:ext uri="{FF2B5EF4-FFF2-40B4-BE49-F238E27FC236}">
-                <a16:creationId xmlns:a16="http://schemas.microsoft.com/office/drawing/2014/main" id="{313DFD9F-510F-431F-8F99-172214F663DE}"/>
+                <a16:creationId xmlns:a16="http://schemas.microsoft.com/office/drawing/2014/main" id="{FB4EA67A-5B73-4349-B1E2-9DDD8C4D9FF3}"/>
               </a:ext>
             </a:extLst>
           </p:cNvPr>
@@ -16088,106 +18171,31 @@
             <p:ph idx="1"/>
           </p:nvPr>
         </p:nvSpPr>
-        <p:spPr>
-          <a:xfrm>
-            <a:off x="2589212" y="2133600"/>
-            <a:ext cx="8915400" cy="4470400"/>
-          </a:xfrm>
-        </p:spPr>
-        <p:txBody>
-          <a:bodyPr>
-            <a:normAutofit fontScale="92500"/>
-          </a:bodyPr>
-          <a:lstStyle/>
-          <a:p>
-            <a:r>
-              <a:rPr lang="en-US" u="sng"/>
-              <a:t>RQ1:</a:t>
-            </a:r>
-            <a:r>
-              <a:rPr lang="en-US"/>
-              <a:t> </a:t>
-            </a:r>
-            <a:r>
-              <a:rPr lang="en-US" i="1"/>
-              <a:t>How do organizations participating in the SPDX community describe their </a:t>
-            </a:r>
-            <a:r>
-              <a:rPr lang="en-US" b="1">
-                <a:solidFill>
-                  <a:srgbClr val="00B050"/>
-                </a:solidFill>
-              </a:rPr>
-              <a:t>local interpretations </a:t>
-            </a:r>
-            <a:r>
-              <a:rPr lang="en-US" i="1"/>
-              <a:t>of communally structured OSS risk management routines? </a:t>
+        <p:spPr/>
+        <p:txBody>
+          <a:bodyPr/>
+          <a:lstStyle/>
+          <a:p>
+            <a:r>
+              <a:rPr lang="en-US" dirty="0"/>
+              <a:t>GitHub Repo with License file</a:t>
+            </a:r>
+          </a:p>
+          <a:p>
+            <a:r>
+              <a:rPr lang="en-US" dirty="0"/>
+              <a:t>File header with license information</a:t>
             </a:r>
           </a:p>
           <a:p>
             <a:pPr lvl="1"/>
-            <a:endParaRPr lang="en-US"/>
-          </a:p>
-          <a:p>
-            <a:r>
-              <a:rPr lang="en-US" u="sng"/>
-              <a:t>RQ2:</a:t>
-            </a:r>
-            <a:r>
-              <a:rPr lang="en-US"/>
-              <a:t> </a:t>
-            </a:r>
-            <a:r>
-              <a:rPr lang="en-US" i="1"/>
-              <a:t>How do these local interpretations influence the extent of their SPDX </a:t>
-            </a:r>
-            <a:r>
-              <a:rPr lang="en-US" b="1">
-                <a:solidFill>
-                  <a:srgbClr val="00B050"/>
-                </a:solidFill>
-              </a:rPr>
-              <a:t>adoption</a:t>
-            </a:r>
-            <a:r>
-              <a:rPr lang="en-US" i="1"/>
-              <a:t>? </a:t>
-            </a:r>
-          </a:p>
-          <a:p>
-            <a:pPr lvl="1"/>
-            <a:endParaRPr lang="en-US" i="1"/>
-          </a:p>
-          <a:p>
-            <a:r>
-              <a:rPr lang="en-US" u="sng"/>
-              <a:t>RQ3:</a:t>
-            </a:r>
-            <a:r>
-              <a:rPr lang="en-US"/>
-              <a:t> </a:t>
-            </a:r>
-            <a:r>
-              <a:rPr lang="en-US" i="1"/>
-              <a:t>How do these member organizations seek to guide the </a:t>
-            </a:r>
-            <a:r>
-              <a:rPr lang="en-US" b="1">
-                <a:solidFill>
-                  <a:srgbClr val="00B050"/>
-                </a:solidFill>
-              </a:rPr>
-              <a:t>advancement</a:t>
-            </a:r>
-            <a:r>
-              <a:rPr lang="en-US"/>
-              <a:t> </a:t>
-            </a:r>
-            <a:r>
-              <a:rPr lang="en-US" i="1"/>
-              <a:t>of the shared SPDX specification? </a:t>
-            </a:r>
+            <a:r>
+              <a:rPr lang="en-US" dirty="0"/>
+              <a:t>Many licenses</a:t>
+            </a:r>
+          </a:p>
+          <a:p>
+            <a:endParaRPr lang="en-US" dirty="0"/>
           </a:p>
         </p:txBody>
       </p:sp>
@@ -16196,7 +18204,7 @@
           <p:cNvPr id="4" name="Slide Number Placeholder 3">
             <a:extLst>
               <a:ext uri="{FF2B5EF4-FFF2-40B4-BE49-F238E27FC236}">
-                <a16:creationId xmlns:a16="http://schemas.microsoft.com/office/drawing/2014/main" id="{7486C9EB-0A65-4486-AB28-9A5F0151C297}"/>
+                <a16:creationId xmlns:a16="http://schemas.microsoft.com/office/drawing/2014/main" id="{49247C86-0AE6-490A-8503-C1FBF524532C}"/>
               </a:ext>
             </a:extLst>
           </p:cNvPr>
@@ -16220,10 +18228,204 @@
           </a:p>
         </p:txBody>
       </p:sp>
+      <p:pic>
+        <p:nvPicPr>
+          <p:cNvPr id="6" name="Picture 5">
+            <a:extLst>
+              <a:ext uri="{FF2B5EF4-FFF2-40B4-BE49-F238E27FC236}">
+                <a16:creationId xmlns:a16="http://schemas.microsoft.com/office/drawing/2014/main" id="{46E575AB-C65D-4FCE-BF43-8CC41E447FE8}"/>
+              </a:ext>
+            </a:extLst>
+          </p:cNvPr>
+          <p:cNvPicPr>
+            <a:picLocks noChangeAspect="1"/>
+          </p:cNvPicPr>
+          <p:nvPr/>
+        </p:nvPicPr>
+        <p:blipFill>
+          <a:blip r:embed="rId2"/>
+          <a:stretch>
+            <a:fillRect/>
+          </a:stretch>
+        </p:blipFill>
+        <p:spPr>
+          <a:xfrm>
+            <a:off x="2589212" y="0"/>
+            <a:ext cx="5734878" cy="6858000"/>
+          </a:xfrm>
+          <a:prstGeom prst="rect">
+            <a:avLst/>
+          </a:prstGeom>
+          <a:ln>
+            <a:solidFill>
+              <a:schemeClr val="tx1"/>
+            </a:solidFill>
+          </a:ln>
+        </p:spPr>
+      </p:pic>
+      <p:pic>
+        <p:nvPicPr>
+          <p:cNvPr id="7" name="Picture 6">
+            <a:extLst>
+              <a:ext uri="{FF2B5EF4-FFF2-40B4-BE49-F238E27FC236}">
+                <a16:creationId xmlns:a16="http://schemas.microsoft.com/office/drawing/2014/main" id="{BFDAA4AF-9D8D-41F3-97F5-6D62C386974A}"/>
+              </a:ext>
+            </a:extLst>
+          </p:cNvPr>
+          <p:cNvPicPr>
+            <a:picLocks noChangeAspect="1"/>
+          </p:cNvPicPr>
+          <p:nvPr/>
+        </p:nvPicPr>
+        <p:blipFill>
+          <a:blip r:embed="rId3"/>
+          <a:stretch>
+            <a:fillRect/>
+          </a:stretch>
+        </p:blipFill>
+        <p:spPr>
+          <a:xfrm>
+            <a:off x="3860164" y="946778"/>
+            <a:ext cx="5738911" cy="5184670"/>
+          </a:xfrm>
+          <a:prstGeom prst="rect">
+            <a:avLst/>
+          </a:prstGeom>
+          <a:ln>
+            <a:solidFill>
+              <a:schemeClr val="tx1"/>
+            </a:solidFill>
+          </a:ln>
+        </p:spPr>
+      </p:pic>
+      <p:pic>
+        <p:nvPicPr>
+          <p:cNvPr id="8" name="Picture 7">
+            <a:extLst>
+              <a:ext uri="{FF2B5EF4-FFF2-40B4-BE49-F238E27FC236}">
+                <a16:creationId xmlns:a16="http://schemas.microsoft.com/office/drawing/2014/main" id="{CE9E99F3-2737-4300-BF55-E57C0BD724BE}"/>
+              </a:ext>
+            </a:extLst>
+          </p:cNvPr>
+          <p:cNvPicPr>
+            <a:picLocks noChangeAspect="1"/>
+          </p:cNvPicPr>
+          <p:nvPr/>
+        </p:nvPicPr>
+        <p:blipFill>
+          <a:blip r:embed="rId4"/>
+          <a:stretch>
+            <a:fillRect/>
+          </a:stretch>
+        </p:blipFill>
+        <p:spPr>
+          <a:xfrm>
+            <a:off x="5610909" y="0"/>
+            <a:ext cx="5761123" cy="6858000"/>
+          </a:xfrm>
+          <a:prstGeom prst="rect">
+            <a:avLst/>
+          </a:prstGeom>
+          <a:ln>
+            <a:solidFill>
+              <a:schemeClr val="tx1"/>
+            </a:solidFill>
+          </a:ln>
+        </p:spPr>
+      </p:pic>
+      <p:pic>
+        <p:nvPicPr>
+          <p:cNvPr id="9" name="Picture 8">
+            <a:extLst>
+              <a:ext uri="{FF2B5EF4-FFF2-40B4-BE49-F238E27FC236}">
+                <a16:creationId xmlns:a16="http://schemas.microsoft.com/office/drawing/2014/main" id="{8006075D-D353-407E-871D-528300B88B01}"/>
+              </a:ext>
+            </a:extLst>
+          </p:cNvPr>
+          <p:cNvPicPr>
+            <a:picLocks noChangeAspect="1"/>
+          </p:cNvPicPr>
+          <p:nvPr/>
+        </p:nvPicPr>
+        <p:blipFill>
+          <a:blip r:embed="rId5"/>
+          <a:stretch>
+            <a:fillRect/>
+          </a:stretch>
+        </p:blipFill>
+        <p:spPr>
+          <a:xfrm>
+            <a:off x="6430877" y="1595915"/>
+            <a:ext cx="5761123" cy="3666169"/>
+          </a:xfrm>
+          <a:prstGeom prst="rect">
+            <a:avLst/>
+          </a:prstGeom>
+          <a:ln>
+            <a:solidFill>
+              <a:schemeClr val="tx1"/>
+            </a:solidFill>
+          </a:ln>
+        </p:spPr>
+      </p:pic>
+      <p:sp>
+        <p:nvSpPr>
+          <p:cNvPr id="10" name="TextBox 9">
+            <a:extLst>
+              <a:ext uri="{FF2B5EF4-FFF2-40B4-BE49-F238E27FC236}">
+                <a16:creationId xmlns:a16="http://schemas.microsoft.com/office/drawing/2014/main" id="{F9E87629-A5C7-4A72-A0ED-5EC76721A872}"/>
+              </a:ext>
+            </a:extLst>
+          </p:cNvPr>
+          <p:cNvSpPr txBox="1"/>
+          <p:nvPr/>
+        </p:nvSpPr>
+        <p:spPr>
+          <a:xfrm rot="20488701">
+            <a:off x="7302289" y="1975890"/>
+            <a:ext cx="4286751" cy="584775"/>
+          </a:xfrm>
+          <a:prstGeom prst="rect">
+            <a:avLst/>
+          </a:prstGeom>
+          <a:solidFill>
+            <a:schemeClr val="bg1"/>
+          </a:solidFill>
+          <a:ln w="38100">
+            <a:solidFill>
+              <a:srgbClr val="00B050"/>
+            </a:solidFill>
+          </a:ln>
+        </p:spPr>
+        <p:txBody>
+          <a:bodyPr wrap="none" rtlCol="0">
+            <a:spAutoFit/>
+          </a:bodyPr>
+          <a:lstStyle/>
+          <a:p>
+            <a:r>
+              <a:rPr lang="en-US" sz="3200" b="1" dirty="0">
+                <a:solidFill>
+                  <a:srgbClr val="00B050"/>
+                </a:solidFill>
+              </a:rPr>
+              <a:t>SPDX</a:t>
+            </a:r>
+            <a:r>
+              <a:rPr lang="en-US" sz="3200" dirty="0">
+                <a:solidFill>
+                  <a:srgbClr val="00B050"/>
+                </a:solidFill>
+              </a:rPr>
+              <a:t> License Header</a:t>
+            </a:r>
+          </a:p>
+        </p:txBody>
+      </p:sp>
     </p:spTree>
     <p:extLst>
       <p:ext uri="{BB962C8B-B14F-4D97-AF65-F5344CB8AC3E}">
-        <p14:creationId xmlns:p14="http://schemas.microsoft.com/office/powerpoint/2010/main" val="2715512760"/>
+        <p14:creationId xmlns:p14="http://schemas.microsoft.com/office/powerpoint/2010/main" val="214970715"/>
       </p:ext>
     </p:extLst>
   </p:cSld>
@@ -16264,10 +18466,10 @@
       </p:grpSpPr>
       <p:sp>
         <p:nvSpPr>
-          <p:cNvPr id="2" name="Title 1">
+          <p:cNvPr id="3" name="Title 2">
             <a:extLst>
               <a:ext uri="{FF2B5EF4-FFF2-40B4-BE49-F238E27FC236}">
-                <a16:creationId xmlns:a16="http://schemas.microsoft.com/office/drawing/2014/main" id="{AA06324C-63A0-441B-815F-C3DD6F565196}"/>
+                <a16:creationId xmlns:a16="http://schemas.microsoft.com/office/drawing/2014/main" id="{89395226-FBBC-470D-AE4D-10FCA2B21D09}"/>
               </a:ext>
             </a:extLst>
           </p:cNvPr>
@@ -16278,67 +18480,96 @@
             <p:ph type="title"/>
           </p:nvPr>
         </p:nvSpPr>
-        <p:spPr>
-          <a:xfrm>
-            <a:off x="2592925" y="624110"/>
-            <a:ext cx="9599075" cy="1280890"/>
-          </a:xfrm>
-        </p:spPr>
+        <p:spPr/>
+        <p:txBody>
+          <a:bodyPr/>
+          <a:lstStyle/>
+          <a:p>
+            <a:r>
+              <a:rPr lang="en-US"/>
+              <a:t>                         Community</a:t>
+            </a:r>
+          </a:p>
+        </p:txBody>
+      </p:sp>
+      <p:sp>
+        <p:nvSpPr>
+          <p:cNvPr id="2" name="Content Placeholder 1">
+            <a:extLst>
+              <a:ext uri="{FF2B5EF4-FFF2-40B4-BE49-F238E27FC236}">
+                <a16:creationId xmlns:a16="http://schemas.microsoft.com/office/drawing/2014/main" id="{B09BC0B2-95F7-4FE0-B584-69B877880160}"/>
+              </a:ext>
+            </a:extLst>
+          </p:cNvPr>
+          <p:cNvSpPr>
+            <a:spLocks noGrp="1"/>
+          </p:cNvSpPr>
+          <p:nvPr>
+            <p:ph idx="1"/>
+          </p:nvPr>
+        </p:nvSpPr>
+        <p:spPr/>
         <p:txBody>
           <a:bodyPr>
-            <a:normAutofit fontScale="90000"/>
+            <a:normAutofit fontScale="92500" lnSpcReduction="20000"/>
           </a:bodyPr>
           <a:lstStyle/>
           <a:p>
             <a:r>
               <a:rPr lang="en-US"/>
-              <a:t>Shared OSS Risk Management Routines</a:t>
-            </a:r>
-            <a:br>
+              <a:t> SPDX® (Software Package Data Exchange®)</a:t>
+            </a:r>
+          </a:p>
+          <a:p>
+            <a:endParaRPr lang="en-US"/>
+          </a:p>
+          <a:p>
+            <a:r>
               <a:rPr lang="en-US"/>
-            </a:br>
+              <a:t>The vision of SPDX is to achieve license compliance with minimal cost across the supply chain</a:t>
+            </a:r>
+          </a:p>
+          <a:p>
+            <a:endParaRPr lang="en-US"/>
+          </a:p>
+          <a:p>
             <a:r>
               <a:rPr lang="en-US"/>
-              <a:t>In the Shared SPDX Standard Development</a:t>
-            </a:r>
-          </a:p>
-        </p:txBody>
-      </p:sp>
-      <p:sp>
-        <p:nvSpPr>
-          <p:cNvPr id="12" name="Slide Number Placeholder 11">
-            <a:extLst>
-              <a:ext uri="{FF2B5EF4-FFF2-40B4-BE49-F238E27FC236}">
-                <a16:creationId xmlns:a16="http://schemas.microsoft.com/office/drawing/2014/main" id="{CD437BED-533A-4B31-BB46-34E301532C24}"/>
-              </a:ext>
-            </a:extLst>
-          </p:cNvPr>
-          <p:cNvSpPr>
-            <a:spLocks noGrp="1"/>
-          </p:cNvSpPr>
-          <p:nvPr>
-            <p:ph type="sldNum" sz="quarter" idx="12"/>
-          </p:nvPr>
-        </p:nvSpPr>
-        <p:spPr/>
-        <p:txBody>
-          <a:bodyPr/>
-          <a:lstStyle/>
-          <a:p>
-            <a:fld id="{92FB8604-3E91-4806-A5CC-428F0C480F73}" type="slidenum">
-              <a:rPr lang="en-US" smtClean="0"/>
-              <a:t>7</a:t>
-            </a:fld>
+              <a:t>SPDX community produces</a:t>
+            </a:r>
+          </a:p>
+          <a:p>
+            <a:pPr lvl="1"/>
+            <a:r>
+              <a:rPr lang="en-US"/>
+              <a:t>License List</a:t>
+            </a:r>
+          </a:p>
+          <a:p>
+            <a:pPr lvl="1"/>
+            <a:r>
+              <a:rPr lang="en-US"/>
+              <a:t>SPDX specification</a:t>
+            </a:r>
+          </a:p>
+          <a:p>
+            <a:pPr lvl="1"/>
+            <a:r>
+              <a:rPr lang="en-US"/>
+              <a:t>Tools</a:t>
+            </a:r>
+          </a:p>
+          <a:p>
             <a:endParaRPr lang="en-US"/>
           </a:p>
         </p:txBody>
       </p:sp>
       <p:pic>
         <p:nvPicPr>
-          <p:cNvPr id="25" name="Picture 24" descr="A close up of a logo&#10;&#10;Description generated with high confidence">
+          <p:cNvPr id="7" name="Picture 6">
             <a:extLst>
               <a:ext uri="{FF2B5EF4-FFF2-40B4-BE49-F238E27FC236}">
-                <a16:creationId xmlns:a16="http://schemas.microsoft.com/office/drawing/2014/main" id="{A0B7F617-0645-4413-B088-DE45C3510199}"/>
+                <a16:creationId xmlns:a16="http://schemas.microsoft.com/office/drawing/2014/main" id="{8203EA26-73CF-424C-AF85-1F9812B4DD2F}"/>
               </a:ext>
             </a:extLst>
           </p:cNvPr>
@@ -16348,7 +18579,7 @@
           <p:nvPr/>
         </p:nvPicPr>
         <p:blipFill>
-          <a:blip r:embed="rId2" cstate="print">
+          <a:blip r:embed="rId3">
             <a:extLst>
               <a:ext uri="{28A0092B-C50C-407E-A947-70E740481C1C}">
                 <a14:useLocalDpi xmlns:a14="http://schemas.microsoft.com/office/drawing/2010/main" val="0"/>
@@ -16361,8 +18592,8 @@
         </p:blipFill>
         <p:spPr>
           <a:xfrm>
-            <a:off x="3962987" y="3451073"/>
-            <a:ext cx="4266027" cy="2274125"/>
+            <a:off x="2589212" y="210215"/>
+            <a:ext cx="3175724" cy="1054340"/>
           </a:xfrm>
           <a:prstGeom prst="rect">
             <a:avLst/>
@@ -16371,55 +18602,37 @@
       </p:pic>
       <p:sp>
         <p:nvSpPr>
-          <p:cNvPr id="9" name="Rectangle 8">
+          <p:cNvPr id="8" name="Slide Number Placeholder 7">
             <a:extLst>
               <a:ext uri="{FF2B5EF4-FFF2-40B4-BE49-F238E27FC236}">
-                <a16:creationId xmlns:a16="http://schemas.microsoft.com/office/drawing/2014/main" id="{C3FA2814-C702-48C2-BE10-E9BB59A858DD}"/>
+                <a16:creationId xmlns:a16="http://schemas.microsoft.com/office/drawing/2014/main" id="{ED9DA2FC-783B-47D8-AE3E-220FA74A96C2}"/>
               </a:ext>
             </a:extLst>
           </p:cNvPr>
-          <p:cNvSpPr/>
-          <p:nvPr/>
-        </p:nvSpPr>
-        <p:spPr>
-          <a:xfrm>
-            <a:off x="4497562" y="2964795"/>
-            <a:ext cx="747539" cy="747539"/>
-          </a:xfrm>
-          <a:prstGeom prst="rect">
-            <a:avLst/>
-          </a:prstGeom>
-        </p:spPr>
-        <p:style>
-          <a:lnRef idx="0">
-            <a:schemeClr val="accent6"/>
-          </a:lnRef>
-          <a:fillRef idx="3">
-            <a:schemeClr val="accent6"/>
-          </a:fillRef>
-          <a:effectRef idx="3">
-            <a:schemeClr val="accent6"/>
-          </a:effectRef>
-          <a:fontRef idx="minor">
-            <a:schemeClr val="lt1"/>
-          </a:fontRef>
-        </p:style>
-        <p:txBody>
-          <a:bodyPr rtlCol="0" anchor="ctr"/>
-          <a:lstStyle/>
-          <a:p>
-            <a:pPr algn="ctr"/>
-            <a:r>
-              <a:rPr lang="en-US"/>
-              <a:t>RQ1</a:t>
-            </a:r>
+          <p:cNvSpPr>
+            <a:spLocks noGrp="1"/>
+          </p:cNvSpPr>
+          <p:nvPr>
+            <p:ph type="sldNum" sz="quarter" idx="12"/>
+          </p:nvPr>
+        </p:nvSpPr>
+        <p:spPr/>
+        <p:txBody>
+          <a:bodyPr/>
+          <a:lstStyle/>
+          <a:p>
+            <a:fld id="{92FB8604-3E91-4806-A5CC-428F0C480F73}" type="slidenum">
+              <a:rPr lang="en-US" smtClean="0"/>
+              <a:t>7</a:t>
+            </a:fld>
+            <a:endParaRPr lang="en-US"/>
           </a:p>
         </p:txBody>
       </p:sp>
     </p:spTree>
     <p:extLst>
       <p:ext uri="{BB962C8B-B14F-4D97-AF65-F5344CB8AC3E}">
-        <p14:creationId xmlns:p14="http://schemas.microsoft.com/office/powerpoint/2010/main" val="3013649992"/>
+        <p14:creationId xmlns:p14="http://schemas.microsoft.com/office/powerpoint/2010/main" val="2342417696"/>
       </p:ext>
     </p:extLst>
   </p:cSld>
@@ -16482,20 +18695,13 @@
         </p:spPr>
         <p:txBody>
           <a:bodyPr>
-            <a:normAutofit fontScale="90000"/>
+            <a:normAutofit/>
           </a:bodyPr>
           <a:lstStyle/>
           <a:p>
             <a:r>
               <a:rPr lang="en-US"/>
-              <a:t>Shared OSS Risk Management Routines</a:t>
-            </a:r>
-            <a:br>
-              <a:rPr lang="en-US"/>
-            </a:br>
-            <a:r>
-              <a:rPr lang="en-US"/>
-              <a:t>In the Shared SPDX Standard Development</a:t>
+              <a:t>OSS Risk Management Routines</a:t>
             </a:r>
           </a:p>
         </p:txBody>
@@ -16531,10 +18737,10 @@
       </p:sp>
       <p:pic>
         <p:nvPicPr>
-          <p:cNvPr id="27" name="Picture 26" descr="A close up of a logo&#10;&#10;Description generated with very high confidence">
+          <p:cNvPr id="25" name="Picture 24" descr="A close up of a logo&#10;&#10;Description generated with high confidence">
             <a:extLst>
               <a:ext uri="{FF2B5EF4-FFF2-40B4-BE49-F238E27FC236}">
-                <a16:creationId xmlns:a16="http://schemas.microsoft.com/office/drawing/2014/main" id="{280AC69F-51AA-4F0E-AAE7-888F3ABAE8FC}"/>
+                <a16:creationId xmlns:a16="http://schemas.microsoft.com/office/drawing/2014/main" id="{A0B7F617-0645-4413-B088-DE45C3510199}"/>
               </a:ext>
             </a:extLst>
           </p:cNvPr>
@@ -16557,65 +18763,18 @@
         </p:blipFill>
         <p:spPr>
           <a:xfrm>
-            <a:off x="1775568" y="3222187"/>
-            <a:ext cx="8640865" cy="2530805"/>
+            <a:off x="3962987" y="3451073"/>
+            <a:ext cx="4266027" cy="2274125"/>
           </a:xfrm>
           <a:prstGeom prst="rect">
             <a:avLst/>
           </a:prstGeom>
         </p:spPr>
       </p:pic>
-      <p:sp>
-        <p:nvSpPr>
-          <p:cNvPr id="30" name="Rectangle 29">
-            <a:extLst>
-              <a:ext uri="{FF2B5EF4-FFF2-40B4-BE49-F238E27FC236}">
-                <a16:creationId xmlns:a16="http://schemas.microsoft.com/office/drawing/2014/main" id="{2B176FE0-DD97-4004-AAB1-A7EE9B41645E}"/>
-              </a:ext>
-            </a:extLst>
-          </p:cNvPr>
-          <p:cNvSpPr/>
-          <p:nvPr/>
-        </p:nvSpPr>
-        <p:spPr>
-          <a:xfrm>
-            <a:off x="6576170" y="3055230"/>
-            <a:ext cx="747539" cy="747539"/>
-          </a:xfrm>
-          <a:prstGeom prst="rect">
-            <a:avLst/>
-          </a:prstGeom>
-        </p:spPr>
-        <p:style>
-          <a:lnRef idx="0">
-            <a:schemeClr val="accent6"/>
-          </a:lnRef>
-          <a:fillRef idx="3">
-            <a:schemeClr val="accent6"/>
-          </a:fillRef>
-          <a:effectRef idx="3">
-            <a:schemeClr val="accent6"/>
-          </a:effectRef>
-          <a:fontRef idx="minor">
-            <a:schemeClr val="lt1"/>
-          </a:fontRef>
-        </p:style>
-        <p:txBody>
-          <a:bodyPr rtlCol="0" anchor="ctr"/>
-          <a:lstStyle/>
-          <a:p>
-            <a:pPr algn="ctr"/>
-            <a:r>
-              <a:rPr lang="en-US"/>
-              <a:t>RQ2</a:t>
-            </a:r>
-          </a:p>
-        </p:txBody>
-      </p:sp>
     </p:spTree>
     <p:extLst>
       <p:ext uri="{BB962C8B-B14F-4D97-AF65-F5344CB8AC3E}">
-        <p14:creationId xmlns:p14="http://schemas.microsoft.com/office/powerpoint/2010/main" val="1987349775"/>
+        <p14:creationId xmlns:p14="http://schemas.microsoft.com/office/powerpoint/2010/main" val="1956165119"/>
       </p:ext>
     </p:extLst>
   </p:cSld>
@@ -16656,10 +18815,10 @@
       </p:grpSpPr>
       <p:sp>
         <p:nvSpPr>
-          <p:cNvPr id="2" name="Title 1">
+          <p:cNvPr id="3" name="Title 2">
             <a:extLst>
               <a:ext uri="{FF2B5EF4-FFF2-40B4-BE49-F238E27FC236}">
-                <a16:creationId xmlns:a16="http://schemas.microsoft.com/office/drawing/2014/main" id="{AA06324C-63A0-441B-815F-C3DD6F565196}"/>
+                <a16:creationId xmlns:a16="http://schemas.microsoft.com/office/drawing/2014/main" id="{0B6152EB-9AC5-4385-A71D-C37B58443C43}"/>
               </a:ext>
             </a:extLst>
           </p:cNvPr>
@@ -16668,40 +18827,84 @@
           </p:cNvSpPr>
           <p:nvPr>
             <p:ph type="title"/>
+          </p:nvPr>
+        </p:nvSpPr>
+        <p:spPr/>
+        <p:txBody>
+          <a:bodyPr/>
+          <a:lstStyle/>
+          <a:p>
+            <a:r>
+              <a:rPr lang="en-US"/>
+              <a:t>Research Questions</a:t>
+            </a:r>
+          </a:p>
+        </p:txBody>
+      </p:sp>
+      <p:sp>
+        <p:nvSpPr>
+          <p:cNvPr id="2" name="Content Placeholder 1">
+            <a:extLst>
+              <a:ext uri="{FF2B5EF4-FFF2-40B4-BE49-F238E27FC236}">
+                <a16:creationId xmlns:a16="http://schemas.microsoft.com/office/drawing/2014/main" id="{313DFD9F-510F-431F-8F99-172214F663DE}"/>
+              </a:ext>
+            </a:extLst>
+          </p:cNvPr>
+          <p:cNvSpPr>
+            <a:spLocks noGrp="1"/>
+          </p:cNvSpPr>
+          <p:nvPr>
+            <p:ph idx="1"/>
           </p:nvPr>
         </p:nvSpPr>
         <p:spPr>
           <a:xfrm>
-            <a:off x="2592925" y="624110"/>
-            <a:ext cx="9599075" cy="1280890"/>
+            <a:off x="2589212" y="2133600"/>
+            <a:ext cx="8915400" cy="4470400"/>
           </a:xfrm>
         </p:spPr>
         <p:txBody>
           <a:bodyPr>
-            <a:normAutofit fontScale="90000"/>
+            <a:normAutofit/>
           </a:bodyPr>
           <a:lstStyle/>
           <a:p>
             <a:r>
-              <a:rPr lang="en-US"/>
-              <a:t>Shared OSS Risk Management Routines</a:t>
-            </a:r>
-            <a:br>
-              <a:rPr lang="en-US"/>
-            </a:br>
-            <a:r>
-              <a:rPr lang="en-US"/>
-              <a:t>In the Shared SPDX Standard Development</a:t>
-            </a:r>
-          </a:p>
-        </p:txBody>
-      </p:sp>
-      <p:sp>
-        <p:nvSpPr>
-          <p:cNvPr id="12" name="Slide Number Placeholder 11">
+              <a:rPr lang="en-US" sz="2600" u="sng"/>
+              <a:t>RQ1:</a:t>
+            </a:r>
+            <a:r>
+              <a:rPr lang="en-US" sz="2600"/>
+              <a:t> </a:t>
+            </a:r>
+            <a:r>
+              <a:rPr lang="en-US" sz="2600" i="1"/>
+              <a:t>How do organizations participating in the SPDX community describe their </a:t>
+            </a:r>
+            <a:r>
+              <a:rPr lang="en-US" sz="2600" b="1">
+                <a:solidFill>
+                  <a:srgbClr val="00B050"/>
+                </a:solidFill>
+              </a:rPr>
+              <a:t>local interpretations </a:t>
+            </a:r>
+            <a:r>
+              <a:rPr lang="en-US" sz="2600" i="1"/>
+              <a:t>of communally structured OSS risk management routines? </a:t>
+            </a:r>
+          </a:p>
+          <a:p>
+            <a:endParaRPr lang="en-US" i="1"/>
+          </a:p>
+        </p:txBody>
+      </p:sp>
+      <p:sp>
+        <p:nvSpPr>
+          <p:cNvPr id="4" name="Slide Number Placeholder 3">
             <a:extLst>
               <a:ext uri="{FF2B5EF4-FFF2-40B4-BE49-F238E27FC236}">
-                <a16:creationId xmlns:a16="http://schemas.microsoft.com/office/drawing/2014/main" id="{CD437BED-533A-4B31-BB46-34E301532C24}"/>
+                <a16:creationId xmlns:a16="http://schemas.microsoft.com/office/drawing/2014/main" id="{7486C9EB-0A65-4486-AB28-9A5F0151C297}"/>
               </a:ext>
             </a:extLst>
           </p:cNvPr>
@@ -16725,140 +18928,10 @@
           </a:p>
         </p:txBody>
       </p:sp>
-      <p:pic>
-        <p:nvPicPr>
-          <p:cNvPr id="29" name="Picture 28" descr="A picture containing electronics&#10;&#10;Description generated with high confidence">
-            <a:extLst>
-              <a:ext uri="{FF2B5EF4-FFF2-40B4-BE49-F238E27FC236}">
-                <a16:creationId xmlns:a16="http://schemas.microsoft.com/office/drawing/2014/main" id="{888948C0-5EE5-4232-A6D5-ABD48C6A0D20}"/>
-              </a:ext>
-            </a:extLst>
-          </p:cNvPr>
-          <p:cNvPicPr>
-            <a:picLocks noChangeAspect="1"/>
-          </p:cNvPicPr>
-          <p:nvPr/>
-        </p:nvPicPr>
-        <p:blipFill>
-          <a:blip r:embed="rId2" cstate="print">
-            <a:extLst>
-              <a:ext uri="{28A0092B-C50C-407E-A947-70E740481C1C}">
-                <a14:useLocalDpi xmlns:a14="http://schemas.microsoft.com/office/drawing/2010/main" val="0"/>
-              </a:ext>
-            </a:extLst>
-          </a:blip>
-          <a:stretch>
-            <a:fillRect/>
-          </a:stretch>
-        </p:blipFill>
-        <p:spPr>
-          <a:xfrm>
-            <a:off x="387120" y="3226056"/>
-            <a:ext cx="11683329" cy="2724161"/>
-          </a:xfrm>
-          <a:prstGeom prst="rect">
-            <a:avLst/>
-          </a:prstGeom>
-        </p:spPr>
-      </p:pic>
-      <p:sp>
-        <p:nvSpPr>
-          <p:cNvPr id="31" name="Rectangle 30">
-            <a:extLst>
-              <a:ext uri="{FF2B5EF4-FFF2-40B4-BE49-F238E27FC236}">
-                <a16:creationId xmlns:a16="http://schemas.microsoft.com/office/drawing/2014/main" id="{497153EE-2514-4820-A8CA-62CB28D406C8}"/>
-              </a:ext>
-            </a:extLst>
-          </p:cNvPr>
-          <p:cNvSpPr/>
-          <p:nvPr/>
-        </p:nvSpPr>
-        <p:spPr>
-          <a:xfrm>
-            <a:off x="5234996" y="5005453"/>
-            <a:ext cx="747539" cy="747539"/>
-          </a:xfrm>
-          <a:prstGeom prst="rect">
-            <a:avLst/>
-          </a:prstGeom>
-        </p:spPr>
-        <p:style>
-          <a:lnRef idx="0">
-            <a:schemeClr val="accent6"/>
-          </a:lnRef>
-          <a:fillRef idx="3">
-            <a:schemeClr val="accent6"/>
-          </a:fillRef>
-          <a:effectRef idx="3">
-            <a:schemeClr val="accent6"/>
-          </a:effectRef>
-          <a:fontRef idx="minor">
-            <a:schemeClr val="lt1"/>
-          </a:fontRef>
-        </p:style>
-        <p:txBody>
-          <a:bodyPr rtlCol="0" anchor="ctr"/>
-          <a:lstStyle/>
-          <a:p>
-            <a:pPr algn="ctr"/>
-            <a:r>
-              <a:rPr lang="en-US"/>
-              <a:t>RQ3</a:t>
-            </a:r>
-          </a:p>
-        </p:txBody>
-      </p:sp>
-      <p:sp>
-        <p:nvSpPr>
-          <p:cNvPr id="32" name="Rectangle 31">
-            <a:extLst>
-              <a:ext uri="{FF2B5EF4-FFF2-40B4-BE49-F238E27FC236}">
-                <a16:creationId xmlns:a16="http://schemas.microsoft.com/office/drawing/2014/main" id="{E7A492BD-2C21-49E0-A9E2-2C2815574BDF}"/>
-              </a:ext>
-            </a:extLst>
-          </p:cNvPr>
-          <p:cNvSpPr/>
-          <p:nvPr/>
-        </p:nvSpPr>
-        <p:spPr>
-          <a:xfrm>
-            <a:off x="9333109" y="4113819"/>
-            <a:ext cx="747539" cy="747539"/>
-          </a:xfrm>
-          <a:prstGeom prst="rect">
-            <a:avLst/>
-          </a:prstGeom>
-        </p:spPr>
-        <p:style>
-          <a:lnRef idx="0">
-            <a:schemeClr val="accent6"/>
-          </a:lnRef>
-          <a:fillRef idx="3">
-            <a:schemeClr val="accent6"/>
-          </a:fillRef>
-          <a:effectRef idx="3">
-            <a:schemeClr val="accent6"/>
-          </a:effectRef>
-          <a:fontRef idx="minor">
-            <a:schemeClr val="lt1"/>
-          </a:fontRef>
-        </p:style>
-        <p:txBody>
-          <a:bodyPr rtlCol="0" anchor="ctr"/>
-          <a:lstStyle/>
-          <a:p>
-            <a:pPr algn="ctr"/>
-            <a:r>
-              <a:rPr lang="en-US"/>
-              <a:t>RQ3</a:t>
-            </a:r>
-          </a:p>
-        </p:txBody>
-      </p:sp>
     </p:spTree>
     <p:extLst>
       <p:ext uri="{BB962C8B-B14F-4D97-AF65-F5344CB8AC3E}">
-        <p14:creationId xmlns:p14="http://schemas.microsoft.com/office/powerpoint/2010/main" val="3944331004"/>
+        <p14:creationId xmlns:p14="http://schemas.microsoft.com/office/powerpoint/2010/main" val="1687835920"/>
       </p:ext>
     </p:extLst>
   </p:cSld>
